--- a/Teaching/Chemistry/Labs/FCC Chem 3A Expt 10a Types of Reactions.pptx
+++ b/Teaching/Chemistry/Labs/FCC Chem 3A Expt 10a Types of Reactions.pptx
@@ -5,22 +5,20 @@
     <p:sldMasterId id="2147483803" r:id="rId1"/>
   </p:sldMasterIdLst>
   <p:notesMasterIdLst>
-    <p:notesMasterId r:id="rId15"/>
+    <p:notesMasterId r:id="rId13"/>
   </p:notesMasterIdLst>
   <p:sldIdLst>
     <p:sldId id="608" r:id="rId2"/>
     <p:sldId id="609" r:id="rId3"/>
     <p:sldId id="616" r:id="rId4"/>
-    <p:sldId id="618" r:id="rId5"/>
-    <p:sldId id="619" r:id="rId6"/>
-    <p:sldId id="620" r:id="rId7"/>
-    <p:sldId id="613" r:id="rId8"/>
-    <p:sldId id="610" r:id="rId9"/>
-    <p:sldId id="617" r:id="rId10"/>
-    <p:sldId id="622" r:id="rId11"/>
-    <p:sldId id="621" r:id="rId12"/>
-    <p:sldId id="623" r:id="rId13"/>
-    <p:sldId id="612" r:id="rId14"/>
+    <p:sldId id="624" r:id="rId5"/>
+    <p:sldId id="613" r:id="rId6"/>
+    <p:sldId id="610" r:id="rId7"/>
+    <p:sldId id="617" r:id="rId8"/>
+    <p:sldId id="622" r:id="rId9"/>
+    <p:sldId id="621" r:id="rId10"/>
+    <p:sldId id="623" r:id="rId11"/>
+    <p:sldId id="612" r:id="rId12"/>
   </p:sldIdLst>
   <p:sldSz cx="9144000" cy="6858000" type="screen4x3"/>
   <p:notesSz cx="7315200" cy="9601200"/>
@@ -10296,491 +10294,6 @@
 </file>
 
 <file path=ppt/slides/slide10.xml><?xml version="1.0" encoding="utf-8"?>
-<p:sld xmlns:a="http://schemas.openxmlformats.org/drawingml/2006/main" xmlns:r="http://schemas.openxmlformats.org/officeDocument/2006/relationships" xmlns:p="http://schemas.openxmlformats.org/presentationml/2006/main">
-  <p:cSld>
-    <p:spTree>
-      <p:nvGrpSpPr>
-        <p:cNvPr id="1" name="">
-          <a:extLst>
-            <a:ext uri="{FF2B5EF4-FFF2-40B4-BE49-F238E27FC236}">
-              <a16:creationId xmlns:a16="http://schemas.microsoft.com/office/drawing/2014/main" id="{80032430-C568-9444-018A-4A293518DCCA}"/>
-            </a:ext>
-          </a:extLst>
-        </p:cNvPr>
-        <p:cNvGrpSpPr/>
-        <p:nvPr/>
-      </p:nvGrpSpPr>
-      <p:grpSpPr>
-        <a:xfrm>
-          <a:off x="0" y="0"/>
-          <a:ext cx="0" cy="0"/>
-          <a:chOff x="0" y="0"/>
-          <a:chExt cx="0" cy="0"/>
-        </a:xfrm>
-      </p:grpSpPr>
-      <p:sp>
-        <p:nvSpPr>
-          <p:cNvPr id="2" name="Title 1">
-            <a:extLst>
-              <a:ext uri="{FF2B5EF4-FFF2-40B4-BE49-F238E27FC236}">
-                <a16:creationId xmlns:a16="http://schemas.microsoft.com/office/drawing/2014/main" id="{8B652173-3E63-7A53-DF9E-053FCE100E99}"/>
-              </a:ext>
-            </a:extLst>
-          </p:cNvPr>
-          <p:cNvSpPr>
-            <a:spLocks noGrp="1"/>
-          </p:cNvSpPr>
-          <p:nvPr>
-            <p:ph type="title"/>
-          </p:nvPr>
-        </p:nvSpPr>
-        <p:spPr>
-          <a:xfrm>
-            <a:off x="338666" y="183025"/>
-            <a:ext cx="8421512" cy="769441"/>
-          </a:xfrm>
-        </p:spPr>
-        <p:txBody>
-          <a:bodyPr/>
-          <a:lstStyle/>
-          <a:p>
-            <a:r>
-              <a:rPr lang="en-US" sz="4400" dirty="0"/>
-              <a:t>Procedure</a:t>
-            </a:r>
-          </a:p>
-        </p:txBody>
-      </p:sp>
-      <p:sp>
-        <p:nvSpPr>
-          <p:cNvPr id="6" name="Content Placeholder 5">
-            <a:extLst>
-              <a:ext uri="{FF2B5EF4-FFF2-40B4-BE49-F238E27FC236}">
-                <a16:creationId xmlns:a16="http://schemas.microsoft.com/office/drawing/2014/main" id="{2D45A565-8AD4-F37F-9436-FAD0B19DA96C}"/>
-              </a:ext>
-            </a:extLst>
-          </p:cNvPr>
-          <p:cNvSpPr>
-            <a:spLocks noGrp="1"/>
-          </p:cNvSpPr>
-          <p:nvPr>
-            <p:ph idx="1"/>
-          </p:nvPr>
-        </p:nvSpPr>
-        <p:spPr>
-          <a:xfrm>
-            <a:off x="372533" y="952466"/>
-            <a:ext cx="8387645" cy="5595089"/>
-          </a:xfrm>
-        </p:spPr>
-        <p:txBody>
-          <a:bodyPr/>
-          <a:lstStyle/>
-          <a:p>
-            <a:pPr marL="0" indent="0">
-              <a:buNone/>
-            </a:pPr>
-            <a:r>
-              <a:rPr lang="en-US" sz="2800" i="1" dirty="0">
-                <a:solidFill>
-                  <a:srgbClr val="00FF00"/>
-                </a:solidFill>
-              </a:rPr>
-              <a:t>Reaction</a:t>
-            </a:r>
-          </a:p>
-          <a:p>
-            <a:pPr marL="457200" indent="-457200">
-              <a:buFont typeface="+mj-lt"/>
-              <a:buAutoNum type="arabicPeriod"/>
-            </a:pPr>
-            <a:r>
-              <a:rPr lang="en-US" sz="2200" dirty="0"/>
-              <a:t>Heat the contents with a </a:t>
-            </a:r>
-            <a:r>
-              <a:rPr lang="en-US" sz="2200" dirty="0">
-                <a:solidFill>
-                  <a:schemeClr val="accent1">
-                    <a:lumMod val="60000"/>
-                    <a:lumOff val="40000"/>
-                  </a:schemeClr>
-                </a:solidFill>
-              </a:rPr>
-              <a:t>blue flame </a:t>
-            </a:r>
-            <a:r>
-              <a:rPr lang="en-US" sz="2200" dirty="0"/>
-              <a:t>of the </a:t>
-            </a:r>
-            <a:r>
-              <a:rPr lang="en-US" sz="2200" dirty="0">
-                <a:solidFill>
-                  <a:schemeClr val="accent1">
-                    <a:lumMod val="60000"/>
-                    <a:lumOff val="40000"/>
-                  </a:schemeClr>
-                </a:solidFill>
-              </a:rPr>
-              <a:t>Bunsen burner</a:t>
-            </a:r>
-            <a:r>
-              <a:rPr lang="en-US" sz="2200" dirty="0"/>
-              <a:t>. The </a:t>
-            </a:r>
-            <a:r>
-              <a:rPr lang="en-US" sz="2200" dirty="0">
-                <a:solidFill>
-                  <a:srgbClr val="FFFF00"/>
-                </a:solidFill>
-              </a:rPr>
-              <a:t>sulfur</a:t>
-            </a:r>
-            <a:r>
-              <a:rPr lang="en-US" sz="2200" dirty="0"/>
-              <a:t> will melt within about a minute.</a:t>
-            </a:r>
-          </a:p>
-          <a:p>
-            <a:pPr marL="457200" indent="-457200">
-              <a:buFont typeface="+mj-lt"/>
-              <a:buAutoNum type="arabicPeriod"/>
-            </a:pPr>
-            <a:r>
-              <a:rPr lang="en-US" sz="2200" dirty="0"/>
-              <a:t>Use the </a:t>
-            </a:r>
-            <a:r>
-              <a:rPr lang="en-US" sz="2200" dirty="0">
-                <a:solidFill>
-                  <a:schemeClr val="accent1">
-                    <a:lumMod val="60000"/>
-                    <a:lumOff val="40000"/>
-                  </a:schemeClr>
-                </a:solidFill>
-              </a:rPr>
-              <a:t>crucible tongs </a:t>
-            </a:r>
-            <a:r>
-              <a:rPr lang="en-US" sz="2200" dirty="0"/>
-              <a:t>to transfer the crucible to the </a:t>
-            </a:r>
-            <a:r>
-              <a:rPr lang="en-US" sz="2200" dirty="0">
-                <a:solidFill>
-                  <a:schemeClr val="accent1">
-                    <a:lumMod val="60000"/>
-                    <a:lumOff val="40000"/>
-                  </a:schemeClr>
-                </a:solidFill>
-              </a:rPr>
-              <a:t>wire mesh. </a:t>
-            </a:r>
-            <a:r>
-              <a:rPr lang="en-US" sz="2200" dirty="0"/>
-              <a:t>The</a:t>
-            </a:r>
-            <a:r>
-              <a:rPr lang="en-US" sz="2200" dirty="0">
-                <a:solidFill>
-                  <a:schemeClr val="accent1">
-                    <a:lumMod val="60000"/>
-                    <a:lumOff val="40000"/>
-                  </a:schemeClr>
-                </a:solidFill>
-              </a:rPr>
-              <a:t> </a:t>
-            </a:r>
-            <a:r>
-              <a:rPr lang="en-US" sz="2200" dirty="0"/>
-              <a:t>melted sulfur reacts with the copper during this time.</a:t>
-            </a:r>
-          </a:p>
-          <a:p>
-            <a:pPr marL="457200" indent="-457200">
-              <a:buFont typeface="+mj-lt"/>
-              <a:buAutoNum type="arabicPeriod"/>
-            </a:pPr>
-            <a:r>
-              <a:rPr lang="en-US" sz="2200" dirty="0"/>
-              <a:t>Put the crucible back on the flame: the unreacted sulfur will burn off, forming sulfur dioxide (SO</a:t>
-            </a:r>
-            <a:r>
-              <a:rPr lang="en-US" sz="2200" baseline="-25000" dirty="0"/>
-              <a:t>2</a:t>
-            </a:r>
-            <a:r>
-              <a:rPr lang="en-US" sz="2200" dirty="0"/>
-              <a:t>) gas, vented in the hood. The crucible looks clean and dry except for the coil of copper sulfide.</a:t>
-            </a:r>
-          </a:p>
-          <a:p>
-            <a:pPr marL="457200" indent="-457200">
-              <a:buFont typeface="+mj-lt"/>
-              <a:buAutoNum type="arabicPeriod"/>
-            </a:pPr>
-            <a:r>
-              <a:rPr lang="en-US" sz="2200" dirty="0"/>
-              <a:t>Set the crucible again on the wire mesh to cool</a:t>
-            </a:r>
-          </a:p>
-          <a:p>
-            <a:pPr marL="457200" indent="-457200">
-              <a:buFont typeface="+mj-lt"/>
-              <a:buAutoNum type="arabicPeriod"/>
-            </a:pPr>
-            <a:r>
-              <a:rPr lang="en-US" sz="2200" dirty="0"/>
-              <a:t>Record mass of crucible with the new compound (</a:t>
-            </a:r>
-            <a:r>
-              <a:rPr lang="en-US" sz="2200" b="1" dirty="0"/>
-              <a:t>D</a:t>
-            </a:r>
-            <a:r>
-              <a:rPr lang="en-US" sz="2200" dirty="0"/>
-              <a:t>)</a:t>
-            </a:r>
-          </a:p>
-          <a:p>
-            <a:pPr marL="457200" indent="-457200">
-              <a:buFont typeface="+mj-lt"/>
-              <a:buAutoNum type="arabicPeriod"/>
-            </a:pPr>
-            <a:r>
-              <a:rPr lang="en-US" sz="2200" dirty="0"/>
-              <a:t>Carefully tip crucible contents on to watch glass and make observations of physical properties</a:t>
-            </a:r>
-          </a:p>
-          <a:p>
-            <a:pPr marL="457200" indent="-457200">
-              <a:buFont typeface="+mj-lt"/>
-              <a:buAutoNum type="arabicPeriod"/>
-            </a:pPr>
-            <a:endParaRPr lang="en-US" dirty="0"/>
-          </a:p>
-          <a:p>
-            <a:pPr marL="457200" indent="-457200">
-              <a:buFont typeface="+mj-lt"/>
-              <a:buAutoNum type="arabicPeriod"/>
-            </a:pPr>
-            <a:endParaRPr lang="en-US" sz="2800" dirty="0"/>
-          </a:p>
-        </p:txBody>
-      </p:sp>
-    </p:spTree>
-    <p:extLst>
-      <p:ext uri="{BB962C8B-B14F-4D97-AF65-F5344CB8AC3E}">
-        <p14:creationId xmlns:p14="http://schemas.microsoft.com/office/powerpoint/2010/main" val="943315025"/>
-      </p:ext>
-    </p:extLst>
-  </p:cSld>
-  <p:clrMapOvr>
-    <a:masterClrMapping/>
-  </p:clrMapOvr>
-</p:sld>
-</file>
-
-<file path=ppt/slides/slide11.xml><?xml version="1.0" encoding="utf-8"?>
-<p:sld xmlns:a="http://schemas.openxmlformats.org/drawingml/2006/main" xmlns:r="http://schemas.openxmlformats.org/officeDocument/2006/relationships" xmlns:p="http://schemas.openxmlformats.org/presentationml/2006/main">
-  <p:cSld>
-    <p:spTree>
-      <p:nvGrpSpPr>
-        <p:cNvPr id="1" name="">
-          <a:extLst>
-            <a:ext uri="{FF2B5EF4-FFF2-40B4-BE49-F238E27FC236}">
-              <a16:creationId xmlns:a16="http://schemas.microsoft.com/office/drawing/2014/main" id="{BA86FC53-DF32-CE64-DFB5-7C8645A52D75}"/>
-            </a:ext>
-          </a:extLst>
-        </p:cNvPr>
-        <p:cNvGrpSpPr/>
-        <p:nvPr/>
-      </p:nvGrpSpPr>
-      <p:grpSpPr>
-        <a:xfrm>
-          <a:off x="0" y="0"/>
-          <a:ext cx="0" cy="0"/>
-          <a:chOff x="0" y="0"/>
-          <a:chExt cx="0" cy="0"/>
-        </a:xfrm>
-      </p:grpSpPr>
-      <p:sp>
-        <p:nvSpPr>
-          <p:cNvPr id="2" name="Title 1">
-            <a:extLst>
-              <a:ext uri="{FF2B5EF4-FFF2-40B4-BE49-F238E27FC236}">
-                <a16:creationId xmlns:a16="http://schemas.microsoft.com/office/drawing/2014/main" id="{C16FF693-5E30-D813-D298-9AB46F923D33}"/>
-              </a:ext>
-            </a:extLst>
-          </p:cNvPr>
-          <p:cNvSpPr>
-            <a:spLocks noGrp="1"/>
-          </p:cNvSpPr>
-          <p:nvPr>
-            <p:ph type="title"/>
-          </p:nvPr>
-        </p:nvSpPr>
-        <p:spPr>
-          <a:xfrm>
-            <a:off x="338666" y="183025"/>
-            <a:ext cx="8421512" cy="769441"/>
-          </a:xfrm>
-        </p:spPr>
-        <p:txBody>
-          <a:bodyPr/>
-          <a:lstStyle/>
-          <a:p>
-            <a:r>
-              <a:rPr lang="en-US" sz="4400" dirty="0"/>
-              <a:t>Example Data Analysis</a:t>
-            </a:r>
-          </a:p>
-        </p:txBody>
-      </p:sp>
-      <p:sp>
-        <p:nvSpPr>
-          <p:cNvPr id="6" name="Content Placeholder 5">
-            <a:extLst>
-              <a:ext uri="{FF2B5EF4-FFF2-40B4-BE49-F238E27FC236}">
-                <a16:creationId xmlns:a16="http://schemas.microsoft.com/office/drawing/2014/main" id="{584FB2EA-A75D-4ADA-B03B-899868167CF9}"/>
-              </a:ext>
-            </a:extLst>
-          </p:cNvPr>
-          <p:cNvSpPr>
-            <a:spLocks noGrp="1"/>
-          </p:cNvSpPr>
-          <p:nvPr>
-            <p:ph idx="1"/>
-          </p:nvPr>
-        </p:nvSpPr>
-        <p:spPr>
-          <a:xfrm>
-            <a:off x="372533" y="952466"/>
-            <a:ext cx="8387645" cy="5595089"/>
-          </a:xfrm>
-        </p:spPr>
-        <p:txBody>
-          <a:bodyPr/>
-          <a:lstStyle/>
-          <a:p>
-            <a:pPr marL="457200" indent="-457200">
-              <a:buFont typeface="+mj-lt"/>
-              <a:buAutoNum type="arabicPeriod"/>
-            </a:pPr>
-            <a:r>
-              <a:rPr lang="en-US" dirty="0"/>
-              <a:t>Suppose A=23.7584 g, B=34.3532 g,</a:t>
-            </a:r>
-            <a:br>
-              <a:rPr lang="en-US" dirty="0"/>
-            </a:br>
-            <a:r>
-              <a:rPr lang="en-US" dirty="0"/>
-              <a:t>C=37.5732 g. After the reaction, D=36.7841 g</a:t>
-            </a:r>
-          </a:p>
-          <a:p>
-            <a:pPr marL="457200" indent="-457200">
-              <a:buFont typeface="+mj-lt"/>
-              <a:buAutoNum type="arabicPeriod"/>
-            </a:pPr>
-            <a:r>
-              <a:rPr lang="en-US" dirty="0"/>
-              <a:t>[B-A]=10.5948 g, [C-B]=3.2200 g,</a:t>
-            </a:r>
-            <a:br>
-              <a:rPr lang="en-US" dirty="0"/>
-            </a:br>
-            <a:r>
-              <a:rPr lang="en-US" dirty="0"/>
-              <a:t>[D-A]=13.0257 g</a:t>
-            </a:r>
-          </a:p>
-          <a:p>
-            <a:pPr marL="457200" indent="-457200">
-              <a:buFont typeface="+mj-lt"/>
-              <a:buAutoNum type="arabicPeriod"/>
-            </a:pPr>
-            <a:r>
-              <a:rPr lang="en-US" dirty="0"/>
-              <a:t>Copper reacted should be same as initial copper, because copper doesn’t go anywhere</a:t>
-            </a:r>
-          </a:p>
-          <a:p>
-            <a:pPr marL="457200" indent="-457200">
-              <a:buFont typeface="+mj-lt"/>
-              <a:buAutoNum type="arabicPeriod"/>
-            </a:pPr>
-            <a:r>
-              <a:rPr lang="en-US" dirty="0"/>
-              <a:t>Sulfur reacted should be [D-A]-[B-A]=13.0257 g - 10.5948 g= 2.4309 g</a:t>
-            </a:r>
-          </a:p>
-          <a:p>
-            <a:pPr marL="457200" indent="-457200">
-              <a:buFont typeface="+mj-lt"/>
-              <a:buAutoNum type="arabicPeriod"/>
-            </a:pPr>
-            <a:r>
-              <a:rPr lang="en-US" dirty="0"/>
-              <a:t>Excess sulfur = [C-B]-2.4309 g = 3.2200 g – 2.4309 g =0.7891 g </a:t>
-            </a:r>
-          </a:p>
-          <a:p>
-            <a:pPr marL="457200" indent="-457200">
-              <a:buFont typeface="+mj-lt"/>
-              <a:buAutoNum type="arabicPeriod"/>
-            </a:pPr>
-            <a:endParaRPr lang="en-US" dirty="0"/>
-          </a:p>
-          <a:p>
-            <a:pPr marL="0" indent="0">
-              <a:buNone/>
-            </a:pPr>
-            <a:r>
-              <a:rPr lang="en-US" dirty="0"/>
-              <a:t>Mass ratio </a:t>
-            </a:r>
-            <a:r>
-              <a:rPr lang="en-US" sz="2000" dirty="0"/>
-              <a:t>= </a:t>
-            </a:r>
-            <a:r>
-              <a:rPr lang="en-US" sz="1800" dirty="0"/>
-              <a:t>c</a:t>
-            </a:r>
-            <a:r>
-              <a:rPr lang="en-US" sz="2000" dirty="0"/>
-              <a:t>opper/sulfur reacted =</a:t>
-            </a:r>
-            <a:r>
-              <a:rPr lang="en-US" dirty="0"/>
-              <a:t> 10.5948 g/2.4309 g</a:t>
-            </a:r>
-            <a:br>
-              <a:rPr lang="en-US" dirty="0"/>
-            </a:br>
-            <a:r>
-              <a:rPr lang="en-US" dirty="0"/>
-              <a:t>= 4.3583</a:t>
-            </a:r>
-          </a:p>
-        </p:txBody>
-      </p:sp>
-    </p:spTree>
-    <p:extLst>
-      <p:ext uri="{BB962C8B-B14F-4D97-AF65-F5344CB8AC3E}">
-        <p14:creationId xmlns:p14="http://schemas.microsoft.com/office/powerpoint/2010/main" val="2049909912"/>
-      </p:ext>
-    </p:extLst>
-  </p:cSld>
-  <p:clrMapOvr>
-    <a:masterClrMapping/>
-  </p:clrMapOvr>
-</p:sld>
-</file>
-
-<file path=ppt/slides/slide12.xml><?xml version="1.0" encoding="utf-8"?>
 <p:sld xmlns:a="http://schemas.openxmlformats.org/drawingml/2006/main" xmlns:r="http://schemas.openxmlformats.org/officeDocument/2006/relationships" xmlns:p="http://schemas.openxmlformats.org/presentationml/2006/main">
   <p:cSld>
     <p:spTree>
@@ -11373,7 +10886,7 @@
 </p:sld>
 </file>
 
-<file path=ppt/slides/slide13.xml><?xml version="1.0" encoding="utf-8"?>
+<file path=ppt/slides/slide11.xml><?xml version="1.0" encoding="utf-8"?>
 <p:sld xmlns:a="http://schemas.openxmlformats.org/drawingml/2006/main" xmlns:r="http://schemas.openxmlformats.org/officeDocument/2006/relationships" xmlns:p="http://schemas.openxmlformats.org/presentationml/2006/main">
   <p:cSld>
     <p:spTree>
@@ -11558,36 +11071,13 @@
             </a:pPr>
             <a:r>
               <a:rPr lang="en-US" dirty="0"/>
-              <a:t>Observe</a:t>
-            </a:r>
-          </a:p>
-          <a:p>
-            <a:r>
-              <a:rPr lang="en-US" dirty="0"/>
-              <a:t>physical properties of PURE elements: copper wire and solid sulfur</a:t>
-            </a:r>
-          </a:p>
-          <a:p>
-            <a:pPr marL="236538" lvl="1" indent="0">
+              <a:t>There are countless chemical reactions that can occur</a:t>
+            </a:r>
+          </a:p>
+          <a:p>
+            <a:pPr marL="0" indent="0">
               <a:buNone/>
             </a:pPr>
-            <a:r>
-              <a:rPr lang="en-US" sz="2400" i="1" dirty="0">
-                <a:solidFill>
-                  <a:srgbClr val="CC99FF"/>
-                </a:solidFill>
-                <a:latin typeface="Times New Roman" panose="02020603050405020304" pitchFamily="18" charset="0"/>
-                <a:cs typeface="Times New Roman" panose="02020603050405020304" pitchFamily="18" charset="0"/>
-              </a:rPr>
-              <a:t>What are the symbols? What is the proposed chemical reaction?</a:t>
-            </a:r>
-          </a:p>
-          <a:p>
-            <a:pPr marL="342900" indent="-342900"/>
-            <a:r>
-              <a:rPr lang="en-US" dirty="0"/>
-              <a:t>physical properties of compound formed from a chemical reaction of these elements</a:t>
-            </a:r>
             <a:endParaRPr lang="en-US" sz="2000" i="1" dirty="0">
               <a:solidFill>
                 <a:srgbClr val="CC99FF"/>
@@ -11596,38 +11086,38 @@
               <a:cs typeface="Times New Roman" panose="02020603050405020304" pitchFamily="18" charset="0"/>
             </a:endParaRPr>
           </a:p>
+          <a:p>
+            <a:pPr marL="0" indent="0">
+              <a:buNone/>
+            </a:pPr>
+            <a:r>
+              <a:rPr lang="en-US" dirty="0"/>
+              <a:t>But reactions fall within certain types, certain categories</a:t>
+            </a:r>
+          </a:p>
+          <a:p>
+            <a:pPr marL="0" indent="0">
+              <a:buNone/>
+            </a:pPr>
+            <a:endParaRPr lang="en-US" dirty="0"/>
+          </a:p>
+          <a:p>
+            <a:pPr marL="0" indent="0">
+              <a:buNone/>
+            </a:pPr>
+            <a:r>
+              <a:rPr lang="en-US" dirty="0"/>
+              <a:t>This experiment is about studying one of each reaction that falls within a certain type or category</a:t>
+            </a:r>
+          </a:p>
+          <a:p>
+            <a:pPr marL="0" indent="0">
+              <a:buNone/>
+            </a:pPr>
+            <a:endParaRPr lang="en-US" dirty="0"/>
+          </a:p>
         </p:txBody>
       </p:sp>
-      <p:pic>
-        <p:nvPicPr>
-          <p:cNvPr id="7" name="Picture 6">
-            <a:extLst>
-              <a:ext uri="{FF2B5EF4-FFF2-40B4-BE49-F238E27FC236}">
-                <a16:creationId xmlns:a16="http://schemas.microsoft.com/office/drawing/2014/main" id="{F8DB96C6-A975-B61F-73F4-8AC25ECD277E}"/>
-              </a:ext>
-            </a:extLst>
-          </p:cNvPr>
-          <p:cNvPicPr>
-            <a:picLocks noChangeAspect="1"/>
-          </p:cNvPicPr>
-          <p:nvPr/>
-        </p:nvPicPr>
-        <p:blipFill>
-          <a:blip r:embed="rId2"/>
-          <a:stretch>
-            <a:fillRect/>
-          </a:stretch>
-        </p:blipFill>
-        <p:spPr>
-          <a:xfrm>
-            <a:off x="169331" y="3605417"/>
-            <a:ext cx="8794045" cy="3119903"/>
-          </a:xfrm>
-          <a:prstGeom prst="rect">
-            <a:avLst/>
-          </a:prstGeom>
-        </p:spPr>
-      </p:pic>
     </p:spTree>
     <p:extLst>
       <p:ext uri="{BB962C8B-B14F-4D97-AF65-F5344CB8AC3E}">
@@ -11680,7 +11170,12 @@
             <p:ph type="title"/>
           </p:nvPr>
         </p:nvSpPr>
-        <p:spPr/>
+        <p:spPr>
+          <a:xfrm>
+            <a:off x="355599" y="173140"/>
+            <a:ext cx="8421512" cy="830997"/>
+          </a:xfrm>
+        </p:spPr>
         <p:txBody>
           <a:bodyPr/>
           <a:lstStyle/>
@@ -11708,7 +11203,12 @@
             <p:ph idx="1"/>
           </p:nvPr>
         </p:nvSpPr>
-        <p:spPr/>
+        <p:spPr>
+          <a:xfrm>
+            <a:off x="372533" y="1149790"/>
+            <a:ext cx="8387645" cy="5397765"/>
+          </a:xfrm>
+        </p:spPr>
         <p:txBody>
           <a:bodyPr/>
           <a:lstStyle/>
@@ -11717,27 +11217,51 @@
               <a:buNone/>
             </a:pPr>
             <a:r>
-              <a:rPr lang="en-US" sz="2000" dirty="0"/>
-              <a:t>Joseph Proust (1797) stated any sample of a particular compound would be made of same elements in same proportion by mass. This is the Law of Constant Composition.</a:t>
+              <a:rPr lang="en-US" sz="1800" dirty="0"/>
+              <a:t>With the types/categories of reactions, two “schemes” emerge</a:t>
             </a:r>
           </a:p>
           <a:p>
             <a:pPr marL="0" indent="0">
               <a:buNone/>
             </a:pPr>
-            <a:endParaRPr lang="en-US" sz="2000" dirty="0"/>
-          </a:p>
-          <a:p>
-            <a:pPr marL="0" indent="0">
-              <a:buNone/>
-            </a:pPr>
-            <a:r>
-              <a:rPr lang="en-US" sz="2000" dirty="0"/>
-              <a:t>This principle is connected with the Law of the Conservation of Mass and also Dalton’s Atomic Theory concerning how the atoms of elements are never destroyed or created, but just rearranged in chemical reactions forming new compounds.</a:t>
+            <a:r>
+              <a:rPr lang="en-US" sz="1800" dirty="0"/>
+              <a:t>Scheme 1 is “what happens with atoms?” Scheme 2 is about process</a:t>
             </a:r>
           </a:p>
         </p:txBody>
       </p:sp>
+      <p:pic>
+        <p:nvPicPr>
+          <p:cNvPr id="5" name="Picture 4">
+            <a:extLst>
+              <a:ext uri="{FF2B5EF4-FFF2-40B4-BE49-F238E27FC236}">
+                <a16:creationId xmlns:a16="http://schemas.microsoft.com/office/drawing/2014/main" id="{616A0A3C-A5E1-43A2-320C-4EA7F049074E}"/>
+              </a:ext>
+            </a:extLst>
+          </p:cNvPr>
+          <p:cNvPicPr>
+            <a:picLocks noChangeAspect="1"/>
+          </p:cNvPicPr>
+          <p:nvPr/>
+        </p:nvPicPr>
+        <p:blipFill>
+          <a:blip r:embed="rId2"/>
+          <a:stretch>
+            <a:fillRect/>
+          </a:stretch>
+        </p:blipFill>
+        <p:spPr>
+          <a:xfrm>
+            <a:off x="470779" y="1971088"/>
+            <a:ext cx="7859417" cy="4713772"/>
+          </a:xfrm>
+          <a:prstGeom prst="rect">
+            <a:avLst/>
+          </a:prstGeom>
+        </p:spPr>
+      </p:pic>
     </p:spTree>
     <p:extLst>
       <p:ext uri="{BB962C8B-B14F-4D97-AF65-F5344CB8AC3E}">
@@ -11759,7 +11283,7 @@
         <p:cNvPr id="1" name="">
           <a:extLst>
             <a:ext uri="{FF2B5EF4-FFF2-40B4-BE49-F238E27FC236}">
-              <a16:creationId xmlns:a16="http://schemas.microsoft.com/office/drawing/2014/main" id="{3DAB1E55-1723-E0EE-7EFD-D02607EA16A9}"/>
+              <a16:creationId xmlns:a16="http://schemas.microsoft.com/office/drawing/2014/main" id="{D214A80E-1484-0A96-7953-2F0AC71601F5}"/>
             </a:ext>
           </a:extLst>
         </p:cNvPr>
@@ -11779,7 +11303,7 @@
           <p:cNvPr id="2" name="Title 1">
             <a:extLst>
               <a:ext uri="{FF2B5EF4-FFF2-40B4-BE49-F238E27FC236}">
-                <a16:creationId xmlns:a16="http://schemas.microsoft.com/office/drawing/2014/main" id="{D903C2D8-8186-46AC-8E06-7D4D7AEDE47B}"/>
+                <a16:creationId xmlns:a16="http://schemas.microsoft.com/office/drawing/2014/main" id="{187B153A-3365-1DF2-0F93-8563683257A8}"/>
               </a:ext>
             </a:extLst>
           </p:cNvPr>
@@ -11790,14 +11314,19 @@
             <p:ph type="title"/>
           </p:nvPr>
         </p:nvSpPr>
-        <p:spPr/>
+        <p:spPr>
+          <a:xfrm>
+            <a:off x="355599" y="173140"/>
+            <a:ext cx="8421512" cy="830997"/>
+          </a:xfrm>
+        </p:spPr>
         <p:txBody>
           <a:bodyPr/>
           <a:lstStyle/>
           <a:p>
             <a:r>
               <a:rPr lang="en-US" dirty="0"/>
-              <a:t>Limiting &amp; Excess Reagents</a:t>
+              <a:t>Background</a:t>
             </a:r>
           </a:p>
         </p:txBody>
@@ -11807,7 +11336,7 @@
           <p:cNvPr id="3" name="Content Placeholder 2">
             <a:extLst>
               <a:ext uri="{FF2B5EF4-FFF2-40B4-BE49-F238E27FC236}">
-                <a16:creationId xmlns:a16="http://schemas.microsoft.com/office/drawing/2014/main" id="{CFC3C184-A6E1-15DB-1130-302523D67542}"/>
+                <a16:creationId xmlns:a16="http://schemas.microsoft.com/office/drawing/2014/main" id="{2A6C9A7A-0FEE-B429-6394-BC7B800AFA73}"/>
               </a:ext>
             </a:extLst>
           </p:cNvPr>
@@ -11818,86 +11347,39 @@
             <p:ph idx="1"/>
           </p:nvPr>
         </p:nvSpPr>
-        <p:spPr/>
+        <p:spPr>
+          <a:xfrm>
+            <a:off x="372533" y="1149790"/>
+            <a:ext cx="8387645" cy="5397765"/>
+          </a:xfrm>
+        </p:spPr>
         <p:txBody>
           <a:bodyPr/>
           <a:lstStyle/>
           <a:p>
-            <a:r>
-              <a:rPr lang="en-US" dirty="0"/>
-              <a:t>You will learn a very useful concept in chemistry, which is that of the </a:t>
-            </a:r>
-            <a:r>
-              <a:rPr lang="en-US" dirty="0">
-                <a:solidFill>
-                  <a:srgbClr val="00FF00"/>
-                </a:solidFill>
-              </a:rPr>
-              <a:t>limiting</a:t>
-            </a:r>
-            <a:r>
-              <a:rPr lang="en-US" dirty="0"/>
-              <a:t> and </a:t>
-            </a:r>
-            <a:r>
-              <a:rPr lang="en-US" dirty="0">
-                <a:solidFill>
-                  <a:srgbClr val="00FF00"/>
-                </a:solidFill>
-              </a:rPr>
-              <a:t>excess</a:t>
-            </a:r>
-            <a:r>
-              <a:rPr lang="en-US" dirty="0"/>
-              <a:t> </a:t>
-            </a:r>
-            <a:r>
-              <a:rPr lang="en-US" dirty="0">
-                <a:solidFill>
-                  <a:srgbClr val="00FF00"/>
-                </a:solidFill>
-              </a:rPr>
-              <a:t>reagents</a:t>
-            </a:r>
-            <a:r>
-              <a:rPr lang="en-US" dirty="0"/>
-              <a:t>.</a:t>
-            </a:r>
-          </a:p>
-          <a:p>
-            <a:r>
-              <a:rPr lang="en-US" dirty="0"/>
-              <a:t>In this experiment, the copper solid mass will be the limiting reagent, and sulfur will be the excess reagent.</a:t>
-            </a:r>
-          </a:p>
-          <a:p>
-            <a:r>
-              <a:rPr lang="en-US" dirty="0"/>
-              <a:t>This means we want ALL the copper mass to completely react with an excess amount of sulfur</a:t>
-            </a:r>
-          </a:p>
-          <a:p>
             <a:pPr marL="0" indent="0">
               <a:buNone/>
             </a:pPr>
             <a:r>
-              <a:rPr lang="en-US" i="1" dirty="0">
-                <a:solidFill>
-                  <a:srgbClr val="FFC000"/>
-                </a:solidFill>
-              </a:rPr>
-              <a:t>So how do we know if all the copper will react?</a:t>
-            </a:r>
-          </a:p>
-          <a:p>
-            <a:endParaRPr lang="en-US" dirty="0"/>
+              <a:rPr lang="en-US" sz="1800" dirty="0"/>
+              <a:t>With the types/categories of reactions, two “schemes” emerge</a:t>
+            </a:r>
+          </a:p>
+          <a:p>
+            <a:pPr marL="0" indent="0">
+              <a:buNone/>
+            </a:pPr>
+            <a:r>
+              <a:rPr lang="en-US" sz="1800" dirty="0"/>
+              <a:t>Scheme 1 is “what happens with atoms?” Scheme 2 is about process</a:t>
+            </a:r>
           </a:p>
         </p:txBody>
       </p:sp>
     </p:spTree>
     <p:extLst>
       <p:ext uri="{BB962C8B-B14F-4D97-AF65-F5344CB8AC3E}">
-        <p14:creationId xmlns:p14="http://schemas.microsoft.com/office/powerpoint/2010/main" val="3100576228"/>
+        <p14:creationId xmlns:p14="http://schemas.microsoft.com/office/powerpoint/2010/main" val="2917023636"/>
       </p:ext>
     </p:extLst>
   </p:cSld>
@@ -11908,835 +11390,6 @@
 </file>
 
 <file path=ppt/slides/slide5.xml><?xml version="1.0" encoding="utf-8"?>
-<p:sld xmlns:a="http://schemas.openxmlformats.org/drawingml/2006/main" xmlns:r="http://schemas.openxmlformats.org/officeDocument/2006/relationships" xmlns:p="http://schemas.openxmlformats.org/presentationml/2006/main">
-  <p:cSld>
-    <p:spTree>
-      <p:nvGrpSpPr>
-        <p:cNvPr id="1" name="">
-          <a:extLst>
-            <a:ext uri="{FF2B5EF4-FFF2-40B4-BE49-F238E27FC236}">
-              <a16:creationId xmlns:a16="http://schemas.microsoft.com/office/drawing/2014/main" id="{89602FE4-97AA-B2E9-42B8-03DB9375250E}"/>
-            </a:ext>
-          </a:extLst>
-        </p:cNvPr>
-        <p:cNvGrpSpPr/>
-        <p:nvPr/>
-      </p:nvGrpSpPr>
-      <p:grpSpPr>
-        <a:xfrm>
-          <a:off x="0" y="0"/>
-          <a:ext cx="0" cy="0"/>
-          <a:chOff x="0" y="0"/>
-          <a:chExt cx="0" cy="0"/>
-        </a:xfrm>
-      </p:grpSpPr>
-      <p:sp>
-        <p:nvSpPr>
-          <p:cNvPr id="2" name="Title 1">
-            <a:extLst>
-              <a:ext uri="{FF2B5EF4-FFF2-40B4-BE49-F238E27FC236}">
-                <a16:creationId xmlns:a16="http://schemas.microsoft.com/office/drawing/2014/main" id="{35B0DC03-7F7A-43A0-5F01-C7DF8C705AF5}"/>
-              </a:ext>
-            </a:extLst>
-          </p:cNvPr>
-          <p:cNvSpPr>
-            <a:spLocks noGrp="1"/>
-          </p:cNvSpPr>
-          <p:nvPr>
-            <p:ph type="title"/>
-          </p:nvPr>
-        </p:nvSpPr>
-        <p:spPr/>
-        <p:txBody>
-          <a:bodyPr/>
-          <a:lstStyle/>
-          <a:p>
-            <a:r>
-              <a:rPr lang="en-US" dirty="0"/>
-              <a:t>Experiment Planning</a:t>
-            </a:r>
-          </a:p>
-        </p:txBody>
-      </p:sp>
-      <p:sp>
-        <p:nvSpPr>
-          <p:cNvPr id="3" name="Content Placeholder 2">
-            <a:extLst>
-              <a:ext uri="{FF2B5EF4-FFF2-40B4-BE49-F238E27FC236}">
-                <a16:creationId xmlns:a16="http://schemas.microsoft.com/office/drawing/2014/main" id="{9B5A638F-692D-18DA-EAD0-6DAF5A23002A}"/>
-              </a:ext>
-            </a:extLst>
-          </p:cNvPr>
-          <p:cNvSpPr>
-            <a:spLocks noGrp="1"/>
-          </p:cNvSpPr>
-          <p:nvPr>
-            <p:ph idx="1"/>
-          </p:nvPr>
-        </p:nvSpPr>
-        <p:spPr/>
-        <p:txBody>
-          <a:bodyPr/>
-          <a:lstStyle/>
-          <a:p>
-            <a:r>
-              <a:rPr lang="en-US" dirty="0"/>
-              <a:t>Our lab manual says we should have from 2-4 g sulfur used in the reaction. Let’s assume we are at 2 g sulfur: what is the maximum amount of copper mass we should have for it to completely react with the sulfur we use?</a:t>
-            </a:r>
-          </a:p>
-          <a:p>
-            <a:r>
-              <a:rPr lang="en-US" dirty="0"/>
-              <a:t>First we to see the chemical reaction that is happening</a:t>
-            </a:r>
-          </a:p>
-          <a:p>
-            <a:pPr marL="0" indent="0" algn="ctr">
-              <a:buNone/>
-            </a:pPr>
-            <a:r>
-              <a:rPr lang="en-US" dirty="0">
-                <a:solidFill>
-                  <a:schemeClr val="accent1">
-                    <a:lumMod val="60000"/>
-                    <a:lumOff val="40000"/>
-                  </a:schemeClr>
-                </a:solidFill>
-              </a:rPr>
-              <a:t>2 Cu (s) + S (s) </a:t>
-            </a:r>
-            <a:r>
-              <a:rPr lang="en-US" dirty="0">
-                <a:solidFill>
-                  <a:schemeClr val="accent1">
-                    <a:lumMod val="60000"/>
-                    <a:lumOff val="40000"/>
-                  </a:schemeClr>
-                </a:solidFill>
-                <a:sym typeface="Wingdings" panose="05000000000000000000" pitchFamily="2" charset="2"/>
-              </a:rPr>
-              <a:t> Cu</a:t>
-            </a:r>
-            <a:r>
-              <a:rPr lang="en-US" baseline="-25000" dirty="0">
-                <a:solidFill>
-                  <a:schemeClr val="accent1">
-                    <a:lumMod val="60000"/>
-                    <a:lumOff val="40000"/>
-                  </a:schemeClr>
-                </a:solidFill>
-                <a:sym typeface="Wingdings" panose="05000000000000000000" pitchFamily="2" charset="2"/>
-              </a:rPr>
-              <a:t>2</a:t>
-            </a:r>
-            <a:r>
-              <a:rPr lang="en-US" dirty="0">
-                <a:solidFill>
-                  <a:schemeClr val="accent1">
-                    <a:lumMod val="60000"/>
-                    <a:lumOff val="40000"/>
-                  </a:schemeClr>
-                </a:solidFill>
-                <a:sym typeface="Wingdings" panose="05000000000000000000" pitchFamily="2" charset="2"/>
-              </a:rPr>
-              <a:t>S (s)</a:t>
-            </a:r>
-            <a:endParaRPr lang="en-US" dirty="0">
-              <a:solidFill>
-                <a:schemeClr val="accent1">
-                  <a:lumMod val="60000"/>
-                  <a:lumOff val="40000"/>
-                </a:schemeClr>
-              </a:solidFill>
-            </a:endParaRPr>
-          </a:p>
-          <a:p>
-            <a:r>
-              <a:rPr lang="en-US" dirty="0"/>
-              <a:t>You should know how to write &amp; BALANCE this reaction because you should know that copper sulfide is copper (I) sulfide. Note how mass is balanced</a:t>
-            </a:r>
-          </a:p>
-        </p:txBody>
-      </p:sp>
-    </p:spTree>
-    <p:extLst>
-      <p:ext uri="{BB962C8B-B14F-4D97-AF65-F5344CB8AC3E}">
-        <p14:creationId xmlns:p14="http://schemas.microsoft.com/office/powerpoint/2010/main" val="1309167304"/>
-      </p:ext>
-    </p:extLst>
-  </p:cSld>
-  <p:clrMapOvr>
-    <a:masterClrMapping/>
-  </p:clrMapOvr>
-</p:sld>
-</file>
-
-<file path=ppt/slides/slide6.xml><?xml version="1.0" encoding="utf-8"?>
-<p:sld xmlns:a="http://schemas.openxmlformats.org/drawingml/2006/main" xmlns:r="http://schemas.openxmlformats.org/officeDocument/2006/relationships" xmlns:p="http://schemas.openxmlformats.org/presentationml/2006/main">
-  <p:cSld>
-    <p:spTree>
-      <p:nvGrpSpPr>
-        <p:cNvPr id="1" name="">
-          <a:extLst>
-            <a:ext uri="{FF2B5EF4-FFF2-40B4-BE49-F238E27FC236}">
-              <a16:creationId xmlns:a16="http://schemas.microsoft.com/office/drawing/2014/main" id="{A0B314F5-A532-75E0-4452-699E381E2923}"/>
-            </a:ext>
-          </a:extLst>
-        </p:cNvPr>
-        <p:cNvGrpSpPr/>
-        <p:nvPr/>
-      </p:nvGrpSpPr>
-      <p:grpSpPr>
-        <a:xfrm>
-          <a:off x="0" y="0"/>
-          <a:ext cx="0" cy="0"/>
-          <a:chOff x="0" y="0"/>
-          <a:chExt cx="0" cy="0"/>
-        </a:xfrm>
-      </p:grpSpPr>
-      <p:sp>
-        <p:nvSpPr>
-          <p:cNvPr id="2" name="Title 1">
-            <a:extLst>
-              <a:ext uri="{FF2B5EF4-FFF2-40B4-BE49-F238E27FC236}">
-                <a16:creationId xmlns:a16="http://schemas.microsoft.com/office/drawing/2014/main" id="{7B67D3B4-D5D4-23E8-8C4C-0BC5FF420E12}"/>
-              </a:ext>
-            </a:extLst>
-          </p:cNvPr>
-          <p:cNvSpPr>
-            <a:spLocks noGrp="1"/>
-          </p:cNvSpPr>
-          <p:nvPr>
-            <p:ph type="title"/>
-          </p:nvPr>
-        </p:nvSpPr>
-        <p:spPr/>
-        <p:txBody>
-          <a:bodyPr/>
-          <a:lstStyle/>
-          <a:p>
-            <a:r>
-              <a:rPr lang="en-US" dirty="0"/>
-              <a:t>Experiment Planning</a:t>
-            </a:r>
-          </a:p>
-        </p:txBody>
-      </p:sp>
-      <mc:AlternateContent xmlns:mc="http://schemas.openxmlformats.org/markup-compatibility/2006" xmlns:a14="http://schemas.microsoft.com/office/drawing/2010/main">
-        <mc:Choice Requires="a14">
-          <p:sp>
-            <p:nvSpPr>
-              <p:cNvPr id="3" name="Content Placeholder 2">
-                <a:extLst>
-                  <a:ext uri="{FF2B5EF4-FFF2-40B4-BE49-F238E27FC236}">
-                    <a16:creationId xmlns:a16="http://schemas.microsoft.com/office/drawing/2014/main" id="{10F096D7-7F9F-3A76-824B-79A56486284F}"/>
-                  </a:ext>
-                </a:extLst>
-              </p:cNvPr>
-              <p:cNvSpPr>
-                <a:spLocks noGrp="1"/>
-              </p:cNvSpPr>
-              <p:nvPr>
-                <p:ph idx="1"/>
-              </p:nvPr>
-            </p:nvSpPr>
-            <p:spPr/>
-            <p:txBody>
-              <a:bodyPr/>
-              <a:lstStyle/>
-              <a:p>
-                <a:r>
-                  <a:rPr lang="en-US" dirty="0"/>
-                  <a:t>The next step is to know the molar mass of the reactants and the product</a:t>
-                </a:r>
-              </a:p>
-              <a:p>
-                <a:pPr lvl="1"/>
-                <a:r>
-                  <a:rPr lang="en-US" sz="2200" dirty="0">
-                    <a:solidFill>
-                      <a:srgbClr val="FFC000"/>
-                    </a:solidFill>
-                  </a:rPr>
-                  <a:t>Copper</a:t>
-                </a:r>
-                <a:r>
-                  <a:rPr lang="en-US" sz="2200" dirty="0"/>
-                  <a:t>: </a:t>
-                </a:r>
-                <a:r>
-                  <a:rPr lang="en-US" sz="2200" dirty="0">
-                    <a:solidFill>
-                      <a:schemeClr val="accent1">
-                        <a:lumMod val="60000"/>
-                        <a:lumOff val="40000"/>
-                      </a:schemeClr>
-                    </a:solidFill>
-                  </a:rPr>
-                  <a:t>63.546 g/mol</a:t>
-                </a:r>
-              </a:p>
-              <a:p>
-                <a:pPr lvl="1"/>
-                <a:r>
-                  <a:rPr lang="en-US" sz="2200" dirty="0">
-                    <a:solidFill>
-                      <a:srgbClr val="FFC000"/>
-                    </a:solidFill>
-                  </a:rPr>
-                  <a:t>Sulfur</a:t>
-                </a:r>
-                <a:r>
-                  <a:rPr lang="en-US" sz="2200" dirty="0"/>
-                  <a:t>: </a:t>
-                </a:r>
-                <a:r>
-                  <a:rPr lang="en-US" sz="2200" dirty="0">
-                    <a:solidFill>
-                      <a:schemeClr val="accent1">
-                        <a:lumMod val="60000"/>
-                        <a:lumOff val="40000"/>
-                      </a:schemeClr>
-                    </a:solidFill>
-                  </a:rPr>
-                  <a:t>32.065 g/mol</a:t>
-                </a:r>
-              </a:p>
-              <a:p>
-                <a:pPr lvl="1"/>
-                <a:r>
-                  <a:rPr lang="en-US" sz="2200" dirty="0">
-                    <a:solidFill>
-                      <a:srgbClr val="FFC000"/>
-                    </a:solidFill>
-                  </a:rPr>
-                  <a:t>Copper</a:t>
-                </a:r>
-                <a:r>
-                  <a:rPr lang="en-US" sz="2200" dirty="0"/>
-                  <a:t> </a:t>
-                </a:r>
-                <a:r>
-                  <a:rPr lang="en-US" sz="2200" dirty="0">
-                    <a:solidFill>
-                      <a:srgbClr val="FFC000"/>
-                    </a:solidFill>
-                  </a:rPr>
-                  <a:t>(I) sulfide</a:t>
-                </a:r>
-                <a:r>
-                  <a:rPr lang="en-US" sz="2200" dirty="0"/>
-                  <a:t>: 2 × </a:t>
-                </a:r>
-                <a:r>
-                  <a:rPr lang="en-US" sz="2200" dirty="0">
-                    <a:solidFill>
-                      <a:srgbClr val="FFFF00"/>
-                    </a:solidFill>
-                  </a:rPr>
-                  <a:t>Cu</a:t>
-                </a:r>
-                <a:r>
-                  <a:rPr lang="en-US" sz="2200" dirty="0"/>
-                  <a:t> + </a:t>
-                </a:r>
-                <a:r>
-                  <a:rPr lang="en-US" sz="2200" dirty="0">
-                    <a:solidFill>
-                      <a:srgbClr val="FFFF00"/>
-                    </a:solidFill>
-                  </a:rPr>
-                  <a:t>S</a:t>
-                </a:r>
-                <a:r>
-                  <a:rPr lang="en-US" sz="2200" dirty="0"/>
-                  <a:t> = </a:t>
-                </a:r>
-                <a:r>
-                  <a:rPr lang="en-US" sz="2200" dirty="0">
-                    <a:solidFill>
-                      <a:schemeClr val="accent1">
-                        <a:lumMod val="60000"/>
-                        <a:lumOff val="40000"/>
-                      </a:schemeClr>
-                    </a:solidFill>
-                  </a:rPr>
-                  <a:t>159.16 g/mol</a:t>
-                </a:r>
-              </a:p>
-              <a:p>
-                <a:r>
-                  <a:rPr lang="en-US" sz="2200" dirty="0"/>
-                  <a:t>Two atoms of Cu will be used for every one atom of S</a:t>
-                </a:r>
-              </a:p>
-              <a:p>
-                <a:r>
-                  <a:rPr lang="en-US" sz="2200" dirty="0"/>
-                  <a:t>Two MOLES (mol) of Cu will be used for every one MOLE (mol) of S</a:t>
-                </a:r>
-              </a:p>
-              <a:p>
-                <a:r>
-                  <a:rPr lang="en-US" sz="2200" dirty="0"/>
-                  <a:t>You have 2.00 g S: how many g of Cu will it change?</a:t>
-                </a:r>
-              </a:p>
-              <a:p>
-                <a14:m>
-                  <m:oMath xmlns:m="http://schemas.openxmlformats.org/officeDocument/2006/math">
-                    <m:r>
-                      <a:rPr lang="en-US" sz="2200" b="0" i="1" smtClean="0">
-                        <a:latin typeface="Cambria Math" panose="02040503050406030204" pitchFamily="18" charset="0"/>
-                      </a:rPr>
-                      <m:t>2.00 </m:t>
-                    </m:r>
-                    <m:r>
-                      <m:rPr>
-                        <m:nor/>
-                      </m:rPr>
-                      <a:rPr lang="en-US" sz="2200" b="0" i="0" smtClean="0">
-                        <a:latin typeface="Cambria Math" panose="02040503050406030204" pitchFamily="18" charset="0"/>
-                      </a:rPr>
-                      <m:t>g</m:t>
-                    </m:r>
-                    <m:r>
-                      <m:rPr>
-                        <m:nor/>
-                      </m:rPr>
-                      <a:rPr lang="en-US" sz="2200" b="0" i="0" smtClean="0">
-                        <a:latin typeface="Cambria Math" panose="02040503050406030204" pitchFamily="18" charset="0"/>
-                      </a:rPr>
-                      <m:t> </m:t>
-                    </m:r>
-                    <m:r>
-                      <m:rPr>
-                        <m:nor/>
-                      </m:rPr>
-                      <a:rPr lang="en-US" sz="2200" b="0" i="0" smtClean="0">
-                        <a:latin typeface="Cambria Math" panose="02040503050406030204" pitchFamily="18" charset="0"/>
-                      </a:rPr>
-                      <m:t>S</m:t>
-                    </m:r>
-                    <m:r>
-                      <a:rPr lang="en-US" sz="2200" b="0" i="1" smtClean="0">
-                        <a:latin typeface="Cambria Math" panose="02040503050406030204" pitchFamily="18" charset="0"/>
-                        <a:ea typeface="Cambria Math" panose="02040503050406030204" pitchFamily="18" charset="0"/>
-                      </a:rPr>
-                      <m:t>×</m:t>
-                    </m:r>
-                    <m:f>
-                      <m:fPr>
-                        <m:ctrlPr>
-                          <a:rPr lang="en-US" sz="2200" b="0" i="1" smtClean="0">
-                            <a:latin typeface="Cambria Math" panose="02040503050406030204" pitchFamily="18" charset="0"/>
-                            <a:ea typeface="Cambria Math" panose="02040503050406030204" pitchFamily="18" charset="0"/>
-                          </a:rPr>
-                        </m:ctrlPr>
-                      </m:fPr>
-                      <m:num>
-                        <m:r>
-                          <m:rPr>
-                            <m:nor/>
-                          </m:rPr>
-                          <a:rPr lang="en-US" sz="2200" b="0" i="0" smtClean="0">
-                            <a:latin typeface="Cambria Math" panose="02040503050406030204" pitchFamily="18" charset="0"/>
-                            <a:ea typeface="Cambria Math" panose="02040503050406030204" pitchFamily="18" charset="0"/>
-                          </a:rPr>
-                          <m:t>1 </m:t>
-                        </m:r>
-                        <m:r>
-                          <m:rPr>
-                            <m:nor/>
-                          </m:rPr>
-                          <a:rPr lang="en-US" sz="2200" b="0" i="0" smtClean="0">
-                            <a:latin typeface="Cambria Math" panose="02040503050406030204" pitchFamily="18" charset="0"/>
-                            <a:ea typeface="Cambria Math" panose="02040503050406030204" pitchFamily="18" charset="0"/>
-                          </a:rPr>
-                          <m:t>mol</m:t>
-                        </m:r>
-                        <m:r>
-                          <m:rPr>
-                            <m:nor/>
-                          </m:rPr>
-                          <a:rPr lang="en-US" sz="2200" b="0" i="0" smtClean="0">
-                            <a:latin typeface="Cambria Math" panose="02040503050406030204" pitchFamily="18" charset="0"/>
-                            <a:ea typeface="Cambria Math" panose="02040503050406030204" pitchFamily="18" charset="0"/>
-                          </a:rPr>
-                          <m:t> </m:t>
-                        </m:r>
-                        <m:r>
-                          <m:rPr>
-                            <m:nor/>
-                          </m:rPr>
-                          <a:rPr lang="en-US" sz="2200" b="0" i="0" smtClean="0">
-                            <a:latin typeface="Cambria Math" panose="02040503050406030204" pitchFamily="18" charset="0"/>
-                            <a:ea typeface="Cambria Math" panose="02040503050406030204" pitchFamily="18" charset="0"/>
-                          </a:rPr>
-                          <m:t>S</m:t>
-                        </m:r>
-                      </m:num>
-                      <m:den>
-                        <m:r>
-                          <m:rPr>
-                            <m:nor/>
-                          </m:rPr>
-                          <a:rPr lang="en-US" sz="2200" b="0" i="0" smtClean="0">
-                            <a:latin typeface="Cambria Math" panose="02040503050406030204" pitchFamily="18" charset="0"/>
-                            <a:ea typeface="Cambria Math" panose="02040503050406030204" pitchFamily="18" charset="0"/>
-                          </a:rPr>
-                          <m:t>32.065 </m:t>
-                        </m:r>
-                        <m:r>
-                          <m:rPr>
-                            <m:nor/>
-                          </m:rPr>
-                          <a:rPr lang="en-US" sz="2200" b="0" i="0" smtClean="0">
-                            <a:latin typeface="Cambria Math" panose="02040503050406030204" pitchFamily="18" charset="0"/>
-                            <a:ea typeface="Cambria Math" panose="02040503050406030204" pitchFamily="18" charset="0"/>
-                          </a:rPr>
-                          <m:t>g</m:t>
-                        </m:r>
-                        <m:r>
-                          <m:rPr>
-                            <m:nor/>
-                          </m:rPr>
-                          <a:rPr lang="en-US" sz="2200" b="0" i="0" smtClean="0">
-                            <a:latin typeface="Cambria Math" panose="02040503050406030204" pitchFamily="18" charset="0"/>
-                            <a:ea typeface="Cambria Math" panose="02040503050406030204" pitchFamily="18" charset="0"/>
-                          </a:rPr>
-                          <m:t> </m:t>
-                        </m:r>
-                        <m:r>
-                          <m:rPr>
-                            <m:nor/>
-                          </m:rPr>
-                          <a:rPr lang="en-US" sz="2200" b="0" i="0" smtClean="0">
-                            <a:latin typeface="Cambria Math" panose="02040503050406030204" pitchFamily="18" charset="0"/>
-                            <a:ea typeface="Cambria Math" panose="02040503050406030204" pitchFamily="18" charset="0"/>
-                          </a:rPr>
-                          <m:t>S</m:t>
-                        </m:r>
-                      </m:den>
-                    </m:f>
-                    <m:r>
-                      <a:rPr lang="en-US" sz="2200" b="0" i="1" smtClean="0">
-                        <a:latin typeface="Cambria Math" panose="02040503050406030204" pitchFamily="18" charset="0"/>
-                        <a:ea typeface="Cambria Math" panose="02040503050406030204" pitchFamily="18" charset="0"/>
-                      </a:rPr>
-                      <m:t>×</m:t>
-                    </m:r>
-                    <m:f>
-                      <m:fPr>
-                        <m:ctrlPr>
-                          <a:rPr lang="en-US" sz="2200" b="0" i="1" smtClean="0">
-                            <a:latin typeface="Cambria Math" panose="02040503050406030204" pitchFamily="18" charset="0"/>
-                            <a:ea typeface="Cambria Math" panose="02040503050406030204" pitchFamily="18" charset="0"/>
-                          </a:rPr>
-                        </m:ctrlPr>
-                      </m:fPr>
-                      <m:num>
-                        <m:r>
-                          <m:rPr>
-                            <m:nor/>
-                          </m:rPr>
-                          <a:rPr lang="en-US" sz="2200" b="0" i="0" smtClean="0">
-                            <a:latin typeface="Cambria Math" panose="02040503050406030204" pitchFamily="18" charset="0"/>
-                            <a:ea typeface="Cambria Math" panose="02040503050406030204" pitchFamily="18" charset="0"/>
-                          </a:rPr>
-                          <m:t>2 </m:t>
-                        </m:r>
-                        <m:r>
-                          <m:rPr>
-                            <m:nor/>
-                          </m:rPr>
-                          <a:rPr lang="en-US" sz="2200" b="0" i="0" smtClean="0">
-                            <a:latin typeface="Cambria Math" panose="02040503050406030204" pitchFamily="18" charset="0"/>
-                            <a:ea typeface="Cambria Math" panose="02040503050406030204" pitchFamily="18" charset="0"/>
-                          </a:rPr>
-                          <m:t>mol</m:t>
-                        </m:r>
-                        <m:r>
-                          <m:rPr>
-                            <m:nor/>
-                          </m:rPr>
-                          <a:rPr lang="en-US" sz="2200" b="0" i="0" smtClean="0">
-                            <a:latin typeface="Cambria Math" panose="02040503050406030204" pitchFamily="18" charset="0"/>
-                            <a:ea typeface="Cambria Math" panose="02040503050406030204" pitchFamily="18" charset="0"/>
-                          </a:rPr>
-                          <m:t> </m:t>
-                        </m:r>
-                        <m:r>
-                          <m:rPr>
-                            <m:nor/>
-                          </m:rPr>
-                          <a:rPr lang="en-US" sz="2200" b="0" i="0" smtClean="0">
-                            <a:latin typeface="Cambria Math" panose="02040503050406030204" pitchFamily="18" charset="0"/>
-                            <a:ea typeface="Cambria Math" panose="02040503050406030204" pitchFamily="18" charset="0"/>
-                          </a:rPr>
-                          <m:t>Cu</m:t>
-                        </m:r>
-                      </m:num>
-                      <m:den>
-                        <m:r>
-                          <m:rPr>
-                            <m:nor/>
-                          </m:rPr>
-                          <a:rPr lang="en-US" sz="2200" b="0" i="0" smtClean="0">
-                            <a:latin typeface="Cambria Math" panose="02040503050406030204" pitchFamily="18" charset="0"/>
-                            <a:ea typeface="Cambria Math" panose="02040503050406030204" pitchFamily="18" charset="0"/>
-                          </a:rPr>
-                          <m:t>1 </m:t>
-                        </m:r>
-                        <m:r>
-                          <m:rPr>
-                            <m:nor/>
-                          </m:rPr>
-                          <a:rPr lang="en-US" sz="2200" b="0" i="0" smtClean="0">
-                            <a:latin typeface="Cambria Math" panose="02040503050406030204" pitchFamily="18" charset="0"/>
-                            <a:ea typeface="Cambria Math" panose="02040503050406030204" pitchFamily="18" charset="0"/>
-                          </a:rPr>
-                          <m:t>mol</m:t>
-                        </m:r>
-                        <m:r>
-                          <m:rPr>
-                            <m:nor/>
-                          </m:rPr>
-                          <a:rPr lang="en-US" sz="2200" b="0" i="0" smtClean="0">
-                            <a:latin typeface="Cambria Math" panose="02040503050406030204" pitchFamily="18" charset="0"/>
-                            <a:ea typeface="Cambria Math" panose="02040503050406030204" pitchFamily="18" charset="0"/>
-                          </a:rPr>
-                          <m:t> </m:t>
-                        </m:r>
-                        <m:r>
-                          <m:rPr>
-                            <m:nor/>
-                          </m:rPr>
-                          <a:rPr lang="en-US" sz="2200" b="0" i="0" smtClean="0">
-                            <a:latin typeface="Cambria Math" panose="02040503050406030204" pitchFamily="18" charset="0"/>
-                            <a:ea typeface="Cambria Math" panose="02040503050406030204" pitchFamily="18" charset="0"/>
-                          </a:rPr>
-                          <m:t>S</m:t>
-                        </m:r>
-                      </m:den>
-                    </m:f>
-                    <m:r>
-                      <m:rPr>
-                        <m:nor/>
-                      </m:rPr>
-                      <a:rPr lang="en-US" sz="2200" b="0" i="0" smtClean="0">
-                        <a:latin typeface="Cambria Math" panose="02040503050406030204" pitchFamily="18" charset="0"/>
-                        <a:ea typeface="Cambria Math" panose="02040503050406030204" pitchFamily="18" charset="0"/>
-                      </a:rPr>
-                      <m:t>×</m:t>
-                    </m:r>
-                    <m:f>
-                      <m:fPr>
-                        <m:ctrlPr>
-                          <a:rPr lang="en-US" sz="2200" b="0" i="1" smtClean="0">
-                            <a:latin typeface="Cambria Math" panose="02040503050406030204" pitchFamily="18" charset="0"/>
-                            <a:ea typeface="Cambria Math" panose="02040503050406030204" pitchFamily="18" charset="0"/>
-                          </a:rPr>
-                        </m:ctrlPr>
-                      </m:fPr>
-                      <m:num>
-                        <m:r>
-                          <m:rPr>
-                            <m:nor/>
-                          </m:rPr>
-                          <a:rPr lang="en-US" sz="2200" b="0" i="0" smtClean="0">
-                            <a:latin typeface="Cambria Math" panose="02040503050406030204" pitchFamily="18" charset="0"/>
-                            <a:ea typeface="Cambria Math" panose="02040503050406030204" pitchFamily="18" charset="0"/>
-                          </a:rPr>
-                          <m:t>63.546 </m:t>
-                        </m:r>
-                        <m:r>
-                          <m:rPr>
-                            <m:nor/>
-                          </m:rPr>
-                          <a:rPr lang="en-US" sz="2200" b="0" i="0" smtClean="0">
-                            <a:latin typeface="Cambria Math" panose="02040503050406030204" pitchFamily="18" charset="0"/>
-                            <a:ea typeface="Cambria Math" panose="02040503050406030204" pitchFamily="18" charset="0"/>
-                          </a:rPr>
-                          <m:t>g</m:t>
-                        </m:r>
-                        <m:r>
-                          <m:rPr>
-                            <m:nor/>
-                          </m:rPr>
-                          <a:rPr lang="en-US" sz="2200" b="0" i="0" smtClean="0">
-                            <a:latin typeface="Cambria Math" panose="02040503050406030204" pitchFamily="18" charset="0"/>
-                            <a:ea typeface="Cambria Math" panose="02040503050406030204" pitchFamily="18" charset="0"/>
-                          </a:rPr>
-                          <m:t> </m:t>
-                        </m:r>
-                        <m:r>
-                          <m:rPr>
-                            <m:nor/>
-                          </m:rPr>
-                          <a:rPr lang="en-US" sz="2200" b="0" i="0" smtClean="0">
-                            <a:latin typeface="Cambria Math" panose="02040503050406030204" pitchFamily="18" charset="0"/>
-                            <a:ea typeface="Cambria Math" panose="02040503050406030204" pitchFamily="18" charset="0"/>
-                          </a:rPr>
-                          <m:t>Cu</m:t>
-                        </m:r>
-                      </m:num>
-                      <m:den>
-                        <m:r>
-                          <m:rPr>
-                            <m:nor/>
-                          </m:rPr>
-                          <a:rPr lang="en-US" sz="2200" b="0" i="0" smtClean="0">
-                            <a:latin typeface="Cambria Math" panose="02040503050406030204" pitchFamily="18" charset="0"/>
-                            <a:ea typeface="Cambria Math" panose="02040503050406030204" pitchFamily="18" charset="0"/>
-                          </a:rPr>
-                          <m:t>1 </m:t>
-                        </m:r>
-                        <m:r>
-                          <m:rPr>
-                            <m:nor/>
-                          </m:rPr>
-                          <a:rPr lang="en-US" sz="2200" b="0" i="0" smtClean="0">
-                            <a:latin typeface="Cambria Math" panose="02040503050406030204" pitchFamily="18" charset="0"/>
-                            <a:ea typeface="Cambria Math" panose="02040503050406030204" pitchFamily="18" charset="0"/>
-                          </a:rPr>
-                          <m:t>mol</m:t>
-                        </m:r>
-                        <m:r>
-                          <m:rPr>
-                            <m:nor/>
-                          </m:rPr>
-                          <a:rPr lang="en-US" sz="2200" b="0" i="0" smtClean="0">
-                            <a:latin typeface="Cambria Math" panose="02040503050406030204" pitchFamily="18" charset="0"/>
-                            <a:ea typeface="Cambria Math" panose="02040503050406030204" pitchFamily="18" charset="0"/>
-                          </a:rPr>
-                          <m:t> </m:t>
-                        </m:r>
-                        <m:r>
-                          <m:rPr>
-                            <m:nor/>
-                          </m:rPr>
-                          <a:rPr lang="en-US" sz="2200" b="0" i="0" smtClean="0">
-                            <a:latin typeface="Cambria Math" panose="02040503050406030204" pitchFamily="18" charset="0"/>
-                            <a:ea typeface="Cambria Math" panose="02040503050406030204" pitchFamily="18" charset="0"/>
-                          </a:rPr>
-                          <m:t>Cu</m:t>
-                        </m:r>
-                      </m:den>
-                    </m:f>
-                    <m:r>
-                      <m:rPr>
-                        <m:nor/>
-                      </m:rPr>
-                      <a:rPr lang="en-US" sz="2200" b="0" i="0" smtClean="0">
-                        <a:latin typeface="Cambria Math" panose="02040503050406030204" pitchFamily="18" charset="0"/>
-                        <a:ea typeface="Cambria Math" panose="02040503050406030204" pitchFamily="18" charset="0"/>
-                      </a:rPr>
-                      <m:t>=</m:t>
-                    </m:r>
-                    <m:r>
-                      <m:rPr>
-                        <m:nor/>
-                      </m:rPr>
-                      <a:rPr lang="en-US" sz="2200" b="0" i="0" smtClean="0">
-                        <a:latin typeface="Cambria Math" panose="02040503050406030204" pitchFamily="18" charset="0"/>
-                      </a:rPr>
-                      <m:t> 7.93 </m:t>
-                    </m:r>
-                    <m:r>
-                      <m:rPr>
-                        <m:nor/>
-                      </m:rPr>
-                      <a:rPr lang="en-US" sz="2200" b="0" i="0" smtClean="0">
-                        <a:latin typeface="Cambria Math" panose="02040503050406030204" pitchFamily="18" charset="0"/>
-                      </a:rPr>
-                      <m:t>g</m:t>
-                    </m:r>
-                    <m:r>
-                      <m:rPr>
-                        <m:nor/>
-                      </m:rPr>
-                      <a:rPr lang="en-US" sz="2200" b="0" i="0" smtClean="0">
-                        <a:latin typeface="Cambria Math" panose="02040503050406030204" pitchFamily="18" charset="0"/>
-                      </a:rPr>
-                      <m:t> </m:t>
-                    </m:r>
-                    <m:r>
-                      <m:rPr>
-                        <m:nor/>
-                      </m:rPr>
-                      <a:rPr lang="en-US" sz="2200" b="0" i="0" smtClean="0">
-                        <a:latin typeface="Cambria Math" panose="02040503050406030204" pitchFamily="18" charset="0"/>
-                      </a:rPr>
-                      <m:t>Cu</m:t>
-                    </m:r>
-                  </m:oMath>
-                </a14:m>
-                <a:endParaRPr lang="en-US" sz="2200" dirty="0"/>
-              </a:p>
-              <a:p>
-                <a:r>
-                  <a:rPr lang="en-US" sz="2200" dirty="0"/>
-                  <a:t>If you consider you can weigh out up to 4.00 g S, then you could consume as much as ~16 g Cu</a:t>
-                </a:r>
-              </a:p>
-            </p:txBody>
-          </p:sp>
-        </mc:Choice>
-        <mc:Fallback xmlns="">
-          <p:sp>
-            <p:nvSpPr>
-              <p:cNvPr id="3" name="Content Placeholder 2">
-                <a:extLst>
-                  <a:ext uri="{FF2B5EF4-FFF2-40B4-BE49-F238E27FC236}">
-                    <a16:creationId xmlns:a16="http://schemas.microsoft.com/office/drawing/2014/main" id="{10F096D7-7F9F-3A76-824B-79A56486284F}"/>
-                  </a:ext>
-                </a:extLst>
-              </p:cNvPr>
-              <p:cNvSpPr>
-                <a:spLocks noGrp="1" noRot="1" noChangeAspect="1" noMove="1" noResize="1" noEditPoints="1" noAdjustHandles="1" noChangeArrowheads="1" noChangeShapeType="1" noTextEdit="1"/>
-              </p:cNvSpPr>
-              <p:nvPr>
-                <p:ph idx="1"/>
-              </p:nvPr>
-            </p:nvSpPr>
-            <p:spPr>
-              <a:blipFill>
-                <a:blip r:embed="rId2"/>
-                <a:stretch>
-                  <a:fillRect l="-1090" t="-936"/>
-                </a:stretch>
-              </a:blipFill>
-            </p:spPr>
-            <p:txBody>
-              <a:bodyPr/>
-              <a:lstStyle/>
-              <a:p>
-                <a:r>
-                  <a:rPr lang="en-US">
-                    <a:noFill/>
-                  </a:rPr>
-                  <a:t> </a:t>
-                </a:r>
-              </a:p>
-            </p:txBody>
-          </p:sp>
-        </mc:Fallback>
-      </mc:AlternateContent>
-    </p:spTree>
-    <p:extLst>
-      <p:ext uri="{BB962C8B-B14F-4D97-AF65-F5344CB8AC3E}">
-        <p14:creationId xmlns:p14="http://schemas.microsoft.com/office/powerpoint/2010/main" val="1120309110"/>
-      </p:ext>
-    </p:extLst>
-  </p:cSld>
-  <p:clrMapOvr>
-    <a:masterClrMapping/>
-  </p:clrMapOvr>
-</p:sld>
-</file>
-
-<file path=ppt/slides/slide7.xml><?xml version="1.0" encoding="utf-8"?>
 <p:sld xmlns:a="http://schemas.openxmlformats.org/drawingml/2006/main" xmlns:r="http://schemas.openxmlformats.org/officeDocument/2006/relationships" xmlns:p="http://schemas.openxmlformats.org/presentationml/2006/main">
   <p:cSld>
     <p:spTree>
@@ -12860,7 +11513,7 @@
 </p:sld>
 </file>
 
-<file path=ppt/slides/slide8.xml><?xml version="1.0" encoding="utf-8"?>
+<file path=ppt/slides/slide6.xml><?xml version="1.0" encoding="utf-8"?>
 <p:sld xmlns:a="http://schemas.openxmlformats.org/drawingml/2006/main" xmlns:r="http://schemas.openxmlformats.org/officeDocument/2006/relationships" xmlns:p="http://schemas.openxmlformats.org/presentationml/2006/main">
   <p:cSld>
     <p:spTree>
@@ -13020,7 +11673,7 @@
 </p:sld>
 </file>
 
-<file path=ppt/slides/slide9.xml><?xml version="1.0" encoding="utf-8"?>
+<file path=ppt/slides/slide7.xml><?xml version="1.0" encoding="utf-8"?>
 <p:sld xmlns:a="http://schemas.openxmlformats.org/drawingml/2006/main" xmlns:r="http://schemas.openxmlformats.org/officeDocument/2006/relationships" xmlns:p="http://schemas.openxmlformats.org/presentationml/2006/main">
   <p:cSld>
     <p:spTree>
@@ -13266,6 +11919,491 @@
     <p:extLst>
       <p:ext uri="{BB962C8B-B14F-4D97-AF65-F5344CB8AC3E}">
         <p14:creationId xmlns:p14="http://schemas.microsoft.com/office/powerpoint/2010/main" val="3789276793"/>
+      </p:ext>
+    </p:extLst>
+  </p:cSld>
+  <p:clrMapOvr>
+    <a:masterClrMapping/>
+  </p:clrMapOvr>
+</p:sld>
+</file>
+
+<file path=ppt/slides/slide8.xml><?xml version="1.0" encoding="utf-8"?>
+<p:sld xmlns:a="http://schemas.openxmlformats.org/drawingml/2006/main" xmlns:r="http://schemas.openxmlformats.org/officeDocument/2006/relationships" xmlns:p="http://schemas.openxmlformats.org/presentationml/2006/main">
+  <p:cSld>
+    <p:spTree>
+      <p:nvGrpSpPr>
+        <p:cNvPr id="1" name="">
+          <a:extLst>
+            <a:ext uri="{FF2B5EF4-FFF2-40B4-BE49-F238E27FC236}">
+              <a16:creationId xmlns:a16="http://schemas.microsoft.com/office/drawing/2014/main" id="{80032430-C568-9444-018A-4A293518DCCA}"/>
+            </a:ext>
+          </a:extLst>
+        </p:cNvPr>
+        <p:cNvGrpSpPr/>
+        <p:nvPr/>
+      </p:nvGrpSpPr>
+      <p:grpSpPr>
+        <a:xfrm>
+          <a:off x="0" y="0"/>
+          <a:ext cx="0" cy="0"/>
+          <a:chOff x="0" y="0"/>
+          <a:chExt cx="0" cy="0"/>
+        </a:xfrm>
+      </p:grpSpPr>
+      <p:sp>
+        <p:nvSpPr>
+          <p:cNvPr id="2" name="Title 1">
+            <a:extLst>
+              <a:ext uri="{FF2B5EF4-FFF2-40B4-BE49-F238E27FC236}">
+                <a16:creationId xmlns:a16="http://schemas.microsoft.com/office/drawing/2014/main" id="{8B652173-3E63-7A53-DF9E-053FCE100E99}"/>
+              </a:ext>
+            </a:extLst>
+          </p:cNvPr>
+          <p:cNvSpPr>
+            <a:spLocks noGrp="1"/>
+          </p:cNvSpPr>
+          <p:nvPr>
+            <p:ph type="title"/>
+          </p:nvPr>
+        </p:nvSpPr>
+        <p:spPr>
+          <a:xfrm>
+            <a:off x="338666" y="183025"/>
+            <a:ext cx="8421512" cy="769441"/>
+          </a:xfrm>
+        </p:spPr>
+        <p:txBody>
+          <a:bodyPr/>
+          <a:lstStyle/>
+          <a:p>
+            <a:r>
+              <a:rPr lang="en-US" sz="4400" dirty="0"/>
+              <a:t>Procedure</a:t>
+            </a:r>
+          </a:p>
+        </p:txBody>
+      </p:sp>
+      <p:sp>
+        <p:nvSpPr>
+          <p:cNvPr id="6" name="Content Placeholder 5">
+            <a:extLst>
+              <a:ext uri="{FF2B5EF4-FFF2-40B4-BE49-F238E27FC236}">
+                <a16:creationId xmlns:a16="http://schemas.microsoft.com/office/drawing/2014/main" id="{2D45A565-8AD4-F37F-9436-FAD0B19DA96C}"/>
+              </a:ext>
+            </a:extLst>
+          </p:cNvPr>
+          <p:cNvSpPr>
+            <a:spLocks noGrp="1"/>
+          </p:cNvSpPr>
+          <p:nvPr>
+            <p:ph idx="1"/>
+          </p:nvPr>
+        </p:nvSpPr>
+        <p:spPr>
+          <a:xfrm>
+            <a:off x="372533" y="952466"/>
+            <a:ext cx="8387645" cy="5595089"/>
+          </a:xfrm>
+        </p:spPr>
+        <p:txBody>
+          <a:bodyPr/>
+          <a:lstStyle/>
+          <a:p>
+            <a:pPr marL="0" indent="0">
+              <a:buNone/>
+            </a:pPr>
+            <a:r>
+              <a:rPr lang="en-US" sz="2800" i="1" dirty="0">
+                <a:solidFill>
+                  <a:srgbClr val="00FF00"/>
+                </a:solidFill>
+              </a:rPr>
+              <a:t>Reaction</a:t>
+            </a:r>
+          </a:p>
+          <a:p>
+            <a:pPr marL="457200" indent="-457200">
+              <a:buFont typeface="+mj-lt"/>
+              <a:buAutoNum type="arabicPeriod"/>
+            </a:pPr>
+            <a:r>
+              <a:rPr lang="en-US" sz="2200" dirty="0"/>
+              <a:t>Heat the contents with a </a:t>
+            </a:r>
+            <a:r>
+              <a:rPr lang="en-US" sz="2200" dirty="0">
+                <a:solidFill>
+                  <a:schemeClr val="accent1">
+                    <a:lumMod val="60000"/>
+                    <a:lumOff val="40000"/>
+                  </a:schemeClr>
+                </a:solidFill>
+              </a:rPr>
+              <a:t>blue flame </a:t>
+            </a:r>
+            <a:r>
+              <a:rPr lang="en-US" sz="2200" dirty="0"/>
+              <a:t>of the </a:t>
+            </a:r>
+            <a:r>
+              <a:rPr lang="en-US" sz="2200" dirty="0">
+                <a:solidFill>
+                  <a:schemeClr val="accent1">
+                    <a:lumMod val="60000"/>
+                    <a:lumOff val="40000"/>
+                  </a:schemeClr>
+                </a:solidFill>
+              </a:rPr>
+              <a:t>Bunsen burner</a:t>
+            </a:r>
+            <a:r>
+              <a:rPr lang="en-US" sz="2200" dirty="0"/>
+              <a:t>. The </a:t>
+            </a:r>
+            <a:r>
+              <a:rPr lang="en-US" sz="2200" dirty="0">
+                <a:solidFill>
+                  <a:srgbClr val="FFFF00"/>
+                </a:solidFill>
+              </a:rPr>
+              <a:t>sulfur</a:t>
+            </a:r>
+            <a:r>
+              <a:rPr lang="en-US" sz="2200" dirty="0"/>
+              <a:t> will melt within about a minute.</a:t>
+            </a:r>
+          </a:p>
+          <a:p>
+            <a:pPr marL="457200" indent="-457200">
+              <a:buFont typeface="+mj-lt"/>
+              <a:buAutoNum type="arabicPeriod"/>
+            </a:pPr>
+            <a:r>
+              <a:rPr lang="en-US" sz="2200" dirty="0"/>
+              <a:t>Use the </a:t>
+            </a:r>
+            <a:r>
+              <a:rPr lang="en-US" sz="2200" dirty="0">
+                <a:solidFill>
+                  <a:schemeClr val="accent1">
+                    <a:lumMod val="60000"/>
+                    <a:lumOff val="40000"/>
+                  </a:schemeClr>
+                </a:solidFill>
+              </a:rPr>
+              <a:t>crucible tongs </a:t>
+            </a:r>
+            <a:r>
+              <a:rPr lang="en-US" sz="2200" dirty="0"/>
+              <a:t>to transfer the crucible to the </a:t>
+            </a:r>
+            <a:r>
+              <a:rPr lang="en-US" sz="2200" dirty="0">
+                <a:solidFill>
+                  <a:schemeClr val="accent1">
+                    <a:lumMod val="60000"/>
+                    <a:lumOff val="40000"/>
+                  </a:schemeClr>
+                </a:solidFill>
+              </a:rPr>
+              <a:t>wire mesh. </a:t>
+            </a:r>
+            <a:r>
+              <a:rPr lang="en-US" sz="2200" dirty="0"/>
+              <a:t>The</a:t>
+            </a:r>
+            <a:r>
+              <a:rPr lang="en-US" sz="2200" dirty="0">
+                <a:solidFill>
+                  <a:schemeClr val="accent1">
+                    <a:lumMod val="60000"/>
+                    <a:lumOff val="40000"/>
+                  </a:schemeClr>
+                </a:solidFill>
+              </a:rPr>
+              <a:t> </a:t>
+            </a:r>
+            <a:r>
+              <a:rPr lang="en-US" sz="2200" dirty="0"/>
+              <a:t>melted sulfur reacts with the copper during this time.</a:t>
+            </a:r>
+          </a:p>
+          <a:p>
+            <a:pPr marL="457200" indent="-457200">
+              <a:buFont typeface="+mj-lt"/>
+              <a:buAutoNum type="arabicPeriod"/>
+            </a:pPr>
+            <a:r>
+              <a:rPr lang="en-US" sz="2200" dirty="0"/>
+              <a:t>Put the crucible back on the flame: the unreacted sulfur will burn off, forming sulfur dioxide (SO</a:t>
+            </a:r>
+            <a:r>
+              <a:rPr lang="en-US" sz="2200" baseline="-25000" dirty="0"/>
+              <a:t>2</a:t>
+            </a:r>
+            <a:r>
+              <a:rPr lang="en-US" sz="2200" dirty="0"/>
+              <a:t>) gas, vented in the hood. The crucible looks clean and dry except for the coil of copper sulfide.</a:t>
+            </a:r>
+          </a:p>
+          <a:p>
+            <a:pPr marL="457200" indent="-457200">
+              <a:buFont typeface="+mj-lt"/>
+              <a:buAutoNum type="arabicPeriod"/>
+            </a:pPr>
+            <a:r>
+              <a:rPr lang="en-US" sz="2200" dirty="0"/>
+              <a:t>Set the crucible again on the wire mesh to cool</a:t>
+            </a:r>
+          </a:p>
+          <a:p>
+            <a:pPr marL="457200" indent="-457200">
+              <a:buFont typeface="+mj-lt"/>
+              <a:buAutoNum type="arabicPeriod"/>
+            </a:pPr>
+            <a:r>
+              <a:rPr lang="en-US" sz="2200" dirty="0"/>
+              <a:t>Record mass of crucible with the new compound (</a:t>
+            </a:r>
+            <a:r>
+              <a:rPr lang="en-US" sz="2200" b="1" dirty="0"/>
+              <a:t>D</a:t>
+            </a:r>
+            <a:r>
+              <a:rPr lang="en-US" sz="2200" dirty="0"/>
+              <a:t>)</a:t>
+            </a:r>
+          </a:p>
+          <a:p>
+            <a:pPr marL="457200" indent="-457200">
+              <a:buFont typeface="+mj-lt"/>
+              <a:buAutoNum type="arabicPeriod"/>
+            </a:pPr>
+            <a:r>
+              <a:rPr lang="en-US" sz="2200" dirty="0"/>
+              <a:t>Carefully tip crucible contents on to watch glass and make observations of physical properties</a:t>
+            </a:r>
+          </a:p>
+          <a:p>
+            <a:pPr marL="457200" indent="-457200">
+              <a:buFont typeface="+mj-lt"/>
+              <a:buAutoNum type="arabicPeriod"/>
+            </a:pPr>
+            <a:endParaRPr lang="en-US" dirty="0"/>
+          </a:p>
+          <a:p>
+            <a:pPr marL="457200" indent="-457200">
+              <a:buFont typeface="+mj-lt"/>
+              <a:buAutoNum type="arabicPeriod"/>
+            </a:pPr>
+            <a:endParaRPr lang="en-US" sz="2800" dirty="0"/>
+          </a:p>
+        </p:txBody>
+      </p:sp>
+    </p:spTree>
+    <p:extLst>
+      <p:ext uri="{BB962C8B-B14F-4D97-AF65-F5344CB8AC3E}">
+        <p14:creationId xmlns:p14="http://schemas.microsoft.com/office/powerpoint/2010/main" val="943315025"/>
+      </p:ext>
+    </p:extLst>
+  </p:cSld>
+  <p:clrMapOvr>
+    <a:masterClrMapping/>
+  </p:clrMapOvr>
+</p:sld>
+</file>
+
+<file path=ppt/slides/slide9.xml><?xml version="1.0" encoding="utf-8"?>
+<p:sld xmlns:a="http://schemas.openxmlformats.org/drawingml/2006/main" xmlns:r="http://schemas.openxmlformats.org/officeDocument/2006/relationships" xmlns:p="http://schemas.openxmlformats.org/presentationml/2006/main">
+  <p:cSld>
+    <p:spTree>
+      <p:nvGrpSpPr>
+        <p:cNvPr id="1" name="">
+          <a:extLst>
+            <a:ext uri="{FF2B5EF4-FFF2-40B4-BE49-F238E27FC236}">
+              <a16:creationId xmlns:a16="http://schemas.microsoft.com/office/drawing/2014/main" id="{BA86FC53-DF32-CE64-DFB5-7C8645A52D75}"/>
+            </a:ext>
+          </a:extLst>
+        </p:cNvPr>
+        <p:cNvGrpSpPr/>
+        <p:nvPr/>
+      </p:nvGrpSpPr>
+      <p:grpSpPr>
+        <a:xfrm>
+          <a:off x="0" y="0"/>
+          <a:ext cx="0" cy="0"/>
+          <a:chOff x="0" y="0"/>
+          <a:chExt cx="0" cy="0"/>
+        </a:xfrm>
+      </p:grpSpPr>
+      <p:sp>
+        <p:nvSpPr>
+          <p:cNvPr id="2" name="Title 1">
+            <a:extLst>
+              <a:ext uri="{FF2B5EF4-FFF2-40B4-BE49-F238E27FC236}">
+                <a16:creationId xmlns:a16="http://schemas.microsoft.com/office/drawing/2014/main" id="{C16FF693-5E30-D813-D298-9AB46F923D33}"/>
+              </a:ext>
+            </a:extLst>
+          </p:cNvPr>
+          <p:cNvSpPr>
+            <a:spLocks noGrp="1"/>
+          </p:cNvSpPr>
+          <p:nvPr>
+            <p:ph type="title"/>
+          </p:nvPr>
+        </p:nvSpPr>
+        <p:spPr>
+          <a:xfrm>
+            <a:off x="338666" y="183025"/>
+            <a:ext cx="8421512" cy="769441"/>
+          </a:xfrm>
+        </p:spPr>
+        <p:txBody>
+          <a:bodyPr/>
+          <a:lstStyle/>
+          <a:p>
+            <a:r>
+              <a:rPr lang="en-US" sz="4400" dirty="0"/>
+              <a:t>Example Data Analysis</a:t>
+            </a:r>
+          </a:p>
+        </p:txBody>
+      </p:sp>
+      <p:sp>
+        <p:nvSpPr>
+          <p:cNvPr id="6" name="Content Placeholder 5">
+            <a:extLst>
+              <a:ext uri="{FF2B5EF4-FFF2-40B4-BE49-F238E27FC236}">
+                <a16:creationId xmlns:a16="http://schemas.microsoft.com/office/drawing/2014/main" id="{584FB2EA-A75D-4ADA-B03B-899868167CF9}"/>
+              </a:ext>
+            </a:extLst>
+          </p:cNvPr>
+          <p:cNvSpPr>
+            <a:spLocks noGrp="1"/>
+          </p:cNvSpPr>
+          <p:nvPr>
+            <p:ph idx="1"/>
+          </p:nvPr>
+        </p:nvSpPr>
+        <p:spPr>
+          <a:xfrm>
+            <a:off x="372533" y="952466"/>
+            <a:ext cx="8387645" cy="5595089"/>
+          </a:xfrm>
+        </p:spPr>
+        <p:txBody>
+          <a:bodyPr/>
+          <a:lstStyle/>
+          <a:p>
+            <a:pPr marL="457200" indent="-457200">
+              <a:buFont typeface="+mj-lt"/>
+              <a:buAutoNum type="arabicPeriod"/>
+            </a:pPr>
+            <a:r>
+              <a:rPr lang="en-US" dirty="0"/>
+              <a:t>Suppose A=23.7584 g, B=34.3532 g,</a:t>
+            </a:r>
+            <a:br>
+              <a:rPr lang="en-US" dirty="0"/>
+            </a:br>
+            <a:r>
+              <a:rPr lang="en-US" dirty="0"/>
+              <a:t>C=37.5732 g. After the reaction, D=36.7841 g</a:t>
+            </a:r>
+          </a:p>
+          <a:p>
+            <a:pPr marL="457200" indent="-457200">
+              <a:buFont typeface="+mj-lt"/>
+              <a:buAutoNum type="arabicPeriod"/>
+            </a:pPr>
+            <a:r>
+              <a:rPr lang="en-US" dirty="0"/>
+              <a:t>[B-A]=10.5948 g, [C-B]=3.2200 g,</a:t>
+            </a:r>
+            <a:br>
+              <a:rPr lang="en-US" dirty="0"/>
+            </a:br>
+            <a:r>
+              <a:rPr lang="en-US" dirty="0"/>
+              <a:t>[D-A]=13.0257 g</a:t>
+            </a:r>
+          </a:p>
+          <a:p>
+            <a:pPr marL="457200" indent="-457200">
+              <a:buFont typeface="+mj-lt"/>
+              <a:buAutoNum type="arabicPeriod"/>
+            </a:pPr>
+            <a:r>
+              <a:rPr lang="en-US" dirty="0"/>
+              <a:t>Copper reacted should be same as initial copper, because copper doesn’t go anywhere</a:t>
+            </a:r>
+          </a:p>
+          <a:p>
+            <a:pPr marL="457200" indent="-457200">
+              <a:buFont typeface="+mj-lt"/>
+              <a:buAutoNum type="arabicPeriod"/>
+            </a:pPr>
+            <a:r>
+              <a:rPr lang="en-US" dirty="0"/>
+              <a:t>Sulfur reacted should be [D-A]-[B-A]=13.0257 g - 10.5948 g= 2.4309 g</a:t>
+            </a:r>
+          </a:p>
+          <a:p>
+            <a:pPr marL="457200" indent="-457200">
+              <a:buFont typeface="+mj-lt"/>
+              <a:buAutoNum type="arabicPeriod"/>
+            </a:pPr>
+            <a:r>
+              <a:rPr lang="en-US" dirty="0"/>
+              <a:t>Excess sulfur = [C-B]-2.4309 g = 3.2200 g – 2.4309 g =0.7891 g </a:t>
+            </a:r>
+          </a:p>
+          <a:p>
+            <a:pPr marL="457200" indent="-457200">
+              <a:buFont typeface="+mj-lt"/>
+              <a:buAutoNum type="arabicPeriod"/>
+            </a:pPr>
+            <a:endParaRPr lang="en-US" dirty="0"/>
+          </a:p>
+          <a:p>
+            <a:pPr marL="0" indent="0">
+              <a:buNone/>
+            </a:pPr>
+            <a:r>
+              <a:rPr lang="en-US" dirty="0"/>
+              <a:t>Mass ratio </a:t>
+            </a:r>
+            <a:r>
+              <a:rPr lang="en-US" sz="2000" dirty="0"/>
+              <a:t>= </a:t>
+            </a:r>
+            <a:r>
+              <a:rPr lang="en-US" sz="1800" dirty="0"/>
+              <a:t>c</a:t>
+            </a:r>
+            <a:r>
+              <a:rPr lang="en-US" sz="2000" dirty="0"/>
+              <a:t>opper/sulfur reacted =</a:t>
+            </a:r>
+            <a:r>
+              <a:rPr lang="en-US" dirty="0"/>
+              <a:t> 10.5948 g/2.4309 g</a:t>
+            </a:r>
+            <a:br>
+              <a:rPr lang="en-US" dirty="0"/>
+            </a:br>
+            <a:r>
+              <a:rPr lang="en-US" dirty="0"/>
+              <a:t>= 4.3583</a:t>
+            </a:r>
+          </a:p>
+        </p:txBody>
+      </p:sp>
+    </p:spTree>
+    <p:extLst>
+      <p:ext uri="{BB962C8B-B14F-4D97-AF65-F5344CB8AC3E}">
+        <p14:creationId xmlns:p14="http://schemas.microsoft.com/office/powerpoint/2010/main" val="2049909912"/>
       </p:ext>
     </p:extLst>
   </p:cSld>

--- a/Teaching/Chemistry/Labs/FCC Chem 3A Expt 10a Types of Reactions.pptx
+++ b/Teaching/Chemistry/Labs/FCC Chem 3A Expt 10a Types of Reactions.pptx
@@ -5,20 +5,26 @@
     <p:sldMasterId id="2147483803" r:id="rId1"/>
   </p:sldMasterIdLst>
   <p:notesMasterIdLst>
-    <p:notesMasterId r:id="rId13"/>
+    <p:notesMasterId r:id="rId19"/>
   </p:notesMasterIdLst>
   <p:sldIdLst>
     <p:sldId id="608" r:id="rId2"/>
     <p:sldId id="609" r:id="rId3"/>
     <p:sldId id="616" r:id="rId4"/>
     <p:sldId id="624" r:id="rId5"/>
-    <p:sldId id="613" r:id="rId6"/>
-    <p:sldId id="610" r:id="rId7"/>
-    <p:sldId id="617" r:id="rId8"/>
-    <p:sldId id="622" r:id="rId9"/>
-    <p:sldId id="621" r:id="rId10"/>
-    <p:sldId id="623" r:id="rId11"/>
-    <p:sldId id="612" r:id="rId12"/>
+    <p:sldId id="625" r:id="rId6"/>
+    <p:sldId id="626" r:id="rId7"/>
+    <p:sldId id="613" r:id="rId8"/>
+    <p:sldId id="627" r:id="rId9"/>
+    <p:sldId id="610" r:id="rId10"/>
+    <p:sldId id="628" r:id="rId11"/>
+    <p:sldId id="629" r:id="rId12"/>
+    <p:sldId id="630" r:id="rId13"/>
+    <p:sldId id="631" r:id="rId14"/>
+    <p:sldId id="632" r:id="rId15"/>
+    <p:sldId id="621" r:id="rId16"/>
+    <p:sldId id="623" r:id="rId17"/>
+    <p:sldId id="612" r:id="rId18"/>
   </p:sldIdLst>
   <p:sldSz cx="9144000" cy="6858000" type="screen4x3"/>
   <p:notesSz cx="7315200" cy="9601200"/>
@@ -10301,6 +10307,1103 @@
         <p:cNvPr id="1" name="">
           <a:extLst>
             <a:ext uri="{FF2B5EF4-FFF2-40B4-BE49-F238E27FC236}">
+              <a16:creationId xmlns:a16="http://schemas.microsoft.com/office/drawing/2014/main" id="{1CFE3754-5799-7979-F826-798453E86FB5}"/>
+            </a:ext>
+          </a:extLst>
+        </p:cNvPr>
+        <p:cNvGrpSpPr/>
+        <p:nvPr/>
+      </p:nvGrpSpPr>
+      <p:grpSpPr>
+        <a:xfrm>
+          <a:off x="0" y="0"/>
+          <a:ext cx="0" cy="0"/>
+          <a:chOff x="0" y="0"/>
+          <a:chExt cx="0" cy="0"/>
+        </a:xfrm>
+      </p:grpSpPr>
+      <p:sp>
+        <p:nvSpPr>
+          <p:cNvPr id="2" name="Title 1">
+            <a:extLst>
+              <a:ext uri="{FF2B5EF4-FFF2-40B4-BE49-F238E27FC236}">
+                <a16:creationId xmlns:a16="http://schemas.microsoft.com/office/drawing/2014/main" id="{272BB9E9-77D3-8595-45C5-034EA7D6A155}"/>
+              </a:ext>
+            </a:extLst>
+          </p:cNvPr>
+          <p:cNvSpPr>
+            <a:spLocks noGrp="1"/>
+          </p:cNvSpPr>
+          <p:nvPr>
+            <p:ph type="title"/>
+          </p:nvPr>
+        </p:nvSpPr>
+        <p:spPr>
+          <a:xfrm>
+            <a:off x="338666" y="183025"/>
+            <a:ext cx="8421512" cy="769441"/>
+          </a:xfrm>
+        </p:spPr>
+        <p:txBody>
+          <a:bodyPr/>
+          <a:lstStyle/>
+          <a:p>
+            <a:r>
+              <a:rPr lang="en-US" sz="4400" dirty="0"/>
+              <a:t>Procedure</a:t>
+            </a:r>
+          </a:p>
+        </p:txBody>
+      </p:sp>
+      <p:sp>
+        <p:nvSpPr>
+          <p:cNvPr id="6" name="Content Placeholder 5">
+            <a:extLst>
+              <a:ext uri="{FF2B5EF4-FFF2-40B4-BE49-F238E27FC236}">
+                <a16:creationId xmlns:a16="http://schemas.microsoft.com/office/drawing/2014/main" id="{F54111AD-43E5-AF96-BB03-6C296D57F1E1}"/>
+              </a:ext>
+            </a:extLst>
+          </p:cNvPr>
+          <p:cNvSpPr>
+            <a:spLocks noGrp="1"/>
+          </p:cNvSpPr>
+          <p:nvPr>
+            <p:ph idx="1"/>
+          </p:nvPr>
+        </p:nvSpPr>
+        <p:spPr>
+          <a:xfrm>
+            <a:off x="372533" y="952466"/>
+            <a:ext cx="8387645" cy="5595089"/>
+          </a:xfrm>
+        </p:spPr>
+        <p:txBody>
+          <a:bodyPr/>
+          <a:lstStyle/>
+          <a:p>
+            <a:pPr marL="0" indent="0">
+              <a:buNone/>
+            </a:pPr>
+            <a:r>
+              <a:rPr lang="en-US" i="1" dirty="0"/>
+              <a:t>Station 1</a:t>
+            </a:r>
+          </a:p>
+          <a:p>
+            <a:pPr marL="457200" indent="-457200">
+              <a:buFont typeface="+mj-lt"/>
+              <a:buAutoNum type="alphaLcParenR"/>
+            </a:pPr>
+            <a:r>
+              <a:rPr lang="en-US" sz="2000" dirty="0"/>
+              <a:t>Place ~3 mL 6.0 M HCl in tube</a:t>
+            </a:r>
+          </a:p>
+          <a:p>
+            <a:pPr marL="457200" indent="-457200">
+              <a:buFont typeface="+mj-lt"/>
+              <a:buAutoNum type="alphaLcParenR"/>
+            </a:pPr>
+            <a:r>
+              <a:rPr lang="en-US" sz="2000" dirty="0"/>
+              <a:t>Add a few Zn pellets, record observations</a:t>
+            </a:r>
+          </a:p>
+          <a:p>
+            <a:pPr marL="457200" indent="-457200">
+              <a:buFont typeface="+mj-lt"/>
+              <a:buAutoNum type="alphaLcParenR"/>
+            </a:pPr>
+            <a:r>
+              <a:rPr lang="en-US" sz="2000" dirty="0"/>
+              <a:t>Get another empty test tube, invert it over reaction tube. Hold capture tube at angle still upside down, light a match and bring it to mouth of tube. What happens?</a:t>
+            </a:r>
+          </a:p>
+          <a:p>
+            <a:pPr marL="457200" indent="-457200">
+              <a:buFont typeface="+mj-lt"/>
+              <a:buAutoNum type="alphaLcParenR"/>
+            </a:pPr>
+            <a:endParaRPr lang="en-US" dirty="0"/>
+          </a:p>
+          <a:p>
+            <a:pPr marL="0" indent="0">
+              <a:buNone/>
+            </a:pPr>
+            <a:r>
+              <a:rPr lang="en-US" i="1" dirty="0"/>
+              <a:t>Station 2</a:t>
+            </a:r>
+          </a:p>
+          <a:p>
+            <a:pPr marL="457200" indent="-457200">
+              <a:buFont typeface="+mj-lt"/>
+              <a:buAutoNum type="alphaLcParenR"/>
+            </a:pPr>
+            <a:r>
+              <a:rPr lang="en-US" sz="2000" dirty="0"/>
+              <a:t>Place 1 mL 0.1 M BaCl2 in tube</a:t>
+            </a:r>
+          </a:p>
+          <a:p>
+            <a:pPr marL="457200" indent="-457200">
+              <a:buFont typeface="+mj-lt"/>
+              <a:buAutoNum type="alphaLcParenR"/>
+            </a:pPr>
+            <a:r>
+              <a:rPr lang="en-US" sz="2000" dirty="0"/>
+              <a:t>Add 1 mL 0.1 M Na2SO4 to it, and mix/swirl. Record observation</a:t>
+            </a:r>
+          </a:p>
+          <a:p>
+            <a:pPr marL="457200" indent="-457200">
+              <a:buFont typeface="+mj-lt"/>
+              <a:buAutoNum type="alphaLcParenR"/>
+            </a:pPr>
+            <a:r>
+              <a:rPr lang="en-US" sz="2000" dirty="0"/>
+              <a:t>Wait 3-5 minutes and record observation: what is the insoluble product?</a:t>
+            </a:r>
+          </a:p>
+          <a:p>
+            <a:pPr marL="0" indent="0">
+              <a:buNone/>
+            </a:pPr>
+            <a:r>
+              <a:rPr lang="en-US" sz="2000" dirty="0"/>
+              <a:t>While you are waiting at last step, perhaps go to another station and start that </a:t>
+            </a:r>
+            <a:r>
+              <a:rPr lang="en-US" sz="2000" dirty="0" err="1"/>
+              <a:t>experment</a:t>
+            </a:r>
+            <a:endParaRPr lang="en-US" sz="2000" dirty="0"/>
+          </a:p>
+        </p:txBody>
+      </p:sp>
+    </p:spTree>
+    <p:extLst>
+      <p:ext uri="{BB962C8B-B14F-4D97-AF65-F5344CB8AC3E}">
+        <p14:creationId xmlns:p14="http://schemas.microsoft.com/office/powerpoint/2010/main" val="1368553105"/>
+      </p:ext>
+    </p:extLst>
+  </p:cSld>
+  <p:clrMapOvr>
+    <a:masterClrMapping/>
+  </p:clrMapOvr>
+</p:sld>
+</file>
+
+<file path=ppt/slides/slide11.xml><?xml version="1.0" encoding="utf-8"?>
+<p:sld xmlns:a="http://schemas.openxmlformats.org/drawingml/2006/main" xmlns:r="http://schemas.openxmlformats.org/officeDocument/2006/relationships" xmlns:p="http://schemas.openxmlformats.org/presentationml/2006/main">
+  <p:cSld>
+    <p:spTree>
+      <p:nvGrpSpPr>
+        <p:cNvPr id="1" name="">
+          <a:extLst>
+            <a:ext uri="{FF2B5EF4-FFF2-40B4-BE49-F238E27FC236}">
+              <a16:creationId xmlns:a16="http://schemas.microsoft.com/office/drawing/2014/main" id="{3A534F17-5D11-59C4-823B-12D640B55E1D}"/>
+            </a:ext>
+          </a:extLst>
+        </p:cNvPr>
+        <p:cNvGrpSpPr/>
+        <p:nvPr/>
+      </p:nvGrpSpPr>
+      <p:grpSpPr>
+        <a:xfrm>
+          <a:off x="0" y="0"/>
+          <a:ext cx="0" cy="0"/>
+          <a:chOff x="0" y="0"/>
+          <a:chExt cx="0" cy="0"/>
+        </a:xfrm>
+      </p:grpSpPr>
+      <p:sp>
+        <p:nvSpPr>
+          <p:cNvPr id="2" name="Title 1">
+            <a:extLst>
+              <a:ext uri="{FF2B5EF4-FFF2-40B4-BE49-F238E27FC236}">
+                <a16:creationId xmlns:a16="http://schemas.microsoft.com/office/drawing/2014/main" id="{955E233D-6597-FE69-8DFB-F2189D72E7F3}"/>
+              </a:ext>
+            </a:extLst>
+          </p:cNvPr>
+          <p:cNvSpPr>
+            <a:spLocks noGrp="1"/>
+          </p:cNvSpPr>
+          <p:nvPr>
+            <p:ph type="title"/>
+          </p:nvPr>
+        </p:nvSpPr>
+        <p:spPr>
+          <a:xfrm>
+            <a:off x="338666" y="183025"/>
+            <a:ext cx="8421512" cy="769441"/>
+          </a:xfrm>
+        </p:spPr>
+        <p:txBody>
+          <a:bodyPr/>
+          <a:lstStyle/>
+          <a:p>
+            <a:r>
+              <a:rPr lang="en-US" sz="4400" dirty="0"/>
+              <a:t>Procedure</a:t>
+            </a:r>
+          </a:p>
+        </p:txBody>
+      </p:sp>
+      <p:sp>
+        <p:nvSpPr>
+          <p:cNvPr id="6" name="Content Placeholder 5">
+            <a:extLst>
+              <a:ext uri="{FF2B5EF4-FFF2-40B4-BE49-F238E27FC236}">
+                <a16:creationId xmlns:a16="http://schemas.microsoft.com/office/drawing/2014/main" id="{41B3AEC8-0D44-B017-1ADC-A6D4DD0F75DF}"/>
+              </a:ext>
+            </a:extLst>
+          </p:cNvPr>
+          <p:cNvSpPr>
+            <a:spLocks noGrp="1"/>
+          </p:cNvSpPr>
+          <p:nvPr>
+            <p:ph idx="1"/>
+          </p:nvPr>
+        </p:nvSpPr>
+        <p:spPr>
+          <a:xfrm>
+            <a:off x="372533" y="952466"/>
+            <a:ext cx="8387645" cy="5595089"/>
+          </a:xfrm>
+        </p:spPr>
+        <p:txBody>
+          <a:bodyPr/>
+          <a:lstStyle/>
+          <a:p>
+            <a:pPr marL="0" indent="0">
+              <a:buNone/>
+            </a:pPr>
+            <a:r>
+              <a:rPr lang="en-US" i="1" dirty="0"/>
+              <a:t>Station 3</a:t>
+            </a:r>
+          </a:p>
+          <a:p>
+            <a:pPr marL="457200" indent="-457200">
+              <a:buFont typeface="+mj-lt"/>
+              <a:buAutoNum type="alphaLcParenR"/>
+            </a:pPr>
+            <a:r>
+              <a:rPr lang="en-US" sz="2000" dirty="0"/>
+              <a:t>Place 1 mL 0.1 M BaCl2 in tube</a:t>
+            </a:r>
+          </a:p>
+          <a:p>
+            <a:pPr marL="457200" indent="-457200">
+              <a:buFont typeface="+mj-lt"/>
+              <a:buAutoNum type="alphaLcParenR"/>
+            </a:pPr>
+            <a:r>
+              <a:rPr lang="en-US" sz="2000" dirty="0"/>
+              <a:t>Add 1 mL 0.1 M Na3PO4 to it, and mix/swirl. Record observation</a:t>
+            </a:r>
+          </a:p>
+          <a:p>
+            <a:pPr marL="457200" indent="-457200">
+              <a:buFont typeface="+mj-lt"/>
+              <a:buAutoNum type="alphaLcParenR"/>
+            </a:pPr>
+            <a:r>
+              <a:rPr lang="en-US" sz="2000" dirty="0"/>
+              <a:t>Wait 3-5 minutes and record observation: what is the insoluble product?</a:t>
+            </a:r>
+          </a:p>
+          <a:p>
+            <a:pPr marL="0" indent="0">
+              <a:buNone/>
+            </a:pPr>
+            <a:r>
+              <a:rPr lang="en-US" sz="2000" dirty="0"/>
+              <a:t>While you are waiting at last step, perhaps go to another station and start that experiment</a:t>
+            </a:r>
+          </a:p>
+          <a:p>
+            <a:pPr marL="0" indent="0">
+              <a:buNone/>
+            </a:pPr>
+            <a:endParaRPr lang="en-US" sz="2000" dirty="0"/>
+          </a:p>
+          <a:p>
+            <a:pPr marL="0" indent="0">
+              <a:buNone/>
+            </a:pPr>
+            <a:r>
+              <a:rPr lang="en-US" sz="2000" i="1" dirty="0"/>
+              <a:t>Station 4</a:t>
+            </a:r>
+          </a:p>
+          <a:p>
+            <a:pPr marL="457200" indent="-457200">
+              <a:buFont typeface="+mj-lt"/>
+              <a:buAutoNum type="alphaLcParenR"/>
+            </a:pPr>
+            <a:r>
+              <a:rPr lang="en-US" sz="2000" dirty="0"/>
+              <a:t>Place 2 mL 1.0 M Na2CO3 in tube</a:t>
+            </a:r>
+          </a:p>
+          <a:p>
+            <a:pPr marL="457200" indent="-457200">
+              <a:buFont typeface="+mj-lt"/>
+              <a:buAutoNum type="alphaLcParenR"/>
+            </a:pPr>
+            <a:r>
+              <a:rPr lang="en-US" sz="2000" dirty="0"/>
+              <a:t>Add 1 mL 6 M HCl to it, and mix/swirl. Record observation</a:t>
+            </a:r>
+          </a:p>
+          <a:p>
+            <a:pPr marL="0" indent="0">
+              <a:buNone/>
+            </a:pPr>
+            <a:r>
+              <a:rPr lang="en-US" sz="2000" dirty="0"/>
+              <a:t>If you observe a gas, what is the gas. What is the reaction equation?</a:t>
+            </a:r>
+          </a:p>
+        </p:txBody>
+      </p:sp>
+    </p:spTree>
+    <p:extLst>
+      <p:ext uri="{BB962C8B-B14F-4D97-AF65-F5344CB8AC3E}">
+        <p14:creationId xmlns:p14="http://schemas.microsoft.com/office/powerpoint/2010/main" val="2712066979"/>
+      </p:ext>
+    </p:extLst>
+  </p:cSld>
+  <p:clrMapOvr>
+    <a:masterClrMapping/>
+  </p:clrMapOvr>
+</p:sld>
+</file>
+
+<file path=ppt/slides/slide12.xml><?xml version="1.0" encoding="utf-8"?>
+<p:sld xmlns:a="http://schemas.openxmlformats.org/drawingml/2006/main" xmlns:r="http://schemas.openxmlformats.org/officeDocument/2006/relationships" xmlns:p="http://schemas.openxmlformats.org/presentationml/2006/main">
+  <p:cSld>
+    <p:spTree>
+      <p:nvGrpSpPr>
+        <p:cNvPr id="1" name="">
+          <a:extLst>
+            <a:ext uri="{FF2B5EF4-FFF2-40B4-BE49-F238E27FC236}">
+              <a16:creationId xmlns:a16="http://schemas.microsoft.com/office/drawing/2014/main" id="{A45571B8-C1F7-004C-0786-BDAF5C34FB8B}"/>
+            </a:ext>
+          </a:extLst>
+        </p:cNvPr>
+        <p:cNvGrpSpPr/>
+        <p:nvPr/>
+      </p:nvGrpSpPr>
+      <p:grpSpPr>
+        <a:xfrm>
+          <a:off x="0" y="0"/>
+          <a:ext cx="0" cy="0"/>
+          <a:chOff x="0" y="0"/>
+          <a:chExt cx="0" cy="0"/>
+        </a:xfrm>
+      </p:grpSpPr>
+      <p:sp>
+        <p:nvSpPr>
+          <p:cNvPr id="2" name="Title 1">
+            <a:extLst>
+              <a:ext uri="{FF2B5EF4-FFF2-40B4-BE49-F238E27FC236}">
+                <a16:creationId xmlns:a16="http://schemas.microsoft.com/office/drawing/2014/main" id="{12D23498-4788-BFA4-CDD1-4969E2AAF9DC}"/>
+              </a:ext>
+            </a:extLst>
+          </p:cNvPr>
+          <p:cNvSpPr>
+            <a:spLocks noGrp="1"/>
+          </p:cNvSpPr>
+          <p:nvPr>
+            <p:ph type="title"/>
+          </p:nvPr>
+        </p:nvSpPr>
+        <p:spPr>
+          <a:xfrm>
+            <a:off x="338666" y="183025"/>
+            <a:ext cx="8421512" cy="769441"/>
+          </a:xfrm>
+        </p:spPr>
+        <p:txBody>
+          <a:bodyPr/>
+          <a:lstStyle/>
+          <a:p>
+            <a:r>
+              <a:rPr lang="en-US" sz="4400" dirty="0"/>
+              <a:t>Procedure</a:t>
+            </a:r>
+          </a:p>
+        </p:txBody>
+      </p:sp>
+      <p:sp>
+        <p:nvSpPr>
+          <p:cNvPr id="6" name="Content Placeholder 5">
+            <a:extLst>
+              <a:ext uri="{FF2B5EF4-FFF2-40B4-BE49-F238E27FC236}">
+                <a16:creationId xmlns:a16="http://schemas.microsoft.com/office/drawing/2014/main" id="{03A80F8D-4551-49A3-96A9-72B0BD57AD30}"/>
+              </a:ext>
+            </a:extLst>
+          </p:cNvPr>
+          <p:cNvSpPr>
+            <a:spLocks noGrp="1"/>
+          </p:cNvSpPr>
+          <p:nvPr>
+            <p:ph idx="1"/>
+          </p:nvPr>
+        </p:nvSpPr>
+        <p:spPr>
+          <a:xfrm>
+            <a:off x="372533" y="952466"/>
+            <a:ext cx="8387645" cy="5595089"/>
+          </a:xfrm>
+        </p:spPr>
+        <p:txBody>
+          <a:bodyPr/>
+          <a:lstStyle/>
+          <a:p>
+            <a:pPr marL="0" indent="0">
+              <a:buNone/>
+            </a:pPr>
+            <a:r>
+              <a:rPr lang="en-US" i="1" dirty="0"/>
+              <a:t>Station 5</a:t>
+            </a:r>
+          </a:p>
+          <a:p>
+            <a:pPr marL="457200" indent="-457200">
+              <a:buFont typeface="+mj-lt"/>
+              <a:buAutoNum type="alphaLcParenR"/>
+            </a:pPr>
+            <a:r>
+              <a:rPr lang="en-US" sz="2000" dirty="0"/>
+              <a:t>Place ~1 g (small scoop) of KClO3 in tube.</a:t>
+            </a:r>
+          </a:p>
+          <a:p>
+            <a:pPr marL="457200" indent="-457200">
+              <a:buFont typeface="+mj-lt"/>
+              <a:buAutoNum type="alphaLcParenR"/>
+            </a:pPr>
+            <a:r>
+              <a:rPr lang="en-US" sz="2000" dirty="0"/>
+              <a:t>Grab the tube with a clamp at the TOP of the tube</a:t>
+            </a:r>
+          </a:p>
+          <a:p>
+            <a:pPr marL="457200" indent="-457200">
+              <a:buFont typeface="+mj-lt"/>
+              <a:buAutoNum type="alphaLcParenR"/>
+            </a:pPr>
+            <a:r>
+              <a:rPr lang="en-US" sz="2000" dirty="0"/>
+              <a:t>In the fume hood, hold the tube at an angle and heat ONLY the bottom of the tube with blue cone flame of Bunsen burner. Let the KClO3 melt, let it bubble, and heat until nothing happens</a:t>
+            </a:r>
+          </a:p>
+          <a:p>
+            <a:pPr marL="0" indent="0">
+              <a:buNone/>
+            </a:pPr>
+            <a:r>
+              <a:rPr lang="en-US" sz="2000" dirty="0"/>
+              <a:t>Did anything come out of tube </a:t>
+            </a:r>
+            <a:r>
+              <a:rPr lang="en-US" sz="2000" dirty="0" err="1"/>
+              <a:t>tube</a:t>
+            </a:r>
+            <a:r>
+              <a:rPr lang="en-US" sz="2000" dirty="0"/>
+              <a:t>. Record observations.</a:t>
+            </a:r>
+          </a:p>
+          <a:p>
+            <a:pPr marL="0" indent="0">
+              <a:buNone/>
+            </a:pPr>
+            <a:endParaRPr lang="en-US" sz="2000" dirty="0"/>
+          </a:p>
+          <a:p>
+            <a:pPr marL="0" indent="0">
+              <a:buNone/>
+            </a:pPr>
+            <a:r>
+              <a:rPr lang="en-US" sz="2000" i="1" dirty="0"/>
+              <a:t>Station 6</a:t>
+            </a:r>
+          </a:p>
+          <a:p>
+            <a:pPr marL="457200" indent="-457200">
+              <a:buFont typeface="+mj-lt"/>
+              <a:buAutoNum type="alphaLcParenR"/>
+            </a:pPr>
+            <a:r>
+              <a:rPr lang="en-US" sz="2000" dirty="0"/>
+              <a:t>Mix 1 mL 0.1 M CaCl2 with 1 mL 0.1 M Na2CO3</a:t>
+            </a:r>
+          </a:p>
+          <a:p>
+            <a:pPr marL="0" indent="0">
+              <a:buNone/>
+            </a:pPr>
+            <a:r>
+              <a:rPr lang="en-US" sz="2000" dirty="0"/>
+              <a:t>Record immediate observations. Then record observations after 3-5 minutes. Use the solubility tables to determine what product formed.</a:t>
+            </a:r>
+          </a:p>
+        </p:txBody>
+      </p:sp>
+    </p:spTree>
+    <p:extLst>
+      <p:ext uri="{BB962C8B-B14F-4D97-AF65-F5344CB8AC3E}">
+        <p14:creationId xmlns:p14="http://schemas.microsoft.com/office/powerpoint/2010/main" val="1120054341"/>
+      </p:ext>
+    </p:extLst>
+  </p:cSld>
+  <p:clrMapOvr>
+    <a:masterClrMapping/>
+  </p:clrMapOvr>
+</p:sld>
+</file>
+
+<file path=ppt/slides/slide13.xml><?xml version="1.0" encoding="utf-8"?>
+<p:sld xmlns:a="http://schemas.openxmlformats.org/drawingml/2006/main" xmlns:r="http://schemas.openxmlformats.org/officeDocument/2006/relationships" xmlns:p="http://schemas.openxmlformats.org/presentationml/2006/main">
+  <p:cSld>
+    <p:spTree>
+      <p:nvGrpSpPr>
+        <p:cNvPr id="1" name="">
+          <a:extLst>
+            <a:ext uri="{FF2B5EF4-FFF2-40B4-BE49-F238E27FC236}">
+              <a16:creationId xmlns:a16="http://schemas.microsoft.com/office/drawing/2014/main" id="{861084D9-1718-CD82-7014-6BA0ECA6C655}"/>
+            </a:ext>
+          </a:extLst>
+        </p:cNvPr>
+        <p:cNvGrpSpPr/>
+        <p:nvPr/>
+      </p:nvGrpSpPr>
+      <p:grpSpPr>
+        <a:xfrm>
+          <a:off x="0" y="0"/>
+          <a:ext cx="0" cy="0"/>
+          <a:chOff x="0" y="0"/>
+          <a:chExt cx="0" cy="0"/>
+        </a:xfrm>
+      </p:grpSpPr>
+      <p:sp>
+        <p:nvSpPr>
+          <p:cNvPr id="2" name="Title 1">
+            <a:extLst>
+              <a:ext uri="{FF2B5EF4-FFF2-40B4-BE49-F238E27FC236}">
+                <a16:creationId xmlns:a16="http://schemas.microsoft.com/office/drawing/2014/main" id="{CB4F8F40-B503-BDF6-560D-DCA7ED1D1EE0}"/>
+              </a:ext>
+            </a:extLst>
+          </p:cNvPr>
+          <p:cNvSpPr>
+            <a:spLocks noGrp="1"/>
+          </p:cNvSpPr>
+          <p:nvPr>
+            <p:ph type="title"/>
+          </p:nvPr>
+        </p:nvSpPr>
+        <p:spPr>
+          <a:xfrm>
+            <a:off x="338666" y="183025"/>
+            <a:ext cx="8421512" cy="769441"/>
+          </a:xfrm>
+        </p:spPr>
+        <p:txBody>
+          <a:bodyPr/>
+          <a:lstStyle/>
+          <a:p>
+            <a:r>
+              <a:rPr lang="en-US" sz="4400" dirty="0"/>
+              <a:t>Procedure</a:t>
+            </a:r>
+          </a:p>
+        </p:txBody>
+      </p:sp>
+      <p:sp>
+        <p:nvSpPr>
+          <p:cNvPr id="6" name="Content Placeholder 5">
+            <a:extLst>
+              <a:ext uri="{FF2B5EF4-FFF2-40B4-BE49-F238E27FC236}">
+                <a16:creationId xmlns:a16="http://schemas.microsoft.com/office/drawing/2014/main" id="{C0C6BCC5-7E61-D31C-B4B0-383D79617FB3}"/>
+              </a:ext>
+            </a:extLst>
+          </p:cNvPr>
+          <p:cNvSpPr>
+            <a:spLocks noGrp="1"/>
+          </p:cNvSpPr>
+          <p:nvPr>
+            <p:ph idx="1"/>
+          </p:nvPr>
+        </p:nvSpPr>
+        <p:spPr>
+          <a:xfrm>
+            <a:off x="372533" y="952466"/>
+            <a:ext cx="8387645" cy="5595089"/>
+          </a:xfrm>
+        </p:spPr>
+        <p:txBody>
+          <a:bodyPr/>
+          <a:lstStyle/>
+          <a:p>
+            <a:pPr marL="0" indent="0">
+              <a:buNone/>
+            </a:pPr>
+            <a:r>
+              <a:rPr lang="en-US" i="1" dirty="0"/>
+              <a:t>Station 7</a:t>
+            </a:r>
+          </a:p>
+          <a:p>
+            <a:pPr marL="457200" indent="-457200">
+              <a:buFont typeface="+mj-lt"/>
+              <a:buAutoNum type="alphaLcParenR"/>
+            </a:pPr>
+            <a:r>
+              <a:rPr lang="en-US" sz="2000" dirty="0"/>
+              <a:t>Mix 1 mL 6.0 M HCl with 2 mL 3.0 M NaOH</a:t>
+            </a:r>
+          </a:p>
+          <a:p>
+            <a:pPr marL="457200" indent="-457200">
+              <a:buFont typeface="+mj-lt"/>
+              <a:buAutoNum type="alphaLcParenR"/>
+            </a:pPr>
+            <a:r>
+              <a:rPr lang="en-US" sz="2000" dirty="0"/>
+              <a:t>Record observations. Were there temperature changes (use your hand/fingers carefully to see if the mixture is cold or hot). Use understanding of chemistry to predict product(s)</a:t>
+            </a:r>
+          </a:p>
+          <a:p>
+            <a:pPr marL="0" indent="0">
+              <a:buNone/>
+            </a:pPr>
+            <a:endParaRPr lang="en-US" sz="2000" dirty="0"/>
+          </a:p>
+          <a:p>
+            <a:pPr marL="0" indent="0">
+              <a:buNone/>
+            </a:pPr>
+            <a:r>
+              <a:rPr lang="en-US" sz="2000" i="1" dirty="0"/>
+              <a:t>Station 8</a:t>
+            </a:r>
+          </a:p>
+          <a:p>
+            <a:pPr marL="457200" indent="-457200">
+              <a:buFont typeface="+mj-lt"/>
+              <a:buAutoNum type="alphaLcParenR"/>
+            </a:pPr>
+            <a:r>
+              <a:rPr lang="en-US" sz="2000" dirty="0"/>
+              <a:t>Mix 1 mL 0.1 M KNO3 with 1 mL 0.1 M BaCl2</a:t>
+            </a:r>
+          </a:p>
+          <a:p>
+            <a:pPr marL="0" indent="0">
+              <a:buNone/>
+            </a:pPr>
+            <a:r>
+              <a:rPr lang="en-US" sz="2000" dirty="0"/>
+              <a:t>Record immediate observations. Then record observations after 3-5 minutes. Use the solubility tables to determine what product formed.</a:t>
+            </a:r>
+          </a:p>
+        </p:txBody>
+      </p:sp>
+    </p:spTree>
+    <p:extLst>
+      <p:ext uri="{BB962C8B-B14F-4D97-AF65-F5344CB8AC3E}">
+        <p14:creationId xmlns:p14="http://schemas.microsoft.com/office/powerpoint/2010/main" val="1741693150"/>
+      </p:ext>
+    </p:extLst>
+  </p:cSld>
+  <p:clrMapOvr>
+    <a:masterClrMapping/>
+  </p:clrMapOvr>
+</p:sld>
+</file>
+
+<file path=ppt/slides/slide14.xml><?xml version="1.0" encoding="utf-8"?>
+<p:sld xmlns:a="http://schemas.openxmlformats.org/drawingml/2006/main" xmlns:r="http://schemas.openxmlformats.org/officeDocument/2006/relationships" xmlns:p="http://schemas.openxmlformats.org/presentationml/2006/main">
+  <p:cSld>
+    <p:spTree>
+      <p:nvGrpSpPr>
+        <p:cNvPr id="1" name="">
+          <a:extLst>
+            <a:ext uri="{FF2B5EF4-FFF2-40B4-BE49-F238E27FC236}">
+              <a16:creationId xmlns:a16="http://schemas.microsoft.com/office/drawing/2014/main" id="{4D5515A7-EB2E-6346-DBD2-F70A1B1DAA5C}"/>
+            </a:ext>
+          </a:extLst>
+        </p:cNvPr>
+        <p:cNvGrpSpPr/>
+        <p:nvPr/>
+      </p:nvGrpSpPr>
+      <p:grpSpPr>
+        <a:xfrm>
+          <a:off x="0" y="0"/>
+          <a:ext cx="0" cy="0"/>
+          <a:chOff x="0" y="0"/>
+          <a:chExt cx="0" cy="0"/>
+        </a:xfrm>
+      </p:grpSpPr>
+      <p:sp>
+        <p:nvSpPr>
+          <p:cNvPr id="2" name="Title 1">
+            <a:extLst>
+              <a:ext uri="{FF2B5EF4-FFF2-40B4-BE49-F238E27FC236}">
+                <a16:creationId xmlns:a16="http://schemas.microsoft.com/office/drawing/2014/main" id="{4A17F7B4-544F-7853-CFED-D81F603060B7}"/>
+              </a:ext>
+            </a:extLst>
+          </p:cNvPr>
+          <p:cNvSpPr>
+            <a:spLocks noGrp="1"/>
+          </p:cNvSpPr>
+          <p:nvPr>
+            <p:ph type="title"/>
+          </p:nvPr>
+        </p:nvSpPr>
+        <p:spPr>
+          <a:xfrm>
+            <a:off x="338666" y="183025"/>
+            <a:ext cx="8421512" cy="769441"/>
+          </a:xfrm>
+        </p:spPr>
+        <p:txBody>
+          <a:bodyPr/>
+          <a:lstStyle/>
+          <a:p>
+            <a:r>
+              <a:rPr lang="en-US" sz="4400" dirty="0"/>
+              <a:t>Procedure</a:t>
+            </a:r>
+          </a:p>
+        </p:txBody>
+      </p:sp>
+      <p:sp>
+        <p:nvSpPr>
+          <p:cNvPr id="6" name="Content Placeholder 5">
+            <a:extLst>
+              <a:ext uri="{FF2B5EF4-FFF2-40B4-BE49-F238E27FC236}">
+                <a16:creationId xmlns:a16="http://schemas.microsoft.com/office/drawing/2014/main" id="{CE746364-602D-46B8-05D6-C534E505AF58}"/>
+              </a:ext>
+            </a:extLst>
+          </p:cNvPr>
+          <p:cNvSpPr>
+            <a:spLocks noGrp="1"/>
+          </p:cNvSpPr>
+          <p:nvPr>
+            <p:ph idx="1"/>
+          </p:nvPr>
+        </p:nvSpPr>
+        <p:spPr>
+          <a:xfrm>
+            <a:off x="372533" y="952466"/>
+            <a:ext cx="8387645" cy="5595089"/>
+          </a:xfrm>
+        </p:spPr>
+        <p:txBody>
+          <a:bodyPr/>
+          <a:lstStyle/>
+          <a:p>
+            <a:pPr marL="0" indent="0">
+              <a:buNone/>
+            </a:pPr>
+            <a:r>
+              <a:rPr lang="en-US" i="1" dirty="0"/>
+              <a:t>Station 9</a:t>
+            </a:r>
+          </a:p>
+          <a:p>
+            <a:pPr marL="457200" indent="-457200">
+              <a:buFont typeface="+mj-lt"/>
+              <a:buAutoNum type="alphaLcParenR"/>
+            </a:pPr>
+            <a:r>
+              <a:rPr lang="en-US" sz="2000" dirty="0"/>
+              <a:t>Transfer 2 mL of 0.1 M CuSO4 to tube</a:t>
+            </a:r>
+          </a:p>
+          <a:p>
+            <a:pPr marL="457200" indent="-457200">
+              <a:buFont typeface="+mj-lt"/>
+              <a:buAutoNum type="alphaLcParenR"/>
+            </a:pPr>
+            <a:r>
+              <a:rPr lang="en-US" sz="2000" dirty="0"/>
+              <a:t>Add a few Zn pellets. Record immediate observations and after 3-5 minutes. Check if there are solid products what they look like. What accounts for the blue color?</a:t>
+            </a:r>
+          </a:p>
+          <a:p>
+            <a:pPr marL="0" indent="0">
+              <a:buNone/>
+            </a:pPr>
+            <a:endParaRPr lang="en-US" sz="2000" dirty="0"/>
+          </a:p>
+          <a:p>
+            <a:pPr marL="0" indent="0">
+              <a:buNone/>
+            </a:pPr>
+            <a:r>
+              <a:rPr lang="en-US" sz="2000" i="1" dirty="0"/>
+              <a:t>Station 10</a:t>
+            </a:r>
+          </a:p>
+          <a:p>
+            <a:pPr marL="457200" indent="-457200">
+              <a:buFont typeface="+mj-lt"/>
+              <a:buAutoNum type="alphaLcParenR"/>
+            </a:pPr>
+            <a:r>
+              <a:rPr lang="en-US" sz="2000" dirty="0"/>
+              <a:t>Mix 1 mL 4.0 M NH4Cl with 1 mL 3.0 M NaOH. If there is a gas, what is it?</a:t>
+            </a:r>
+          </a:p>
+          <a:p>
+            <a:pPr marL="457200" indent="-457200">
+              <a:buFont typeface="+mj-lt"/>
+              <a:buAutoNum type="alphaLcParenR"/>
+            </a:pPr>
+            <a:r>
+              <a:rPr lang="en-US" sz="2000" dirty="0"/>
+              <a:t>Moisten red litmus and hold it over the mouth of the tube: what is the color change and what causes it?</a:t>
+            </a:r>
+          </a:p>
+          <a:p>
+            <a:pPr marL="457200" indent="-457200">
+              <a:buFont typeface="+mj-lt"/>
+              <a:buAutoNum type="alphaLcParenR"/>
+            </a:pPr>
+            <a:r>
+              <a:rPr lang="en-US" sz="2000" dirty="0"/>
+              <a:t>Take 2 fingers and waft the air from tube toward yourself: is there any strong odor? Do NOT put your nose or face over the tube!</a:t>
+            </a:r>
+          </a:p>
+        </p:txBody>
+      </p:sp>
+    </p:spTree>
+    <p:extLst>
+      <p:ext uri="{BB962C8B-B14F-4D97-AF65-F5344CB8AC3E}">
+        <p14:creationId xmlns:p14="http://schemas.microsoft.com/office/powerpoint/2010/main" val="142608454"/>
+      </p:ext>
+    </p:extLst>
+  </p:cSld>
+  <p:clrMapOvr>
+    <a:masterClrMapping/>
+  </p:clrMapOvr>
+</p:sld>
+</file>
+
+<file path=ppt/slides/slide15.xml><?xml version="1.0" encoding="utf-8"?>
+<p:sld xmlns:a="http://schemas.openxmlformats.org/drawingml/2006/main" xmlns:r="http://schemas.openxmlformats.org/officeDocument/2006/relationships" xmlns:p="http://schemas.openxmlformats.org/presentationml/2006/main">
+  <p:cSld>
+    <p:spTree>
+      <p:nvGrpSpPr>
+        <p:cNvPr id="1" name="">
+          <a:extLst>
+            <a:ext uri="{FF2B5EF4-FFF2-40B4-BE49-F238E27FC236}">
+              <a16:creationId xmlns:a16="http://schemas.microsoft.com/office/drawing/2014/main" id="{BA86FC53-DF32-CE64-DFB5-7C8645A52D75}"/>
+            </a:ext>
+          </a:extLst>
+        </p:cNvPr>
+        <p:cNvGrpSpPr/>
+        <p:nvPr/>
+      </p:nvGrpSpPr>
+      <p:grpSpPr>
+        <a:xfrm>
+          <a:off x="0" y="0"/>
+          <a:ext cx="0" cy="0"/>
+          <a:chOff x="0" y="0"/>
+          <a:chExt cx="0" cy="0"/>
+        </a:xfrm>
+      </p:grpSpPr>
+      <p:sp>
+        <p:nvSpPr>
+          <p:cNvPr id="2" name="Title 1">
+            <a:extLst>
+              <a:ext uri="{FF2B5EF4-FFF2-40B4-BE49-F238E27FC236}">
+                <a16:creationId xmlns:a16="http://schemas.microsoft.com/office/drawing/2014/main" id="{C16FF693-5E30-D813-D298-9AB46F923D33}"/>
+              </a:ext>
+            </a:extLst>
+          </p:cNvPr>
+          <p:cNvSpPr>
+            <a:spLocks noGrp="1"/>
+          </p:cNvSpPr>
+          <p:nvPr>
+            <p:ph type="title"/>
+          </p:nvPr>
+        </p:nvSpPr>
+        <p:spPr>
+          <a:xfrm>
+            <a:off x="338666" y="183025"/>
+            <a:ext cx="8421512" cy="769441"/>
+          </a:xfrm>
+        </p:spPr>
+        <p:txBody>
+          <a:bodyPr/>
+          <a:lstStyle/>
+          <a:p>
+            <a:r>
+              <a:rPr lang="en-US" sz="4400" dirty="0"/>
+              <a:t>Example Data Analysis</a:t>
+            </a:r>
+          </a:p>
+        </p:txBody>
+      </p:sp>
+      <p:sp>
+        <p:nvSpPr>
+          <p:cNvPr id="6" name="Content Placeholder 5">
+            <a:extLst>
+              <a:ext uri="{FF2B5EF4-FFF2-40B4-BE49-F238E27FC236}">
+                <a16:creationId xmlns:a16="http://schemas.microsoft.com/office/drawing/2014/main" id="{584FB2EA-A75D-4ADA-B03B-899868167CF9}"/>
+              </a:ext>
+            </a:extLst>
+          </p:cNvPr>
+          <p:cNvSpPr>
+            <a:spLocks noGrp="1"/>
+          </p:cNvSpPr>
+          <p:nvPr>
+            <p:ph idx="1"/>
+          </p:nvPr>
+        </p:nvSpPr>
+        <p:spPr>
+          <a:xfrm>
+            <a:off x="372533" y="952466"/>
+            <a:ext cx="8387645" cy="5595089"/>
+          </a:xfrm>
+        </p:spPr>
+        <p:txBody>
+          <a:bodyPr/>
+          <a:lstStyle/>
+          <a:p>
+            <a:pPr marL="457200" indent="-457200">
+              <a:buFont typeface="+mj-lt"/>
+              <a:buAutoNum type="arabicPeriod"/>
+            </a:pPr>
+            <a:r>
+              <a:rPr lang="en-US" dirty="0"/>
+              <a:t>Suppose A=23.7584 g, B=34.3532 g,</a:t>
+            </a:r>
+            <a:br>
+              <a:rPr lang="en-US" dirty="0"/>
+            </a:br>
+            <a:r>
+              <a:rPr lang="en-US" dirty="0"/>
+              <a:t>C=37.5732 g. After the reaction, D=36.7841 g</a:t>
+            </a:r>
+          </a:p>
+          <a:p>
+            <a:pPr marL="457200" indent="-457200">
+              <a:buFont typeface="+mj-lt"/>
+              <a:buAutoNum type="arabicPeriod"/>
+            </a:pPr>
+            <a:r>
+              <a:rPr lang="en-US" dirty="0"/>
+              <a:t>[B-A]=10.5948 g, [C-B]=3.2200 g,</a:t>
+            </a:r>
+            <a:br>
+              <a:rPr lang="en-US" dirty="0"/>
+            </a:br>
+            <a:r>
+              <a:rPr lang="en-US" dirty="0"/>
+              <a:t>[D-A]=13.0257 g</a:t>
+            </a:r>
+          </a:p>
+          <a:p>
+            <a:pPr marL="457200" indent="-457200">
+              <a:buFont typeface="+mj-lt"/>
+              <a:buAutoNum type="arabicPeriod"/>
+            </a:pPr>
+            <a:r>
+              <a:rPr lang="en-US" dirty="0"/>
+              <a:t>Copper reacted should be same as initial copper, because copper doesn’t go anywhere</a:t>
+            </a:r>
+          </a:p>
+          <a:p>
+            <a:pPr marL="457200" indent="-457200">
+              <a:buFont typeface="+mj-lt"/>
+              <a:buAutoNum type="arabicPeriod"/>
+            </a:pPr>
+            <a:r>
+              <a:rPr lang="en-US" dirty="0"/>
+              <a:t>Sulfur reacted should be [D-A]-[B-A]=13.0257 g - 10.5948 g= 2.4309 g</a:t>
+            </a:r>
+          </a:p>
+          <a:p>
+            <a:pPr marL="457200" indent="-457200">
+              <a:buFont typeface="+mj-lt"/>
+              <a:buAutoNum type="arabicPeriod"/>
+            </a:pPr>
+            <a:r>
+              <a:rPr lang="en-US" dirty="0"/>
+              <a:t>Excess sulfur = [C-B]-2.4309 g = 3.2200 g – 2.4309 g =0.7891 g </a:t>
+            </a:r>
+          </a:p>
+          <a:p>
+            <a:pPr marL="457200" indent="-457200">
+              <a:buFont typeface="+mj-lt"/>
+              <a:buAutoNum type="arabicPeriod"/>
+            </a:pPr>
+            <a:endParaRPr lang="en-US" dirty="0"/>
+          </a:p>
+          <a:p>
+            <a:pPr marL="0" indent="0">
+              <a:buNone/>
+            </a:pPr>
+            <a:r>
+              <a:rPr lang="en-US" dirty="0"/>
+              <a:t>Mass ratio </a:t>
+            </a:r>
+            <a:r>
+              <a:rPr lang="en-US" sz="2000" dirty="0"/>
+              <a:t>= </a:t>
+            </a:r>
+            <a:r>
+              <a:rPr lang="en-US" sz="1800" dirty="0"/>
+              <a:t>c</a:t>
+            </a:r>
+            <a:r>
+              <a:rPr lang="en-US" sz="2000" dirty="0"/>
+              <a:t>opper/sulfur reacted =</a:t>
+            </a:r>
+            <a:r>
+              <a:rPr lang="en-US" dirty="0"/>
+              <a:t> 10.5948 g/2.4309 g</a:t>
+            </a:r>
+            <a:br>
+              <a:rPr lang="en-US" dirty="0"/>
+            </a:br>
+            <a:r>
+              <a:rPr lang="en-US" dirty="0"/>
+              <a:t>= 4.3583</a:t>
+            </a:r>
+          </a:p>
+        </p:txBody>
+      </p:sp>
+    </p:spTree>
+    <p:extLst>
+      <p:ext uri="{BB962C8B-B14F-4D97-AF65-F5344CB8AC3E}">
+        <p14:creationId xmlns:p14="http://schemas.microsoft.com/office/powerpoint/2010/main" val="2049909912"/>
+      </p:ext>
+    </p:extLst>
+  </p:cSld>
+  <p:clrMapOvr>
+    <a:masterClrMapping/>
+  </p:clrMapOvr>
+</p:sld>
+</file>
+
+<file path=ppt/slides/slide16.xml><?xml version="1.0" encoding="utf-8"?>
+<p:sld xmlns:a="http://schemas.openxmlformats.org/drawingml/2006/main" xmlns:r="http://schemas.openxmlformats.org/officeDocument/2006/relationships" xmlns:p="http://schemas.openxmlformats.org/presentationml/2006/main">
+  <p:cSld>
+    <p:spTree>
+      <p:nvGrpSpPr>
+        <p:cNvPr id="1" name="">
+          <a:extLst>
+            <a:ext uri="{FF2B5EF4-FFF2-40B4-BE49-F238E27FC236}">
               <a16:creationId xmlns:a16="http://schemas.microsoft.com/office/drawing/2014/main" id="{F9605A24-FE88-1B37-6F21-A6AE688FD93A}"/>
             </a:ext>
           </a:extLst>
@@ -10886,7 +11989,7 @@
 </p:sld>
 </file>
 
-<file path=ppt/slides/slide11.xml><?xml version="1.0" encoding="utf-8"?>
+<file path=ppt/slides/slide17.xml><?xml version="1.0" encoding="utf-8"?>
 <p:sld xmlns:a="http://schemas.openxmlformats.org/drawingml/2006/main" xmlns:r="http://schemas.openxmlformats.org/officeDocument/2006/relationships" xmlns:p="http://schemas.openxmlformats.org/presentationml/2006/main">
   <p:cSld>
     <p:spTree>
@@ -10952,28 +12055,7 @@
           <a:bodyPr/>
           <a:lstStyle/>
           <a:p>
-            <a:r>
-              <a:rPr lang="en-US" dirty="0"/>
-              <a:t>The copper sulfide product goes into solids waste container</a:t>
-            </a:r>
-          </a:p>
-          <a:p>
-            <a:r>
-              <a:rPr lang="en-US" dirty="0"/>
-              <a:t>WITHOUT AT ALL GETTING CRUCIBLE WET WITH ANY WATER, wipe crucible with dry paper towel</a:t>
-            </a:r>
-          </a:p>
-          <a:p>
-            <a:r>
-              <a:rPr lang="en-US" dirty="0"/>
-              <a:t>Use soapy water to clean the watch glass</a:t>
-            </a:r>
-          </a:p>
-          <a:p>
-            <a:r>
-              <a:rPr lang="en-US" dirty="0"/>
-              <a:t>Place all other items in appropriate locations</a:t>
-            </a:r>
+            <a:endParaRPr lang="en-US" dirty="0"/>
           </a:p>
         </p:txBody>
       </p:sp>
@@ -11371,11 +12453,993 @@
             </a:pPr>
             <a:r>
               <a:rPr lang="en-US" sz="1800" dirty="0"/>
-              <a:t>Scheme 1 is “what happens with atoms?” Scheme 2 is about process</a:t>
-            </a:r>
+              <a:t>Scheme 1 is “what happens with atoms?”</a:t>
+            </a:r>
+          </a:p>
+          <a:p>
+            <a:pPr marL="0" indent="0">
+              <a:buNone/>
+            </a:pPr>
+            <a:r>
+              <a:rPr lang="en-US" sz="1800" dirty="0"/>
+              <a:t>Double displacement (DD), single displacement (SD), combination, decomposition</a:t>
+            </a:r>
+          </a:p>
+          <a:p>
+            <a:pPr marL="0" indent="0">
+              <a:buNone/>
+            </a:pPr>
+            <a:r>
+              <a:rPr lang="en-US" sz="1800" dirty="0"/>
+              <a:t>Scheme 2 is about process: precipitation (DD), neutralization (DD), gas evolution (DD), dissolution only; redox, combustion</a:t>
+            </a:r>
+          </a:p>
+          <a:p>
+            <a:pPr marL="0" indent="0">
+              <a:buNone/>
+            </a:pPr>
+            <a:endParaRPr lang="en-US" sz="1800" dirty="0"/>
           </a:p>
         </p:txBody>
       </p:sp>
+      <p:graphicFrame>
+        <p:nvGraphicFramePr>
+          <p:cNvPr id="4" name="Table 3">
+            <a:extLst>
+              <a:ext uri="{FF2B5EF4-FFF2-40B4-BE49-F238E27FC236}">
+                <a16:creationId xmlns:a16="http://schemas.microsoft.com/office/drawing/2014/main" id="{269A48BB-8733-17AC-8BF0-0BC20456FF5F}"/>
+              </a:ext>
+            </a:extLst>
+          </p:cNvPr>
+          <p:cNvGraphicFramePr>
+            <a:graphicFrameLocks noGrp="1"/>
+          </p:cNvGraphicFramePr>
+          <p:nvPr>
+            <p:extLst>
+              <p:ext uri="{D42A27DB-BD31-4B8C-83A1-F6EECF244321}">
+                <p14:modId xmlns:p14="http://schemas.microsoft.com/office/powerpoint/2010/main" val="1412805683"/>
+              </p:ext>
+            </p:extLst>
+          </p:nvPr>
+        </p:nvGraphicFramePr>
+        <p:xfrm>
+          <a:off x="565855" y="3340101"/>
+          <a:ext cx="8000999" cy="1076960"/>
+        </p:xfrm>
+        <a:graphic>
+          <a:graphicData uri="http://schemas.openxmlformats.org/drawingml/2006/table">
+            <a:tbl>
+              <a:tblPr firstRow="1" bandRow="1">
+                <a:tableStyleId>{073A0DAA-6AF3-43AB-8588-CEC1D06C72B9}</a:tableStyleId>
+              </a:tblPr>
+              <a:tblGrid>
+                <a:gridCol w="3755572">
+                  <a:extLst>
+                    <a:ext uri="{9D8B030D-6E8A-4147-A177-3AD203B41FA5}">
+                      <a16:colId xmlns:a16="http://schemas.microsoft.com/office/drawing/2014/main" val="3005107910"/>
+                    </a:ext>
+                  </a:extLst>
+                </a:gridCol>
+                <a:gridCol w="424542">
+                  <a:extLst>
+                    <a:ext uri="{9D8B030D-6E8A-4147-A177-3AD203B41FA5}">
+                      <a16:colId xmlns:a16="http://schemas.microsoft.com/office/drawing/2014/main" val="3744328796"/>
+                    </a:ext>
+                  </a:extLst>
+                </a:gridCol>
+                <a:gridCol w="3820885">
+                  <a:extLst>
+                    <a:ext uri="{9D8B030D-6E8A-4147-A177-3AD203B41FA5}">
+                      <a16:colId xmlns:a16="http://schemas.microsoft.com/office/drawing/2014/main" val="3681666652"/>
+                    </a:ext>
+                  </a:extLst>
+                </a:gridCol>
+              </a:tblGrid>
+              <a:tr h="370840">
+                <a:tc gridSpan="3">
+                  <a:txBody>
+                    <a:bodyPr/>
+                    <a:lstStyle/>
+                    <a:p>
+                      <a:pPr marL="0" marR="0" lvl="0" indent="0" algn="l" defTabSz="914400" rtl="0" eaLnBrk="1" fontAlgn="auto" latinLnBrk="0" hangingPunct="1">
+                        <a:lnSpc>
+                          <a:spcPct val="100000"/>
+                        </a:lnSpc>
+                        <a:spcBef>
+                          <a:spcPts val="0"/>
+                        </a:spcBef>
+                        <a:spcAft>
+                          <a:spcPts val="0"/>
+                        </a:spcAft>
+                        <a:buClrTx/>
+                        <a:buSzTx/>
+                        <a:buFontTx/>
+                        <a:buNone/>
+                        <a:tabLst/>
+                        <a:defRPr/>
+                      </a:pPr>
+                      <a:r>
+                        <a:rPr lang="en-US" sz="1800" dirty="0"/>
+                        <a:t>Precipitation</a:t>
+                      </a:r>
+                    </a:p>
+                  </a:txBody>
+                  <a:tcPr/>
+                </a:tc>
+                <a:tc hMerge="1">
+                  <a:txBody>
+                    <a:bodyPr/>
+                    <a:lstStyle/>
+                    <a:p>
+                      <a:endParaRPr lang="en-US" dirty="0"/>
+                    </a:p>
+                  </a:txBody>
+                  <a:tcPr/>
+                </a:tc>
+                <a:tc hMerge="1">
+                  <a:txBody>
+                    <a:bodyPr/>
+                    <a:lstStyle/>
+                    <a:p>
+                      <a:endParaRPr lang="en-US" dirty="0"/>
+                    </a:p>
+                  </a:txBody>
+                  <a:tcPr/>
+                </a:tc>
+                <a:extLst>
+                  <a:ext uri="{0D108BD9-81ED-4DB2-BD59-A6C34878D82A}">
+                    <a16:rowId xmlns:a16="http://schemas.microsoft.com/office/drawing/2014/main" val="3606507504"/>
+                  </a:ext>
+                </a:extLst>
+              </a:tr>
+              <a:tr h="0">
+                <a:tc>
+                  <a:txBody>
+                    <a:bodyPr/>
+                    <a:lstStyle/>
+                    <a:p>
+                      <a:pPr algn="r"/>
+                      <a:r>
+                        <a:rPr lang="en-US" sz="1600" dirty="0">
+                          <a:solidFill>
+                            <a:srgbClr val="0070C0"/>
+                          </a:solidFill>
+                        </a:rPr>
+                        <a:t>Salt</a:t>
+                      </a:r>
+                      <a:r>
+                        <a:rPr lang="en-US" sz="1600" dirty="0"/>
+                        <a:t> (</a:t>
+                      </a:r>
+                      <a:r>
+                        <a:rPr lang="en-US" sz="1600" i="1" dirty="0" err="1"/>
+                        <a:t>aq</a:t>
+                      </a:r>
+                      <a:r>
+                        <a:rPr lang="en-US" sz="1600" dirty="0"/>
+                        <a:t>) + </a:t>
+                      </a:r>
+                      <a:r>
+                        <a:rPr lang="en-US" sz="1600" dirty="0">
+                          <a:solidFill>
+                            <a:srgbClr val="0070C0"/>
+                          </a:solidFill>
+                        </a:rPr>
+                        <a:t>Salt</a:t>
+                      </a:r>
+                      <a:r>
+                        <a:rPr lang="en-US" sz="1600" dirty="0"/>
+                        <a:t> (</a:t>
+                      </a:r>
+                      <a:r>
+                        <a:rPr lang="en-US" sz="1600" i="1" dirty="0" err="1"/>
+                        <a:t>aq</a:t>
+                      </a:r>
+                      <a:r>
+                        <a:rPr lang="en-US" sz="1600" dirty="0"/>
+                        <a:t>)</a:t>
+                      </a:r>
+                    </a:p>
+                  </a:txBody>
+                  <a:tcPr/>
+                </a:tc>
+                <a:tc>
+                  <a:txBody>
+                    <a:bodyPr/>
+                    <a:lstStyle/>
+                    <a:p>
+                      <a:r>
+                        <a:rPr lang="en-US" sz="1600" dirty="0">
+                          <a:sym typeface="Wingdings" panose="05000000000000000000" pitchFamily="2" charset="2"/>
+                        </a:rPr>
+                        <a:t></a:t>
+                      </a:r>
+                      <a:endParaRPr lang="en-US" sz="1600" dirty="0"/>
+                    </a:p>
+                  </a:txBody>
+                  <a:tcPr/>
+                </a:tc>
+                <a:tc>
+                  <a:txBody>
+                    <a:bodyPr/>
+                    <a:lstStyle/>
+                    <a:p>
+                      <a:pPr marL="0" marR="0" lvl="0" indent="0" algn="l" defTabSz="914400" rtl="0" eaLnBrk="1" fontAlgn="auto" latinLnBrk="0" hangingPunct="1">
+                        <a:lnSpc>
+                          <a:spcPct val="100000"/>
+                        </a:lnSpc>
+                        <a:spcBef>
+                          <a:spcPts val="0"/>
+                        </a:spcBef>
+                        <a:spcAft>
+                          <a:spcPts val="0"/>
+                        </a:spcAft>
+                        <a:buClrTx/>
+                        <a:buSzTx/>
+                        <a:buFontTx/>
+                        <a:buNone/>
+                        <a:tabLst/>
+                        <a:defRPr/>
+                      </a:pPr>
+                      <a:r>
+                        <a:rPr lang="en-US" sz="1600" dirty="0">
+                          <a:solidFill>
+                            <a:srgbClr val="0070C0"/>
+                          </a:solidFill>
+                          <a:sym typeface="Wingdings" panose="05000000000000000000" pitchFamily="2" charset="2"/>
+                        </a:rPr>
+                        <a:t>New</a:t>
+                      </a:r>
+                      <a:r>
+                        <a:rPr lang="en-US" sz="1600" dirty="0">
+                          <a:sym typeface="Wingdings" panose="05000000000000000000" pitchFamily="2" charset="2"/>
+                        </a:rPr>
+                        <a:t> </a:t>
+                      </a:r>
+                      <a:r>
+                        <a:rPr lang="en-US" sz="1600" dirty="0">
+                          <a:solidFill>
+                            <a:srgbClr val="0070C0"/>
+                          </a:solidFill>
+                          <a:sym typeface="Wingdings" panose="05000000000000000000" pitchFamily="2" charset="2"/>
+                        </a:rPr>
+                        <a:t>Salt</a:t>
+                      </a:r>
+                      <a:r>
+                        <a:rPr lang="en-US" sz="1600" dirty="0">
+                          <a:sym typeface="Wingdings" panose="05000000000000000000" pitchFamily="2" charset="2"/>
+                        </a:rPr>
+                        <a:t> (</a:t>
+                      </a:r>
+                      <a:r>
+                        <a:rPr lang="en-US" sz="1600" i="1" dirty="0">
+                          <a:sym typeface="Wingdings" panose="05000000000000000000" pitchFamily="2" charset="2"/>
+                        </a:rPr>
+                        <a:t>s</a:t>
+                      </a:r>
+                      <a:r>
+                        <a:rPr lang="en-US" sz="1600" dirty="0">
+                          <a:sym typeface="Wingdings" panose="05000000000000000000" pitchFamily="2" charset="2"/>
+                        </a:rPr>
+                        <a:t>) + </a:t>
+                      </a:r>
+                      <a:r>
+                        <a:rPr lang="en-US" sz="1600" dirty="0">
+                          <a:solidFill>
+                            <a:srgbClr val="0070C0"/>
+                          </a:solidFill>
+                          <a:sym typeface="Wingdings" panose="05000000000000000000" pitchFamily="2" charset="2"/>
+                        </a:rPr>
+                        <a:t>New</a:t>
+                      </a:r>
+                      <a:r>
+                        <a:rPr lang="en-US" sz="1600" dirty="0">
+                          <a:sym typeface="Wingdings" panose="05000000000000000000" pitchFamily="2" charset="2"/>
+                        </a:rPr>
+                        <a:t> </a:t>
+                      </a:r>
+                      <a:r>
+                        <a:rPr lang="en-US" sz="1600" dirty="0">
+                          <a:solidFill>
+                            <a:srgbClr val="0070C0"/>
+                          </a:solidFill>
+                          <a:sym typeface="Wingdings" panose="05000000000000000000" pitchFamily="2" charset="2"/>
+                        </a:rPr>
+                        <a:t>Salt</a:t>
+                      </a:r>
+                      <a:r>
+                        <a:rPr lang="en-US" sz="1600" dirty="0">
+                          <a:sym typeface="Wingdings" panose="05000000000000000000" pitchFamily="2" charset="2"/>
+                        </a:rPr>
+                        <a:t> (</a:t>
+                      </a:r>
+                      <a:r>
+                        <a:rPr lang="en-US" sz="1600" i="1" dirty="0" err="1">
+                          <a:sym typeface="Wingdings" panose="05000000000000000000" pitchFamily="2" charset="2"/>
+                        </a:rPr>
+                        <a:t>aq</a:t>
+                      </a:r>
+                      <a:r>
+                        <a:rPr lang="en-US" sz="1600" dirty="0">
+                          <a:sym typeface="Wingdings" panose="05000000000000000000" pitchFamily="2" charset="2"/>
+                        </a:rPr>
+                        <a:t>)</a:t>
+                      </a:r>
+                      <a:endParaRPr lang="en-US" sz="1600" dirty="0"/>
+                    </a:p>
+                  </a:txBody>
+                  <a:tcPr/>
+                </a:tc>
+                <a:extLst>
+                  <a:ext uri="{0D108BD9-81ED-4DB2-BD59-A6C34878D82A}">
+                    <a16:rowId xmlns:a16="http://schemas.microsoft.com/office/drawing/2014/main" val="3957596281"/>
+                  </a:ext>
+                </a:extLst>
+              </a:tr>
+              <a:tr h="370840">
+                <a:tc>
+                  <a:txBody>
+                    <a:bodyPr/>
+                    <a:lstStyle/>
+                    <a:p>
+                      <a:pPr marL="0" marR="0" lvl="0" indent="0" algn="r" defTabSz="914400" rtl="0" eaLnBrk="1" fontAlgn="auto" latinLnBrk="0" hangingPunct="1">
+                        <a:lnSpc>
+                          <a:spcPct val="100000"/>
+                        </a:lnSpc>
+                        <a:spcBef>
+                          <a:spcPts val="0"/>
+                        </a:spcBef>
+                        <a:spcAft>
+                          <a:spcPts val="0"/>
+                        </a:spcAft>
+                        <a:buClrTx/>
+                        <a:buSzTx/>
+                        <a:buFontTx/>
+                        <a:buNone/>
+                        <a:tabLst/>
+                        <a:defRPr/>
+                      </a:pPr>
+                      <a:r>
+                        <a:rPr lang="en-US" sz="1800" dirty="0">
+                          <a:sym typeface="Wingdings" panose="05000000000000000000" pitchFamily="2" charset="2"/>
+                        </a:rPr>
+                        <a:t>2 NaCl (</a:t>
+                      </a:r>
+                      <a:r>
+                        <a:rPr lang="en-US" sz="1800" i="1" dirty="0" err="1">
+                          <a:sym typeface="Wingdings" panose="05000000000000000000" pitchFamily="2" charset="2"/>
+                        </a:rPr>
+                        <a:t>aq</a:t>
+                      </a:r>
+                      <a:r>
+                        <a:rPr lang="en-US" sz="1800" dirty="0">
+                          <a:sym typeface="Wingdings" panose="05000000000000000000" pitchFamily="2" charset="2"/>
+                        </a:rPr>
+                        <a:t>) + Pb(NO</a:t>
+                      </a:r>
+                      <a:r>
+                        <a:rPr lang="en-US" sz="1800" baseline="-25000" dirty="0">
+                          <a:sym typeface="Wingdings" panose="05000000000000000000" pitchFamily="2" charset="2"/>
+                        </a:rPr>
+                        <a:t>3</a:t>
+                      </a:r>
+                      <a:r>
+                        <a:rPr lang="en-US" sz="1800" dirty="0">
+                          <a:sym typeface="Wingdings" panose="05000000000000000000" pitchFamily="2" charset="2"/>
+                        </a:rPr>
+                        <a:t>)</a:t>
+                      </a:r>
+                      <a:r>
+                        <a:rPr lang="en-US" sz="1800" baseline="-25000" dirty="0">
+                          <a:sym typeface="Wingdings" panose="05000000000000000000" pitchFamily="2" charset="2"/>
+                        </a:rPr>
+                        <a:t>2</a:t>
+                      </a:r>
+                      <a:r>
+                        <a:rPr lang="en-US" sz="1800" dirty="0">
+                          <a:sym typeface="Wingdings" panose="05000000000000000000" pitchFamily="2" charset="2"/>
+                        </a:rPr>
+                        <a:t> (</a:t>
+                      </a:r>
+                      <a:r>
+                        <a:rPr lang="en-US" sz="1800" i="1" dirty="0" err="1">
+                          <a:sym typeface="Wingdings" panose="05000000000000000000" pitchFamily="2" charset="2"/>
+                        </a:rPr>
+                        <a:t>aq</a:t>
+                      </a:r>
+                      <a:r>
+                        <a:rPr lang="en-US" sz="1800" dirty="0">
+                          <a:sym typeface="Wingdings" panose="05000000000000000000" pitchFamily="2" charset="2"/>
+                        </a:rPr>
+                        <a:t>)</a:t>
+                      </a:r>
+                      <a:endParaRPr lang="en-US" dirty="0"/>
+                    </a:p>
+                  </a:txBody>
+                  <a:tcPr/>
+                </a:tc>
+                <a:tc>
+                  <a:txBody>
+                    <a:bodyPr/>
+                    <a:lstStyle/>
+                    <a:p>
+                      <a:pPr marL="0" marR="0" lvl="0" indent="0" algn="l" defTabSz="914400" rtl="0" eaLnBrk="1" fontAlgn="auto" latinLnBrk="0" hangingPunct="1">
+                        <a:lnSpc>
+                          <a:spcPct val="100000"/>
+                        </a:lnSpc>
+                        <a:spcBef>
+                          <a:spcPts val="0"/>
+                        </a:spcBef>
+                        <a:spcAft>
+                          <a:spcPts val="0"/>
+                        </a:spcAft>
+                        <a:buClrTx/>
+                        <a:buSzTx/>
+                        <a:buFontTx/>
+                        <a:buNone/>
+                        <a:tabLst/>
+                        <a:defRPr/>
+                      </a:pPr>
+                      <a:r>
+                        <a:rPr lang="en-US" sz="1800" dirty="0">
+                          <a:sym typeface="Wingdings" panose="05000000000000000000" pitchFamily="2" charset="2"/>
+                        </a:rPr>
+                        <a:t></a:t>
+                      </a:r>
+                      <a:endParaRPr lang="en-US" dirty="0"/>
+                    </a:p>
+                  </a:txBody>
+                  <a:tcPr/>
+                </a:tc>
+                <a:tc>
+                  <a:txBody>
+                    <a:bodyPr/>
+                    <a:lstStyle/>
+                    <a:p>
+                      <a:pPr marL="0" marR="0" lvl="0" indent="0" algn="l" defTabSz="914400" rtl="0" eaLnBrk="1" fontAlgn="auto" latinLnBrk="0" hangingPunct="1">
+                        <a:lnSpc>
+                          <a:spcPct val="100000"/>
+                        </a:lnSpc>
+                        <a:spcBef>
+                          <a:spcPts val="0"/>
+                        </a:spcBef>
+                        <a:spcAft>
+                          <a:spcPts val="0"/>
+                        </a:spcAft>
+                        <a:buClrTx/>
+                        <a:buSzTx/>
+                        <a:buFontTx/>
+                        <a:buNone/>
+                        <a:tabLst/>
+                        <a:defRPr/>
+                      </a:pPr>
+                      <a:r>
+                        <a:rPr lang="en-US" sz="1800" dirty="0">
+                          <a:sym typeface="Wingdings" panose="05000000000000000000" pitchFamily="2" charset="2"/>
+                        </a:rPr>
+                        <a:t>PbCl</a:t>
+                      </a:r>
+                      <a:r>
+                        <a:rPr lang="en-US" sz="1800" baseline="-25000" dirty="0">
+                          <a:sym typeface="Wingdings" panose="05000000000000000000" pitchFamily="2" charset="2"/>
+                        </a:rPr>
+                        <a:t>2</a:t>
+                      </a:r>
+                      <a:r>
+                        <a:rPr lang="en-US" sz="1800" dirty="0">
+                          <a:sym typeface="Wingdings" panose="05000000000000000000" pitchFamily="2" charset="2"/>
+                        </a:rPr>
+                        <a:t> (</a:t>
+                      </a:r>
+                      <a:r>
+                        <a:rPr lang="en-US" sz="1800" i="1" dirty="0" err="1">
+                          <a:sym typeface="Wingdings" panose="05000000000000000000" pitchFamily="2" charset="2"/>
+                        </a:rPr>
+                        <a:t>aq</a:t>
+                      </a:r>
+                      <a:r>
+                        <a:rPr lang="en-US" sz="1800" dirty="0">
+                          <a:sym typeface="Wingdings" panose="05000000000000000000" pitchFamily="2" charset="2"/>
+                        </a:rPr>
+                        <a:t>) + 2 NaNO</a:t>
+                      </a:r>
+                      <a:r>
+                        <a:rPr lang="en-US" sz="1800" baseline="-25000" dirty="0">
+                          <a:sym typeface="Wingdings" panose="05000000000000000000" pitchFamily="2" charset="2"/>
+                        </a:rPr>
+                        <a:t>3</a:t>
+                      </a:r>
+                      <a:r>
+                        <a:rPr lang="en-US" sz="1800" dirty="0">
+                          <a:sym typeface="Wingdings" panose="05000000000000000000" pitchFamily="2" charset="2"/>
+                        </a:rPr>
+                        <a:t> (</a:t>
+                      </a:r>
+                      <a:r>
+                        <a:rPr lang="en-US" sz="1800" i="1" dirty="0" err="1">
+                          <a:sym typeface="Wingdings" panose="05000000000000000000" pitchFamily="2" charset="2"/>
+                        </a:rPr>
+                        <a:t>aq</a:t>
+                      </a:r>
+                      <a:r>
+                        <a:rPr lang="en-US" sz="1800" dirty="0">
+                          <a:sym typeface="Wingdings" panose="05000000000000000000" pitchFamily="2" charset="2"/>
+                        </a:rPr>
+                        <a:t>)</a:t>
+                      </a:r>
+                      <a:endParaRPr lang="en-US" dirty="0"/>
+                    </a:p>
+                  </a:txBody>
+                  <a:tcPr/>
+                </a:tc>
+                <a:extLst>
+                  <a:ext uri="{0D108BD9-81ED-4DB2-BD59-A6C34878D82A}">
+                    <a16:rowId xmlns:a16="http://schemas.microsoft.com/office/drawing/2014/main" val="1860315577"/>
+                  </a:ext>
+                </a:extLst>
+              </a:tr>
+            </a:tbl>
+          </a:graphicData>
+        </a:graphic>
+      </p:graphicFrame>
+      <p:graphicFrame>
+        <p:nvGraphicFramePr>
+          <p:cNvPr id="5" name="Table 4">
+            <a:extLst>
+              <a:ext uri="{FF2B5EF4-FFF2-40B4-BE49-F238E27FC236}">
+                <a16:creationId xmlns:a16="http://schemas.microsoft.com/office/drawing/2014/main" id="{2B77C2AC-EAD0-5E2C-83D3-950D74E1B961}"/>
+              </a:ext>
+            </a:extLst>
+          </p:cNvPr>
+          <p:cNvGraphicFramePr>
+            <a:graphicFrameLocks noGrp="1"/>
+          </p:cNvGraphicFramePr>
+          <p:nvPr>
+            <p:extLst>
+              <p:ext uri="{D42A27DB-BD31-4B8C-83A1-F6EECF244321}">
+                <p14:modId xmlns:p14="http://schemas.microsoft.com/office/powerpoint/2010/main" val="4126703336"/>
+              </p:ext>
+            </p:extLst>
+          </p:nvPr>
+        </p:nvGraphicFramePr>
+        <p:xfrm>
+          <a:off x="565854" y="4777016"/>
+          <a:ext cx="8000999" cy="1076960"/>
+        </p:xfrm>
+        <a:graphic>
+          <a:graphicData uri="http://schemas.openxmlformats.org/drawingml/2006/table">
+            <a:tbl>
+              <a:tblPr firstRow="1" bandRow="1">
+                <a:tableStyleId>{073A0DAA-6AF3-43AB-8588-CEC1D06C72B9}</a:tableStyleId>
+              </a:tblPr>
+              <a:tblGrid>
+                <a:gridCol w="3755572">
+                  <a:extLst>
+                    <a:ext uri="{9D8B030D-6E8A-4147-A177-3AD203B41FA5}">
+                      <a16:colId xmlns:a16="http://schemas.microsoft.com/office/drawing/2014/main" val="3005107910"/>
+                    </a:ext>
+                  </a:extLst>
+                </a:gridCol>
+                <a:gridCol w="424542">
+                  <a:extLst>
+                    <a:ext uri="{9D8B030D-6E8A-4147-A177-3AD203B41FA5}">
+                      <a16:colId xmlns:a16="http://schemas.microsoft.com/office/drawing/2014/main" val="3744328796"/>
+                    </a:ext>
+                  </a:extLst>
+                </a:gridCol>
+                <a:gridCol w="3820885">
+                  <a:extLst>
+                    <a:ext uri="{9D8B030D-6E8A-4147-A177-3AD203B41FA5}">
+                      <a16:colId xmlns:a16="http://schemas.microsoft.com/office/drawing/2014/main" val="3681666652"/>
+                    </a:ext>
+                  </a:extLst>
+                </a:gridCol>
+              </a:tblGrid>
+              <a:tr h="370840">
+                <a:tc gridSpan="3">
+                  <a:txBody>
+                    <a:bodyPr/>
+                    <a:lstStyle/>
+                    <a:p>
+                      <a:pPr marL="0" marR="0" lvl="0" indent="0" algn="l" defTabSz="914400" rtl="0" eaLnBrk="1" fontAlgn="auto" latinLnBrk="0" hangingPunct="1">
+                        <a:lnSpc>
+                          <a:spcPct val="100000"/>
+                        </a:lnSpc>
+                        <a:spcBef>
+                          <a:spcPts val="0"/>
+                        </a:spcBef>
+                        <a:spcAft>
+                          <a:spcPts val="0"/>
+                        </a:spcAft>
+                        <a:buClrTx/>
+                        <a:buSzTx/>
+                        <a:buFontTx/>
+                        <a:buNone/>
+                        <a:tabLst/>
+                        <a:defRPr/>
+                      </a:pPr>
+                      <a:r>
+                        <a:rPr lang="en-US" sz="1800" dirty="0"/>
+                        <a:t>Acid-Base / Neutralization</a:t>
+                      </a:r>
+                    </a:p>
+                  </a:txBody>
+                  <a:tcPr/>
+                </a:tc>
+                <a:tc hMerge="1">
+                  <a:txBody>
+                    <a:bodyPr/>
+                    <a:lstStyle/>
+                    <a:p>
+                      <a:endParaRPr lang="en-US" dirty="0"/>
+                    </a:p>
+                  </a:txBody>
+                  <a:tcPr/>
+                </a:tc>
+                <a:tc hMerge="1">
+                  <a:txBody>
+                    <a:bodyPr/>
+                    <a:lstStyle/>
+                    <a:p>
+                      <a:endParaRPr lang="en-US" dirty="0"/>
+                    </a:p>
+                  </a:txBody>
+                  <a:tcPr/>
+                </a:tc>
+                <a:extLst>
+                  <a:ext uri="{0D108BD9-81ED-4DB2-BD59-A6C34878D82A}">
+                    <a16:rowId xmlns:a16="http://schemas.microsoft.com/office/drawing/2014/main" val="3606507504"/>
+                  </a:ext>
+                </a:extLst>
+              </a:tr>
+              <a:tr h="0">
+                <a:tc>
+                  <a:txBody>
+                    <a:bodyPr/>
+                    <a:lstStyle/>
+                    <a:p>
+                      <a:pPr algn="r"/>
+                      <a:r>
+                        <a:rPr lang="en-US" sz="1600" dirty="0">
+                          <a:solidFill>
+                            <a:srgbClr val="0070C0"/>
+                          </a:solidFill>
+                        </a:rPr>
+                        <a:t>Acid</a:t>
+                      </a:r>
+                      <a:r>
+                        <a:rPr lang="en-US" sz="1600" dirty="0"/>
+                        <a:t> (</a:t>
+                      </a:r>
+                      <a:r>
+                        <a:rPr lang="en-US" sz="1600" i="1" dirty="0" err="1"/>
+                        <a:t>aq</a:t>
+                      </a:r>
+                      <a:r>
+                        <a:rPr lang="en-US" sz="1600" dirty="0"/>
+                        <a:t>) + </a:t>
+                      </a:r>
+                      <a:r>
+                        <a:rPr lang="en-US" sz="1600" dirty="0">
+                          <a:solidFill>
+                            <a:srgbClr val="0070C0"/>
+                          </a:solidFill>
+                        </a:rPr>
+                        <a:t>Base</a:t>
+                      </a:r>
+                      <a:r>
+                        <a:rPr lang="en-US" sz="1600" dirty="0"/>
+                        <a:t> (</a:t>
+                      </a:r>
+                      <a:r>
+                        <a:rPr lang="en-US" sz="1600" i="1" dirty="0" err="1"/>
+                        <a:t>aq</a:t>
+                      </a:r>
+                      <a:r>
+                        <a:rPr lang="en-US" sz="1600" dirty="0"/>
+                        <a:t>)</a:t>
+                      </a:r>
+                    </a:p>
+                  </a:txBody>
+                  <a:tcPr/>
+                </a:tc>
+                <a:tc>
+                  <a:txBody>
+                    <a:bodyPr/>
+                    <a:lstStyle/>
+                    <a:p>
+                      <a:r>
+                        <a:rPr lang="en-US" sz="1600" dirty="0">
+                          <a:sym typeface="Wingdings" panose="05000000000000000000" pitchFamily="2" charset="2"/>
+                        </a:rPr>
+                        <a:t></a:t>
+                      </a:r>
+                      <a:endParaRPr lang="en-US" sz="1600" dirty="0"/>
+                    </a:p>
+                  </a:txBody>
+                  <a:tcPr/>
+                </a:tc>
+                <a:tc>
+                  <a:txBody>
+                    <a:bodyPr/>
+                    <a:lstStyle/>
+                    <a:p>
+                      <a:pPr marL="0" marR="0" lvl="0" indent="0" algn="l" defTabSz="914400" rtl="0" eaLnBrk="1" fontAlgn="auto" latinLnBrk="0" hangingPunct="1">
+                        <a:lnSpc>
+                          <a:spcPct val="100000"/>
+                        </a:lnSpc>
+                        <a:spcBef>
+                          <a:spcPts val="0"/>
+                        </a:spcBef>
+                        <a:spcAft>
+                          <a:spcPts val="0"/>
+                        </a:spcAft>
+                        <a:buClrTx/>
+                        <a:buSzTx/>
+                        <a:buFontTx/>
+                        <a:buNone/>
+                        <a:tabLst/>
+                        <a:defRPr/>
+                      </a:pPr>
+                      <a:r>
+                        <a:rPr lang="en-US" sz="1600" dirty="0">
+                          <a:solidFill>
+                            <a:srgbClr val="0070C0"/>
+                          </a:solidFill>
+                          <a:sym typeface="Wingdings" panose="05000000000000000000" pitchFamily="2" charset="2"/>
+                        </a:rPr>
+                        <a:t>Salt</a:t>
+                      </a:r>
+                      <a:r>
+                        <a:rPr lang="en-US" sz="1600" dirty="0">
+                          <a:sym typeface="Wingdings" panose="05000000000000000000" pitchFamily="2" charset="2"/>
+                        </a:rPr>
+                        <a:t> (</a:t>
+                      </a:r>
+                      <a:r>
+                        <a:rPr lang="en-US" sz="1600" i="1" dirty="0" err="1">
+                          <a:sym typeface="Wingdings" panose="05000000000000000000" pitchFamily="2" charset="2"/>
+                        </a:rPr>
+                        <a:t>aq</a:t>
+                      </a:r>
+                      <a:r>
+                        <a:rPr lang="en-US" sz="1600" dirty="0">
+                          <a:sym typeface="Wingdings" panose="05000000000000000000" pitchFamily="2" charset="2"/>
+                        </a:rPr>
+                        <a:t>) + </a:t>
+                      </a:r>
+                      <a:r>
+                        <a:rPr lang="en-US" sz="1600" dirty="0">
+                          <a:solidFill>
+                            <a:srgbClr val="0070C0"/>
+                          </a:solidFill>
+                          <a:sym typeface="Wingdings" panose="05000000000000000000" pitchFamily="2" charset="2"/>
+                        </a:rPr>
+                        <a:t>Water </a:t>
+                      </a:r>
+                      <a:r>
+                        <a:rPr lang="en-US" sz="1600" dirty="0">
+                          <a:sym typeface="Wingdings" panose="05000000000000000000" pitchFamily="2" charset="2"/>
+                        </a:rPr>
+                        <a:t>(</a:t>
+                      </a:r>
+                      <a:r>
+                        <a:rPr lang="en-US" sz="1600" i="1" dirty="0">
+                          <a:sym typeface="Wingdings" panose="05000000000000000000" pitchFamily="2" charset="2"/>
+                        </a:rPr>
+                        <a:t>l</a:t>
+                      </a:r>
+                      <a:r>
+                        <a:rPr lang="en-US" sz="1600" dirty="0">
+                          <a:sym typeface="Wingdings" panose="05000000000000000000" pitchFamily="2" charset="2"/>
+                        </a:rPr>
+                        <a:t>)</a:t>
+                      </a:r>
+                      <a:endParaRPr lang="en-US" sz="1600" dirty="0"/>
+                    </a:p>
+                  </a:txBody>
+                  <a:tcPr/>
+                </a:tc>
+                <a:extLst>
+                  <a:ext uri="{0D108BD9-81ED-4DB2-BD59-A6C34878D82A}">
+                    <a16:rowId xmlns:a16="http://schemas.microsoft.com/office/drawing/2014/main" val="3957596281"/>
+                  </a:ext>
+                </a:extLst>
+              </a:tr>
+              <a:tr h="370840">
+                <a:tc>
+                  <a:txBody>
+                    <a:bodyPr/>
+                    <a:lstStyle/>
+                    <a:p>
+                      <a:pPr marL="0" marR="0" lvl="0" indent="0" algn="r" defTabSz="914400" rtl="0" eaLnBrk="1" fontAlgn="auto" latinLnBrk="0" hangingPunct="1">
+                        <a:lnSpc>
+                          <a:spcPct val="100000"/>
+                        </a:lnSpc>
+                        <a:spcBef>
+                          <a:spcPts val="0"/>
+                        </a:spcBef>
+                        <a:spcAft>
+                          <a:spcPts val="0"/>
+                        </a:spcAft>
+                        <a:buClrTx/>
+                        <a:buSzTx/>
+                        <a:buFontTx/>
+                        <a:buNone/>
+                        <a:tabLst/>
+                        <a:defRPr/>
+                      </a:pPr>
+                      <a:r>
+                        <a:rPr lang="en-US" sz="1800" dirty="0">
+                          <a:sym typeface="Wingdings" panose="05000000000000000000" pitchFamily="2" charset="2"/>
+                        </a:rPr>
+                        <a:t>HNO</a:t>
+                      </a:r>
+                      <a:r>
+                        <a:rPr lang="en-US" sz="1800" baseline="-25000" dirty="0">
+                          <a:sym typeface="Wingdings" panose="05000000000000000000" pitchFamily="2" charset="2"/>
+                        </a:rPr>
+                        <a:t>3</a:t>
+                      </a:r>
+                      <a:r>
+                        <a:rPr lang="en-US" sz="1800" dirty="0">
+                          <a:sym typeface="Wingdings" panose="05000000000000000000" pitchFamily="2" charset="2"/>
+                        </a:rPr>
+                        <a:t> (</a:t>
+                      </a:r>
+                      <a:r>
+                        <a:rPr lang="en-US" sz="1800" i="1" dirty="0" err="1">
+                          <a:sym typeface="Wingdings" panose="05000000000000000000" pitchFamily="2" charset="2"/>
+                        </a:rPr>
+                        <a:t>aq</a:t>
+                      </a:r>
+                      <a:r>
+                        <a:rPr lang="en-US" sz="1800" dirty="0">
+                          <a:sym typeface="Wingdings" panose="05000000000000000000" pitchFamily="2" charset="2"/>
+                        </a:rPr>
+                        <a:t>) + KOH (</a:t>
+                      </a:r>
+                      <a:r>
+                        <a:rPr lang="en-US" sz="1800" i="1" dirty="0" err="1">
+                          <a:sym typeface="Wingdings" panose="05000000000000000000" pitchFamily="2" charset="2"/>
+                        </a:rPr>
+                        <a:t>aq</a:t>
+                      </a:r>
+                      <a:r>
+                        <a:rPr lang="en-US" sz="1800" dirty="0">
+                          <a:sym typeface="Wingdings" panose="05000000000000000000" pitchFamily="2" charset="2"/>
+                        </a:rPr>
+                        <a:t>)</a:t>
+                      </a:r>
+                      <a:endParaRPr lang="en-US" dirty="0"/>
+                    </a:p>
+                  </a:txBody>
+                  <a:tcPr/>
+                </a:tc>
+                <a:tc>
+                  <a:txBody>
+                    <a:bodyPr/>
+                    <a:lstStyle/>
+                    <a:p>
+                      <a:pPr marL="0" marR="0" lvl="0" indent="0" algn="l" defTabSz="914400" rtl="0" eaLnBrk="1" fontAlgn="auto" latinLnBrk="0" hangingPunct="1">
+                        <a:lnSpc>
+                          <a:spcPct val="100000"/>
+                        </a:lnSpc>
+                        <a:spcBef>
+                          <a:spcPts val="0"/>
+                        </a:spcBef>
+                        <a:spcAft>
+                          <a:spcPts val="0"/>
+                        </a:spcAft>
+                        <a:buClrTx/>
+                        <a:buSzTx/>
+                        <a:buFontTx/>
+                        <a:buNone/>
+                        <a:tabLst/>
+                        <a:defRPr/>
+                      </a:pPr>
+                      <a:r>
+                        <a:rPr lang="en-US" sz="1800" dirty="0">
+                          <a:sym typeface="Wingdings" panose="05000000000000000000" pitchFamily="2" charset="2"/>
+                        </a:rPr>
+                        <a:t></a:t>
+                      </a:r>
+                      <a:endParaRPr lang="en-US" dirty="0"/>
+                    </a:p>
+                  </a:txBody>
+                  <a:tcPr/>
+                </a:tc>
+                <a:tc>
+                  <a:txBody>
+                    <a:bodyPr/>
+                    <a:lstStyle/>
+                    <a:p>
+                      <a:pPr marL="0" marR="0" lvl="0" indent="0" algn="l" defTabSz="914400" rtl="0" eaLnBrk="1" fontAlgn="auto" latinLnBrk="0" hangingPunct="1">
+                        <a:lnSpc>
+                          <a:spcPct val="100000"/>
+                        </a:lnSpc>
+                        <a:spcBef>
+                          <a:spcPts val="0"/>
+                        </a:spcBef>
+                        <a:spcAft>
+                          <a:spcPts val="0"/>
+                        </a:spcAft>
+                        <a:buClrTx/>
+                        <a:buSzTx/>
+                        <a:buFontTx/>
+                        <a:buNone/>
+                        <a:tabLst/>
+                        <a:defRPr/>
+                      </a:pPr>
+                      <a:r>
+                        <a:rPr lang="en-US" sz="1800" dirty="0">
+                          <a:sym typeface="Wingdings" panose="05000000000000000000" pitchFamily="2" charset="2"/>
+                        </a:rPr>
+                        <a:t>KNO</a:t>
+                      </a:r>
+                      <a:r>
+                        <a:rPr lang="en-US" sz="1800" baseline="-25000" dirty="0">
+                          <a:sym typeface="Wingdings" panose="05000000000000000000" pitchFamily="2" charset="2"/>
+                        </a:rPr>
+                        <a:t>3</a:t>
+                      </a:r>
+                      <a:r>
+                        <a:rPr lang="en-US" sz="1800" dirty="0">
+                          <a:sym typeface="Wingdings" panose="05000000000000000000" pitchFamily="2" charset="2"/>
+                        </a:rPr>
+                        <a:t> (</a:t>
+                      </a:r>
+                      <a:r>
+                        <a:rPr lang="en-US" sz="1800" i="1" dirty="0" err="1">
+                          <a:sym typeface="Wingdings" panose="05000000000000000000" pitchFamily="2" charset="2"/>
+                        </a:rPr>
+                        <a:t>aq</a:t>
+                      </a:r>
+                      <a:r>
+                        <a:rPr lang="en-US" sz="1800" dirty="0">
+                          <a:sym typeface="Wingdings" panose="05000000000000000000" pitchFamily="2" charset="2"/>
+                        </a:rPr>
+                        <a:t>) + H</a:t>
+                      </a:r>
+                      <a:r>
+                        <a:rPr lang="en-US" sz="1800" baseline="-25000" dirty="0">
+                          <a:sym typeface="Wingdings" panose="05000000000000000000" pitchFamily="2" charset="2"/>
+                        </a:rPr>
+                        <a:t>2</a:t>
+                      </a:r>
+                      <a:r>
+                        <a:rPr lang="en-US" sz="1800" dirty="0">
+                          <a:sym typeface="Wingdings" panose="05000000000000000000" pitchFamily="2" charset="2"/>
+                        </a:rPr>
+                        <a:t>O (</a:t>
+                      </a:r>
+                      <a:r>
+                        <a:rPr lang="en-US" sz="1800" i="1" dirty="0">
+                          <a:sym typeface="Wingdings" panose="05000000000000000000" pitchFamily="2" charset="2"/>
+                        </a:rPr>
+                        <a:t>l</a:t>
+                      </a:r>
+                      <a:r>
+                        <a:rPr lang="en-US" sz="1800" dirty="0">
+                          <a:sym typeface="Wingdings" panose="05000000000000000000" pitchFamily="2" charset="2"/>
+                        </a:rPr>
+                        <a:t>)</a:t>
+                      </a:r>
+                      <a:endParaRPr lang="en-US" dirty="0"/>
+                    </a:p>
+                  </a:txBody>
+                  <a:tcPr/>
+                </a:tc>
+                <a:extLst>
+                  <a:ext uri="{0D108BD9-81ED-4DB2-BD59-A6C34878D82A}">
+                    <a16:rowId xmlns:a16="http://schemas.microsoft.com/office/drawing/2014/main" val="1860315577"/>
+                  </a:ext>
+                </a:extLst>
+              </a:tr>
+            </a:tbl>
+          </a:graphicData>
+        </a:graphic>
+      </p:graphicFrame>
     </p:spTree>
     <p:extLst>
       <p:ext uri="{BB962C8B-B14F-4D97-AF65-F5344CB8AC3E}">
@@ -11390,6 +13454,2541 @@
 </file>
 
 <file path=ppt/slides/slide5.xml><?xml version="1.0" encoding="utf-8"?>
+<p:sld xmlns:a="http://schemas.openxmlformats.org/drawingml/2006/main" xmlns:r="http://schemas.openxmlformats.org/officeDocument/2006/relationships" xmlns:p="http://schemas.openxmlformats.org/presentationml/2006/main">
+  <p:cSld>
+    <p:spTree>
+      <p:nvGrpSpPr>
+        <p:cNvPr id="1" name="">
+          <a:extLst>
+            <a:ext uri="{FF2B5EF4-FFF2-40B4-BE49-F238E27FC236}">
+              <a16:creationId xmlns:a16="http://schemas.microsoft.com/office/drawing/2014/main" id="{BA3691EC-7159-13CF-929F-FB2EECBB2250}"/>
+            </a:ext>
+          </a:extLst>
+        </p:cNvPr>
+        <p:cNvGrpSpPr/>
+        <p:nvPr/>
+      </p:nvGrpSpPr>
+      <p:grpSpPr>
+        <a:xfrm>
+          <a:off x="0" y="0"/>
+          <a:ext cx="0" cy="0"/>
+          <a:chOff x="0" y="0"/>
+          <a:chExt cx="0" cy="0"/>
+        </a:xfrm>
+      </p:grpSpPr>
+      <p:sp>
+        <p:nvSpPr>
+          <p:cNvPr id="2" name="Title 1">
+            <a:extLst>
+              <a:ext uri="{FF2B5EF4-FFF2-40B4-BE49-F238E27FC236}">
+                <a16:creationId xmlns:a16="http://schemas.microsoft.com/office/drawing/2014/main" id="{9A927D01-6DE5-165D-3493-ECADF03509D9}"/>
+              </a:ext>
+            </a:extLst>
+          </p:cNvPr>
+          <p:cNvSpPr>
+            <a:spLocks noGrp="1"/>
+          </p:cNvSpPr>
+          <p:nvPr>
+            <p:ph type="title"/>
+          </p:nvPr>
+        </p:nvSpPr>
+        <p:spPr>
+          <a:xfrm>
+            <a:off x="355599" y="173140"/>
+            <a:ext cx="8421512" cy="830997"/>
+          </a:xfrm>
+        </p:spPr>
+        <p:txBody>
+          <a:bodyPr/>
+          <a:lstStyle/>
+          <a:p>
+            <a:r>
+              <a:rPr lang="en-US" dirty="0"/>
+              <a:t>Background</a:t>
+            </a:r>
+          </a:p>
+        </p:txBody>
+      </p:sp>
+      <p:sp>
+        <p:nvSpPr>
+          <p:cNvPr id="3" name="Content Placeholder 2">
+            <a:extLst>
+              <a:ext uri="{FF2B5EF4-FFF2-40B4-BE49-F238E27FC236}">
+                <a16:creationId xmlns:a16="http://schemas.microsoft.com/office/drawing/2014/main" id="{9EB9229D-4E8B-30F2-20C2-622357C43B3B}"/>
+              </a:ext>
+            </a:extLst>
+          </p:cNvPr>
+          <p:cNvSpPr>
+            <a:spLocks noGrp="1"/>
+          </p:cNvSpPr>
+          <p:nvPr>
+            <p:ph idx="1"/>
+          </p:nvPr>
+        </p:nvSpPr>
+        <p:spPr>
+          <a:xfrm>
+            <a:off x="372533" y="1149790"/>
+            <a:ext cx="8387645" cy="5397765"/>
+          </a:xfrm>
+        </p:spPr>
+        <p:txBody>
+          <a:bodyPr/>
+          <a:lstStyle/>
+          <a:p>
+            <a:pPr marL="0" indent="0">
+              <a:buNone/>
+            </a:pPr>
+            <a:endParaRPr lang="en-US" sz="1800" dirty="0"/>
+          </a:p>
+        </p:txBody>
+      </p:sp>
+      <p:graphicFrame>
+        <p:nvGraphicFramePr>
+          <p:cNvPr id="4" name="Table 3">
+            <a:extLst>
+              <a:ext uri="{FF2B5EF4-FFF2-40B4-BE49-F238E27FC236}">
+                <a16:creationId xmlns:a16="http://schemas.microsoft.com/office/drawing/2014/main" id="{2E5436B7-2368-D6D1-73B9-14E8D69A954E}"/>
+              </a:ext>
+            </a:extLst>
+          </p:cNvPr>
+          <p:cNvGraphicFramePr>
+            <a:graphicFrameLocks noGrp="1"/>
+          </p:cNvGraphicFramePr>
+          <p:nvPr>
+            <p:extLst>
+              <p:ext uri="{D42A27DB-BD31-4B8C-83A1-F6EECF244321}">
+                <p14:modId xmlns:p14="http://schemas.microsoft.com/office/powerpoint/2010/main" val="2071039956"/>
+              </p:ext>
+            </p:extLst>
+          </p:nvPr>
+        </p:nvGraphicFramePr>
+        <p:xfrm>
+          <a:off x="565853" y="1347963"/>
+          <a:ext cx="8000999" cy="1818640"/>
+        </p:xfrm>
+        <a:graphic>
+          <a:graphicData uri="http://schemas.openxmlformats.org/drawingml/2006/table">
+            <a:tbl>
+              <a:tblPr firstRow="1" bandRow="1">
+                <a:tableStyleId>{073A0DAA-6AF3-43AB-8588-CEC1D06C72B9}</a:tableStyleId>
+              </a:tblPr>
+              <a:tblGrid>
+                <a:gridCol w="3755572">
+                  <a:extLst>
+                    <a:ext uri="{9D8B030D-6E8A-4147-A177-3AD203B41FA5}">
+                      <a16:colId xmlns:a16="http://schemas.microsoft.com/office/drawing/2014/main" val="3005107910"/>
+                    </a:ext>
+                  </a:extLst>
+                </a:gridCol>
+                <a:gridCol w="424542">
+                  <a:extLst>
+                    <a:ext uri="{9D8B030D-6E8A-4147-A177-3AD203B41FA5}">
+                      <a16:colId xmlns:a16="http://schemas.microsoft.com/office/drawing/2014/main" val="3744328796"/>
+                    </a:ext>
+                  </a:extLst>
+                </a:gridCol>
+                <a:gridCol w="3820885">
+                  <a:extLst>
+                    <a:ext uri="{9D8B030D-6E8A-4147-A177-3AD203B41FA5}">
+                      <a16:colId xmlns:a16="http://schemas.microsoft.com/office/drawing/2014/main" val="3681666652"/>
+                    </a:ext>
+                  </a:extLst>
+                </a:gridCol>
+              </a:tblGrid>
+              <a:tr h="370840">
+                <a:tc gridSpan="3">
+                  <a:txBody>
+                    <a:bodyPr/>
+                    <a:lstStyle/>
+                    <a:p>
+                      <a:pPr marL="0" marR="0" lvl="0" indent="0" algn="l" defTabSz="914400" rtl="0" eaLnBrk="1" fontAlgn="auto" latinLnBrk="0" hangingPunct="1">
+                        <a:lnSpc>
+                          <a:spcPct val="100000"/>
+                        </a:lnSpc>
+                        <a:spcBef>
+                          <a:spcPts val="0"/>
+                        </a:spcBef>
+                        <a:spcAft>
+                          <a:spcPts val="0"/>
+                        </a:spcAft>
+                        <a:buClrTx/>
+                        <a:buSzTx/>
+                        <a:buFontTx/>
+                        <a:buNone/>
+                        <a:tabLst/>
+                        <a:defRPr/>
+                      </a:pPr>
+                      <a:r>
+                        <a:rPr lang="en-US" sz="1800" dirty="0"/>
+                        <a:t>Gas Evolution</a:t>
+                      </a:r>
+                    </a:p>
+                  </a:txBody>
+                  <a:tcPr/>
+                </a:tc>
+                <a:tc hMerge="1">
+                  <a:txBody>
+                    <a:bodyPr/>
+                    <a:lstStyle/>
+                    <a:p>
+                      <a:endParaRPr lang="en-US" dirty="0"/>
+                    </a:p>
+                  </a:txBody>
+                  <a:tcPr/>
+                </a:tc>
+                <a:tc hMerge="1">
+                  <a:txBody>
+                    <a:bodyPr/>
+                    <a:lstStyle/>
+                    <a:p>
+                      <a:endParaRPr lang="en-US" dirty="0"/>
+                    </a:p>
+                  </a:txBody>
+                  <a:tcPr/>
+                </a:tc>
+                <a:extLst>
+                  <a:ext uri="{0D108BD9-81ED-4DB2-BD59-A6C34878D82A}">
+                    <a16:rowId xmlns:a16="http://schemas.microsoft.com/office/drawing/2014/main" val="3606507504"/>
+                  </a:ext>
+                </a:extLst>
+              </a:tr>
+              <a:tr h="0">
+                <a:tc>
+                  <a:txBody>
+                    <a:bodyPr/>
+                    <a:lstStyle/>
+                    <a:p>
+                      <a:pPr algn="r"/>
+                      <a:r>
+                        <a:rPr lang="en-US" sz="1600" dirty="0">
+                          <a:solidFill>
+                            <a:srgbClr val="0070C0"/>
+                          </a:solidFill>
+                        </a:rPr>
+                        <a:t>Salt</a:t>
+                      </a:r>
+                      <a:r>
+                        <a:rPr lang="en-US" sz="1600" dirty="0"/>
+                        <a:t> (</a:t>
+                      </a:r>
+                      <a:r>
+                        <a:rPr lang="en-US" sz="1600" i="1" dirty="0" err="1"/>
+                        <a:t>aq</a:t>
+                      </a:r>
+                      <a:r>
+                        <a:rPr lang="en-US" sz="1600" dirty="0"/>
+                        <a:t>) + </a:t>
+                      </a:r>
+                      <a:r>
+                        <a:rPr lang="en-US" sz="1600" dirty="0">
+                          <a:solidFill>
+                            <a:srgbClr val="0070C0"/>
+                          </a:solidFill>
+                        </a:rPr>
+                        <a:t>Acid</a:t>
+                      </a:r>
+                      <a:r>
+                        <a:rPr lang="en-US" sz="1600" dirty="0"/>
+                        <a:t> (</a:t>
+                      </a:r>
+                      <a:r>
+                        <a:rPr lang="en-US" sz="1600" i="1" dirty="0" err="1"/>
+                        <a:t>aq</a:t>
+                      </a:r>
+                      <a:r>
+                        <a:rPr lang="en-US" sz="1600" dirty="0"/>
+                        <a:t>)</a:t>
+                      </a:r>
+                    </a:p>
+                  </a:txBody>
+                  <a:tcPr/>
+                </a:tc>
+                <a:tc>
+                  <a:txBody>
+                    <a:bodyPr/>
+                    <a:lstStyle/>
+                    <a:p>
+                      <a:r>
+                        <a:rPr lang="en-US" sz="1600" dirty="0">
+                          <a:sym typeface="Wingdings" panose="05000000000000000000" pitchFamily="2" charset="2"/>
+                        </a:rPr>
+                        <a:t></a:t>
+                      </a:r>
+                      <a:endParaRPr lang="en-US" sz="1600" dirty="0"/>
+                    </a:p>
+                  </a:txBody>
+                  <a:tcPr/>
+                </a:tc>
+                <a:tc>
+                  <a:txBody>
+                    <a:bodyPr/>
+                    <a:lstStyle/>
+                    <a:p>
+                      <a:pPr marL="0" marR="0" lvl="0" indent="0" algn="l" defTabSz="914400" rtl="0" eaLnBrk="1" fontAlgn="auto" latinLnBrk="0" hangingPunct="1">
+                        <a:lnSpc>
+                          <a:spcPct val="100000"/>
+                        </a:lnSpc>
+                        <a:spcBef>
+                          <a:spcPts val="0"/>
+                        </a:spcBef>
+                        <a:spcAft>
+                          <a:spcPts val="0"/>
+                        </a:spcAft>
+                        <a:buClrTx/>
+                        <a:buSzTx/>
+                        <a:buFontTx/>
+                        <a:buNone/>
+                        <a:tabLst/>
+                        <a:defRPr/>
+                      </a:pPr>
+                      <a:r>
+                        <a:rPr lang="en-US" sz="1600" dirty="0">
+                          <a:solidFill>
+                            <a:srgbClr val="0070C0"/>
+                          </a:solidFill>
+                          <a:sym typeface="Wingdings" panose="05000000000000000000" pitchFamily="2" charset="2"/>
+                        </a:rPr>
+                        <a:t>New</a:t>
+                      </a:r>
+                      <a:r>
+                        <a:rPr lang="en-US" sz="1600" dirty="0">
+                          <a:sym typeface="Wingdings" panose="05000000000000000000" pitchFamily="2" charset="2"/>
+                        </a:rPr>
+                        <a:t> </a:t>
+                      </a:r>
+                      <a:r>
+                        <a:rPr lang="en-US" sz="1600" dirty="0">
+                          <a:solidFill>
+                            <a:srgbClr val="0070C0"/>
+                          </a:solidFill>
+                          <a:sym typeface="Wingdings" panose="05000000000000000000" pitchFamily="2" charset="2"/>
+                        </a:rPr>
+                        <a:t>Acid</a:t>
+                      </a:r>
+                      <a:r>
+                        <a:rPr lang="en-US" sz="1600" dirty="0">
+                          <a:sym typeface="Wingdings" panose="05000000000000000000" pitchFamily="2" charset="2"/>
+                        </a:rPr>
+                        <a:t> (</a:t>
+                      </a:r>
+                      <a:r>
+                        <a:rPr lang="en-US" sz="1600" i="1" dirty="0">
+                          <a:sym typeface="Wingdings" panose="05000000000000000000" pitchFamily="2" charset="2"/>
+                        </a:rPr>
+                        <a:t>s</a:t>
+                      </a:r>
+                      <a:r>
+                        <a:rPr lang="en-US" sz="1600" dirty="0">
+                          <a:sym typeface="Wingdings" panose="05000000000000000000" pitchFamily="2" charset="2"/>
+                        </a:rPr>
+                        <a:t>) + </a:t>
+                      </a:r>
+                      <a:r>
+                        <a:rPr lang="en-US" sz="1600" dirty="0">
+                          <a:solidFill>
+                            <a:srgbClr val="0070C0"/>
+                          </a:solidFill>
+                          <a:sym typeface="Wingdings" panose="05000000000000000000" pitchFamily="2" charset="2"/>
+                        </a:rPr>
+                        <a:t>New</a:t>
+                      </a:r>
+                      <a:r>
+                        <a:rPr lang="en-US" sz="1600" dirty="0">
+                          <a:sym typeface="Wingdings" panose="05000000000000000000" pitchFamily="2" charset="2"/>
+                        </a:rPr>
+                        <a:t> </a:t>
+                      </a:r>
+                      <a:r>
+                        <a:rPr lang="en-US" sz="1600" dirty="0">
+                          <a:solidFill>
+                            <a:srgbClr val="0070C0"/>
+                          </a:solidFill>
+                          <a:sym typeface="Wingdings" panose="05000000000000000000" pitchFamily="2" charset="2"/>
+                        </a:rPr>
+                        <a:t>Salt</a:t>
+                      </a:r>
+                      <a:r>
+                        <a:rPr lang="en-US" sz="1600" dirty="0">
+                          <a:sym typeface="Wingdings" panose="05000000000000000000" pitchFamily="2" charset="2"/>
+                        </a:rPr>
+                        <a:t> (</a:t>
+                      </a:r>
+                      <a:r>
+                        <a:rPr lang="en-US" sz="1600" i="1" dirty="0" err="1">
+                          <a:sym typeface="Wingdings" panose="05000000000000000000" pitchFamily="2" charset="2"/>
+                        </a:rPr>
+                        <a:t>aq</a:t>
+                      </a:r>
+                      <a:r>
+                        <a:rPr lang="en-US" sz="1600" dirty="0">
+                          <a:sym typeface="Wingdings" panose="05000000000000000000" pitchFamily="2" charset="2"/>
+                        </a:rPr>
+                        <a:t>)</a:t>
+                      </a:r>
+                      <a:endParaRPr lang="en-US" sz="1600" dirty="0"/>
+                    </a:p>
+                  </a:txBody>
+                  <a:tcPr/>
+                </a:tc>
+                <a:extLst>
+                  <a:ext uri="{0D108BD9-81ED-4DB2-BD59-A6C34878D82A}">
+                    <a16:rowId xmlns:a16="http://schemas.microsoft.com/office/drawing/2014/main" val="3957596281"/>
+                  </a:ext>
+                </a:extLst>
+              </a:tr>
+              <a:tr h="370840">
+                <a:tc>
+                  <a:txBody>
+                    <a:bodyPr/>
+                    <a:lstStyle/>
+                    <a:p>
+                      <a:pPr algn="r"/>
+                      <a:r>
+                        <a:rPr lang="en-US" sz="1600" dirty="0">
+                          <a:solidFill>
+                            <a:srgbClr val="0070C0"/>
+                          </a:solidFill>
+                        </a:rPr>
+                        <a:t>New Acid</a:t>
+                      </a:r>
+                      <a:r>
+                        <a:rPr lang="en-US" sz="1600" dirty="0"/>
+                        <a:t> (</a:t>
+                      </a:r>
+                      <a:r>
+                        <a:rPr lang="en-US" sz="1600" i="1" dirty="0" err="1"/>
+                        <a:t>aq</a:t>
+                      </a:r>
+                      <a:r>
+                        <a:rPr lang="en-US" sz="1600" dirty="0"/>
+                        <a:t>)</a:t>
+                      </a:r>
+                    </a:p>
+                  </a:txBody>
+                  <a:tcPr/>
+                </a:tc>
+                <a:tc>
+                  <a:txBody>
+                    <a:bodyPr/>
+                    <a:lstStyle/>
+                    <a:p>
+                      <a:r>
+                        <a:rPr lang="en-US" sz="1600" dirty="0">
+                          <a:sym typeface="Wingdings" panose="05000000000000000000" pitchFamily="2" charset="2"/>
+                        </a:rPr>
+                        <a:t></a:t>
+                      </a:r>
+                      <a:endParaRPr lang="en-US" sz="1600" dirty="0"/>
+                    </a:p>
+                  </a:txBody>
+                  <a:tcPr/>
+                </a:tc>
+                <a:tc>
+                  <a:txBody>
+                    <a:bodyPr/>
+                    <a:lstStyle/>
+                    <a:p>
+                      <a:pPr marL="0" marR="0" lvl="0" indent="0" algn="l" defTabSz="914400" rtl="0" eaLnBrk="1" fontAlgn="auto" latinLnBrk="0" hangingPunct="1">
+                        <a:lnSpc>
+                          <a:spcPct val="100000"/>
+                        </a:lnSpc>
+                        <a:spcBef>
+                          <a:spcPts val="0"/>
+                        </a:spcBef>
+                        <a:spcAft>
+                          <a:spcPts val="0"/>
+                        </a:spcAft>
+                        <a:buClrTx/>
+                        <a:buSzTx/>
+                        <a:buFontTx/>
+                        <a:buNone/>
+                        <a:tabLst/>
+                        <a:defRPr/>
+                      </a:pPr>
+                      <a:r>
+                        <a:rPr lang="en-US" sz="1600" dirty="0">
+                          <a:solidFill>
+                            <a:srgbClr val="0070C0"/>
+                          </a:solidFill>
+                          <a:sym typeface="Wingdings" panose="05000000000000000000" pitchFamily="2" charset="2"/>
+                        </a:rPr>
+                        <a:t>Gas </a:t>
+                      </a:r>
+                      <a:r>
+                        <a:rPr lang="en-US" sz="1600" dirty="0">
+                          <a:sym typeface="Wingdings" panose="05000000000000000000" pitchFamily="2" charset="2"/>
+                        </a:rPr>
+                        <a:t>(</a:t>
+                      </a:r>
+                      <a:r>
+                        <a:rPr lang="en-US" sz="1600" i="1" dirty="0">
+                          <a:sym typeface="Wingdings" panose="05000000000000000000" pitchFamily="2" charset="2"/>
+                        </a:rPr>
+                        <a:t>g</a:t>
+                      </a:r>
+                      <a:r>
+                        <a:rPr lang="en-US" sz="1600" dirty="0">
+                          <a:sym typeface="Wingdings" panose="05000000000000000000" pitchFamily="2" charset="2"/>
+                        </a:rPr>
+                        <a:t>) + </a:t>
+                      </a:r>
+                      <a:r>
+                        <a:rPr lang="en-US" sz="1600" dirty="0">
+                          <a:solidFill>
+                            <a:srgbClr val="0070C0"/>
+                          </a:solidFill>
+                          <a:sym typeface="Wingdings" panose="05000000000000000000" pitchFamily="2" charset="2"/>
+                        </a:rPr>
+                        <a:t>Water</a:t>
+                      </a:r>
+                      <a:r>
+                        <a:rPr lang="en-US" sz="1600" dirty="0">
+                          <a:sym typeface="Wingdings" panose="05000000000000000000" pitchFamily="2" charset="2"/>
+                        </a:rPr>
+                        <a:t> (</a:t>
+                      </a:r>
+                      <a:r>
+                        <a:rPr lang="en-US" sz="1600" i="1" dirty="0">
+                          <a:sym typeface="Wingdings" panose="05000000000000000000" pitchFamily="2" charset="2"/>
+                        </a:rPr>
+                        <a:t>l</a:t>
+                      </a:r>
+                      <a:r>
+                        <a:rPr lang="en-US" sz="1600" dirty="0">
+                          <a:sym typeface="Wingdings" panose="05000000000000000000" pitchFamily="2" charset="2"/>
+                        </a:rPr>
+                        <a:t>)</a:t>
+                      </a:r>
+                      <a:endParaRPr lang="en-US" sz="1600" dirty="0"/>
+                    </a:p>
+                  </a:txBody>
+                  <a:tcPr/>
+                </a:tc>
+                <a:extLst>
+                  <a:ext uri="{0D108BD9-81ED-4DB2-BD59-A6C34878D82A}">
+                    <a16:rowId xmlns:a16="http://schemas.microsoft.com/office/drawing/2014/main" val="860038046"/>
+                  </a:ext>
+                </a:extLst>
+              </a:tr>
+              <a:tr h="370840">
+                <a:tc>
+                  <a:txBody>
+                    <a:bodyPr/>
+                    <a:lstStyle/>
+                    <a:p>
+                      <a:pPr marL="0" marR="0" lvl="0" indent="0" algn="r" defTabSz="914400" rtl="0" eaLnBrk="1" fontAlgn="auto" latinLnBrk="0" hangingPunct="1">
+                        <a:lnSpc>
+                          <a:spcPct val="100000"/>
+                        </a:lnSpc>
+                        <a:spcBef>
+                          <a:spcPts val="0"/>
+                        </a:spcBef>
+                        <a:spcAft>
+                          <a:spcPts val="0"/>
+                        </a:spcAft>
+                        <a:buClrTx/>
+                        <a:buSzTx/>
+                        <a:buFontTx/>
+                        <a:buNone/>
+                        <a:tabLst/>
+                        <a:defRPr/>
+                      </a:pPr>
+                      <a:r>
+                        <a:rPr lang="en-US" sz="1800" dirty="0">
+                          <a:sym typeface="Wingdings" panose="05000000000000000000" pitchFamily="2" charset="2"/>
+                        </a:rPr>
+                        <a:t>Na</a:t>
+                      </a:r>
+                      <a:r>
+                        <a:rPr lang="en-US" sz="1800" baseline="-25000" dirty="0">
+                          <a:sym typeface="Wingdings" panose="05000000000000000000" pitchFamily="2" charset="2"/>
+                        </a:rPr>
+                        <a:t>2</a:t>
+                      </a:r>
+                      <a:r>
+                        <a:rPr lang="en-US" sz="1800" dirty="0">
+                          <a:sym typeface="Wingdings" panose="05000000000000000000" pitchFamily="2" charset="2"/>
+                        </a:rPr>
+                        <a:t>SO</a:t>
+                      </a:r>
+                      <a:r>
+                        <a:rPr lang="en-US" sz="1800" baseline="-25000" dirty="0">
+                          <a:sym typeface="Wingdings" panose="05000000000000000000" pitchFamily="2" charset="2"/>
+                        </a:rPr>
+                        <a:t>3</a:t>
+                      </a:r>
+                      <a:r>
+                        <a:rPr lang="en-US" sz="1800" dirty="0">
+                          <a:sym typeface="Wingdings" panose="05000000000000000000" pitchFamily="2" charset="2"/>
+                        </a:rPr>
+                        <a:t> (</a:t>
+                      </a:r>
+                      <a:r>
+                        <a:rPr lang="en-US" sz="1800" i="1" dirty="0" err="1">
+                          <a:sym typeface="Wingdings" panose="05000000000000000000" pitchFamily="2" charset="2"/>
+                        </a:rPr>
+                        <a:t>aq</a:t>
+                      </a:r>
+                      <a:r>
+                        <a:rPr lang="en-US" sz="1800" dirty="0">
+                          <a:sym typeface="Wingdings" panose="05000000000000000000" pitchFamily="2" charset="2"/>
+                        </a:rPr>
+                        <a:t>) + 2 HCl (</a:t>
+                      </a:r>
+                      <a:r>
+                        <a:rPr lang="en-US" sz="1800" i="1" dirty="0" err="1">
+                          <a:sym typeface="Wingdings" panose="05000000000000000000" pitchFamily="2" charset="2"/>
+                        </a:rPr>
+                        <a:t>aq</a:t>
+                      </a:r>
+                      <a:r>
+                        <a:rPr lang="en-US" sz="1800" dirty="0">
+                          <a:sym typeface="Wingdings" panose="05000000000000000000" pitchFamily="2" charset="2"/>
+                        </a:rPr>
+                        <a:t>)</a:t>
+                      </a:r>
+                      <a:endParaRPr lang="en-US" dirty="0"/>
+                    </a:p>
+                  </a:txBody>
+                  <a:tcPr/>
+                </a:tc>
+                <a:tc>
+                  <a:txBody>
+                    <a:bodyPr/>
+                    <a:lstStyle/>
+                    <a:p>
+                      <a:pPr marL="0" marR="0" lvl="0" indent="0" algn="l" defTabSz="914400" rtl="0" eaLnBrk="1" fontAlgn="auto" latinLnBrk="0" hangingPunct="1">
+                        <a:lnSpc>
+                          <a:spcPct val="100000"/>
+                        </a:lnSpc>
+                        <a:spcBef>
+                          <a:spcPts val="0"/>
+                        </a:spcBef>
+                        <a:spcAft>
+                          <a:spcPts val="0"/>
+                        </a:spcAft>
+                        <a:buClrTx/>
+                        <a:buSzTx/>
+                        <a:buFontTx/>
+                        <a:buNone/>
+                        <a:tabLst/>
+                        <a:defRPr/>
+                      </a:pPr>
+                      <a:r>
+                        <a:rPr lang="en-US" sz="1800" dirty="0">
+                          <a:sym typeface="Wingdings" panose="05000000000000000000" pitchFamily="2" charset="2"/>
+                        </a:rPr>
+                        <a:t></a:t>
+                      </a:r>
+                      <a:endParaRPr lang="en-US" dirty="0"/>
+                    </a:p>
+                  </a:txBody>
+                  <a:tcPr/>
+                </a:tc>
+                <a:tc>
+                  <a:txBody>
+                    <a:bodyPr/>
+                    <a:lstStyle/>
+                    <a:p>
+                      <a:pPr marL="0" marR="0" lvl="0" indent="0" algn="l" defTabSz="914400" rtl="0" eaLnBrk="1" fontAlgn="auto" latinLnBrk="0" hangingPunct="1">
+                        <a:lnSpc>
+                          <a:spcPct val="100000"/>
+                        </a:lnSpc>
+                        <a:spcBef>
+                          <a:spcPts val="0"/>
+                        </a:spcBef>
+                        <a:spcAft>
+                          <a:spcPts val="0"/>
+                        </a:spcAft>
+                        <a:buClrTx/>
+                        <a:buSzTx/>
+                        <a:buFontTx/>
+                        <a:buNone/>
+                        <a:tabLst/>
+                        <a:defRPr/>
+                      </a:pPr>
+                      <a:r>
+                        <a:rPr lang="en-US" sz="1800" dirty="0">
+                          <a:sym typeface="Wingdings" panose="05000000000000000000" pitchFamily="2" charset="2"/>
+                        </a:rPr>
+                        <a:t>H</a:t>
+                      </a:r>
+                      <a:r>
+                        <a:rPr lang="en-US" sz="1800" baseline="-25000" dirty="0">
+                          <a:sym typeface="Wingdings" panose="05000000000000000000" pitchFamily="2" charset="2"/>
+                        </a:rPr>
+                        <a:t>2</a:t>
+                      </a:r>
+                      <a:r>
+                        <a:rPr lang="en-US" sz="1800" dirty="0">
+                          <a:sym typeface="Wingdings" panose="05000000000000000000" pitchFamily="2" charset="2"/>
+                        </a:rPr>
+                        <a:t>SO</a:t>
+                      </a:r>
+                      <a:r>
+                        <a:rPr lang="en-US" sz="1800" baseline="-25000" dirty="0">
+                          <a:sym typeface="Wingdings" panose="05000000000000000000" pitchFamily="2" charset="2"/>
+                        </a:rPr>
+                        <a:t>3</a:t>
+                      </a:r>
+                      <a:r>
+                        <a:rPr lang="en-US" sz="1800" dirty="0">
+                          <a:sym typeface="Wingdings" panose="05000000000000000000" pitchFamily="2" charset="2"/>
+                        </a:rPr>
+                        <a:t> (</a:t>
+                      </a:r>
+                      <a:r>
+                        <a:rPr lang="en-US" sz="1800" i="1" dirty="0" err="1">
+                          <a:sym typeface="Wingdings" panose="05000000000000000000" pitchFamily="2" charset="2"/>
+                        </a:rPr>
+                        <a:t>aq</a:t>
+                      </a:r>
+                      <a:r>
+                        <a:rPr lang="en-US" sz="1800" dirty="0">
+                          <a:sym typeface="Wingdings" panose="05000000000000000000" pitchFamily="2" charset="2"/>
+                        </a:rPr>
+                        <a:t>) + 2 NaCl (</a:t>
+                      </a:r>
+                      <a:r>
+                        <a:rPr lang="en-US" sz="1800" i="1" dirty="0" err="1">
+                          <a:sym typeface="Wingdings" panose="05000000000000000000" pitchFamily="2" charset="2"/>
+                        </a:rPr>
+                        <a:t>aq</a:t>
+                      </a:r>
+                      <a:r>
+                        <a:rPr lang="en-US" sz="1800" dirty="0">
+                          <a:sym typeface="Wingdings" panose="05000000000000000000" pitchFamily="2" charset="2"/>
+                        </a:rPr>
+                        <a:t>)</a:t>
+                      </a:r>
+                      <a:endParaRPr lang="en-US" dirty="0"/>
+                    </a:p>
+                  </a:txBody>
+                  <a:tcPr/>
+                </a:tc>
+                <a:extLst>
+                  <a:ext uri="{0D108BD9-81ED-4DB2-BD59-A6C34878D82A}">
+                    <a16:rowId xmlns:a16="http://schemas.microsoft.com/office/drawing/2014/main" val="1610164329"/>
+                  </a:ext>
+                </a:extLst>
+              </a:tr>
+              <a:tr h="370840">
+                <a:tc>
+                  <a:txBody>
+                    <a:bodyPr/>
+                    <a:lstStyle/>
+                    <a:p>
+                      <a:pPr marL="0" marR="0" lvl="0" indent="0" algn="r" defTabSz="914400" rtl="0" eaLnBrk="1" fontAlgn="auto" latinLnBrk="0" hangingPunct="1">
+                        <a:lnSpc>
+                          <a:spcPct val="100000"/>
+                        </a:lnSpc>
+                        <a:spcBef>
+                          <a:spcPts val="0"/>
+                        </a:spcBef>
+                        <a:spcAft>
+                          <a:spcPts val="0"/>
+                        </a:spcAft>
+                        <a:buClrTx/>
+                        <a:buSzTx/>
+                        <a:buFontTx/>
+                        <a:buNone/>
+                        <a:tabLst/>
+                        <a:defRPr/>
+                      </a:pPr>
+                      <a:r>
+                        <a:rPr lang="en-US" sz="1800" dirty="0">
+                          <a:sym typeface="Wingdings" panose="05000000000000000000" pitchFamily="2" charset="2"/>
+                        </a:rPr>
+                        <a:t>H</a:t>
+                      </a:r>
+                      <a:r>
+                        <a:rPr lang="en-US" sz="1800" baseline="-25000" dirty="0">
+                          <a:sym typeface="Wingdings" panose="05000000000000000000" pitchFamily="2" charset="2"/>
+                        </a:rPr>
+                        <a:t>2</a:t>
+                      </a:r>
+                      <a:r>
+                        <a:rPr lang="en-US" sz="1800" dirty="0">
+                          <a:sym typeface="Wingdings" panose="05000000000000000000" pitchFamily="2" charset="2"/>
+                        </a:rPr>
+                        <a:t>SO</a:t>
+                      </a:r>
+                      <a:r>
+                        <a:rPr lang="en-US" sz="1800" baseline="-25000" dirty="0">
+                          <a:sym typeface="Wingdings" panose="05000000000000000000" pitchFamily="2" charset="2"/>
+                        </a:rPr>
+                        <a:t>3</a:t>
+                      </a:r>
+                      <a:r>
+                        <a:rPr lang="en-US" sz="1800" dirty="0">
+                          <a:sym typeface="Wingdings" panose="05000000000000000000" pitchFamily="2" charset="2"/>
+                        </a:rPr>
+                        <a:t> (</a:t>
+                      </a:r>
+                      <a:r>
+                        <a:rPr lang="en-US" sz="1800" i="1" dirty="0" err="1">
+                          <a:sym typeface="Wingdings" panose="05000000000000000000" pitchFamily="2" charset="2"/>
+                        </a:rPr>
+                        <a:t>aq</a:t>
+                      </a:r>
+                      <a:r>
+                        <a:rPr lang="en-US" sz="1800" dirty="0">
+                          <a:sym typeface="Wingdings" panose="05000000000000000000" pitchFamily="2" charset="2"/>
+                        </a:rPr>
+                        <a:t>)</a:t>
+                      </a:r>
+                      <a:endParaRPr lang="en-US" dirty="0"/>
+                    </a:p>
+                  </a:txBody>
+                  <a:tcPr/>
+                </a:tc>
+                <a:tc>
+                  <a:txBody>
+                    <a:bodyPr/>
+                    <a:lstStyle/>
+                    <a:p>
+                      <a:pPr marL="0" marR="0" lvl="0" indent="0" algn="l" defTabSz="914400" rtl="0" eaLnBrk="1" fontAlgn="auto" latinLnBrk="0" hangingPunct="1">
+                        <a:lnSpc>
+                          <a:spcPct val="100000"/>
+                        </a:lnSpc>
+                        <a:spcBef>
+                          <a:spcPts val="0"/>
+                        </a:spcBef>
+                        <a:spcAft>
+                          <a:spcPts val="0"/>
+                        </a:spcAft>
+                        <a:buClrTx/>
+                        <a:buSzTx/>
+                        <a:buFontTx/>
+                        <a:buNone/>
+                        <a:tabLst/>
+                        <a:defRPr/>
+                      </a:pPr>
+                      <a:r>
+                        <a:rPr lang="en-US" sz="1800" dirty="0">
+                          <a:sym typeface="Wingdings" panose="05000000000000000000" pitchFamily="2" charset="2"/>
+                        </a:rPr>
+                        <a:t></a:t>
+                      </a:r>
+                      <a:endParaRPr lang="en-US" dirty="0"/>
+                    </a:p>
+                  </a:txBody>
+                  <a:tcPr/>
+                </a:tc>
+                <a:tc>
+                  <a:txBody>
+                    <a:bodyPr/>
+                    <a:lstStyle/>
+                    <a:p>
+                      <a:pPr marL="0" marR="0" lvl="0" indent="0" algn="l" defTabSz="914400" rtl="0" eaLnBrk="1" fontAlgn="auto" latinLnBrk="0" hangingPunct="1">
+                        <a:lnSpc>
+                          <a:spcPct val="100000"/>
+                        </a:lnSpc>
+                        <a:spcBef>
+                          <a:spcPts val="0"/>
+                        </a:spcBef>
+                        <a:spcAft>
+                          <a:spcPts val="0"/>
+                        </a:spcAft>
+                        <a:buClrTx/>
+                        <a:buSzTx/>
+                        <a:buFontTx/>
+                        <a:buNone/>
+                        <a:tabLst/>
+                        <a:defRPr/>
+                      </a:pPr>
+                      <a:r>
+                        <a:rPr lang="en-US" dirty="0"/>
+                        <a:t>SO</a:t>
+                      </a:r>
+                      <a:r>
+                        <a:rPr lang="en-US" baseline="-25000" dirty="0"/>
+                        <a:t>2</a:t>
+                      </a:r>
+                      <a:r>
+                        <a:rPr lang="en-US" dirty="0"/>
+                        <a:t> (</a:t>
+                      </a:r>
+                      <a:r>
+                        <a:rPr lang="en-US" i="1" dirty="0"/>
+                        <a:t>g</a:t>
+                      </a:r>
+                      <a:r>
+                        <a:rPr lang="en-US" dirty="0"/>
+                        <a:t>) + H</a:t>
+                      </a:r>
+                      <a:r>
+                        <a:rPr lang="en-US" baseline="-25000" dirty="0"/>
+                        <a:t>2</a:t>
+                      </a:r>
+                      <a:r>
+                        <a:rPr lang="en-US" dirty="0"/>
+                        <a:t>O (</a:t>
+                      </a:r>
+                      <a:r>
+                        <a:rPr lang="en-US" i="1" dirty="0"/>
+                        <a:t>l</a:t>
+                      </a:r>
+                      <a:r>
+                        <a:rPr lang="en-US" dirty="0"/>
+                        <a:t>)</a:t>
+                      </a:r>
+                    </a:p>
+                  </a:txBody>
+                  <a:tcPr/>
+                </a:tc>
+                <a:extLst>
+                  <a:ext uri="{0D108BD9-81ED-4DB2-BD59-A6C34878D82A}">
+                    <a16:rowId xmlns:a16="http://schemas.microsoft.com/office/drawing/2014/main" val="2404111575"/>
+                  </a:ext>
+                </a:extLst>
+              </a:tr>
+            </a:tbl>
+          </a:graphicData>
+        </a:graphic>
+      </p:graphicFrame>
+      <p:graphicFrame>
+        <p:nvGraphicFramePr>
+          <p:cNvPr id="5" name="Table 4">
+            <a:extLst>
+              <a:ext uri="{FF2B5EF4-FFF2-40B4-BE49-F238E27FC236}">
+                <a16:creationId xmlns:a16="http://schemas.microsoft.com/office/drawing/2014/main" id="{D4AC4D3D-EEDA-7707-9648-146D2AB5DEBB}"/>
+              </a:ext>
+            </a:extLst>
+          </p:cNvPr>
+          <p:cNvGraphicFramePr>
+            <a:graphicFrameLocks noGrp="1"/>
+          </p:cNvGraphicFramePr>
+          <p:nvPr>
+            <p:extLst>
+              <p:ext uri="{D42A27DB-BD31-4B8C-83A1-F6EECF244321}">
+                <p14:modId xmlns:p14="http://schemas.microsoft.com/office/powerpoint/2010/main" val="1720222112"/>
+              </p:ext>
+            </p:extLst>
+          </p:nvPr>
+        </p:nvGraphicFramePr>
+        <p:xfrm>
+          <a:off x="565852" y="3429000"/>
+          <a:ext cx="8000999" cy="949960"/>
+        </p:xfrm>
+        <a:graphic>
+          <a:graphicData uri="http://schemas.openxmlformats.org/drawingml/2006/table">
+            <a:tbl>
+              <a:tblPr firstRow="1" bandRow="1">
+                <a:tableStyleId>{073A0DAA-6AF3-43AB-8588-CEC1D06C72B9}</a:tableStyleId>
+              </a:tblPr>
+              <a:tblGrid>
+                <a:gridCol w="8000999">
+                  <a:extLst>
+                    <a:ext uri="{9D8B030D-6E8A-4147-A177-3AD203B41FA5}">
+                      <a16:colId xmlns:a16="http://schemas.microsoft.com/office/drawing/2014/main" val="3005107910"/>
+                    </a:ext>
+                  </a:extLst>
+                </a:gridCol>
+              </a:tblGrid>
+              <a:tr h="370840">
+                <a:tc>
+                  <a:txBody>
+                    <a:bodyPr/>
+                    <a:lstStyle/>
+                    <a:p>
+                      <a:pPr marL="0" marR="0" lvl="0" indent="0" algn="l" defTabSz="914400" rtl="0" eaLnBrk="1" fontAlgn="auto" latinLnBrk="0" hangingPunct="1">
+                        <a:lnSpc>
+                          <a:spcPct val="100000"/>
+                        </a:lnSpc>
+                        <a:spcBef>
+                          <a:spcPts val="0"/>
+                        </a:spcBef>
+                        <a:spcAft>
+                          <a:spcPts val="0"/>
+                        </a:spcAft>
+                        <a:buClrTx/>
+                        <a:buSzTx/>
+                        <a:buFontTx/>
+                        <a:buNone/>
+                        <a:tabLst/>
+                        <a:defRPr/>
+                      </a:pPr>
+                      <a:r>
+                        <a:rPr lang="en-US" sz="1800" dirty="0"/>
+                        <a:t>No Reaction</a:t>
+                      </a:r>
+                    </a:p>
+                  </a:txBody>
+                  <a:tcPr/>
+                </a:tc>
+                <a:extLst>
+                  <a:ext uri="{0D108BD9-81ED-4DB2-BD59-A6C34878D82A}">
+                    <a16:rowId xmlns:a16="http://schemas.microsoft.com/office/drawing/2014/main" val="3606507504"/>
+                  </a:ext>
+                </a:extLst>
+              </a:tr>
+              <a:tr h="0">
+                <a:tc>
+                  <a:txBody>
+                    <a:bodyPr/>
+                    <a:lstStyle/>
+                    <a:p>
+                      <a:r>
+                        <a:rPr lang="en-US" sz="1600" dirty="0">
+                          <a:solidFill>
+                            <a:srgbClr val="0070C0"/>
+                          </a:solidFill>
+                        </a:rPr>
+                        <a:t>The mixing of compounds in aqueous solution </a:t>
+                      </a:r>
+                      <a:r>
+                        <a:rPr lang="en-US" sz="1600" dirty="0">
+                          <a:solidFill>
+                            <a:srgbClr val="0070C0"/>
+                          </a:solidFill>
+                          <a:sym typeface="Wingdings" panose="05000000000000000000" pitchFamily="2" charset="2"/>
+                        </a:rPr>
+                        <a:t>can sometimes result in none of the reactions mentioned</a:t>
+                      </a:r>
+                      <a:endParaRPr lang="en-US" sz="1600" dirty="0"/>
+                    </a:p>
+                  </a:txBody>
+                  <a:tcPr/>
+                </a:tc>
+                <a:extLst>
+                  <a:ext uri="{0D108BD9-81ED-4DB2-BD59-A6C34878D82A}">
+                    <a16:rowId xmlns:a16="http://schemas.microsoft.com/office/drawing/2014/main" val="3957596281"/>
+                  </a:ext>
+                </a:extLst>
+              </a:tr>
+            </a:tbl>
+          </a:graphicData>
+        </a:graphic>
+      </p:graphicFrame>
+    </p:spTree>
+    <p:extLst>
+      <p:ext uri="{BB962C8B-B14F-4D97-AF65-F5344CB8AC3E}">
+        <p14:creationId xmlns:p14="http://schemas.microsoft.com/office/powerpoint/2010/main" val="560092286"/>
+      </p:ext>
+    </p:extLst>
+  </p:cSld>
+  <p:clrMapOvr>
+    <a:masterClrMapping/>
+  </p:clrMapOvr>
+</p:sld>
+</file>
+
+<file path=ppt/slides/slide6.xml><?xml version="1.0" encoding="utf-8"?>
+<p:sld xmlns:a="http://schemas.openxmlformats.org/drawingml/2006/main" xmlns:r="http://schemas.openxmlformats.org/officeDocument/2006/relationships" xmlns:p="http://schemas.openxmlformats.org/presentationml/2006/main">
+  <p:cSld>
+    <p:spTree>
+      <p:nvGrpSpPr>
+        <p:cNvPr id="1" name="">
+          <a:extLst>
+            <a:ext uri="{FF2B5EF4-FFF2-40B4-BE49-F238E27FC236}">
+              <a16:creationId xmlns:a16="http://schemas.microsoft.com/office/drawing/2014/main" id="{097631D5-D871-02CC-8FFD-707260C83591}"/>
+            </a:ext>
+          </a:extLst>
+        </p:cNvPr>
+        <p:cNvGrpSpPr/>
+        <p:nvPr/>
+      </p:nvGrpSpPr>
+      <p:grpSpPr>
+        <a:xfrm>
+          <a:off x="0" y="0"/>
+          <a:ext cx="0" cy="0"/>
+          <a:chOff x="0" y="0"/>
+          <a:chExt cx="0" cy="0"/>
+        </a:xfrm>
+      </p:grpSpPr>
+      <p:sp>
+        <p:nvSpPr>
+          <p:cNvPr id="2" name="Title 1">
+            <a:extLst>
+              <a:ext uri="{FF2B5EF4-FFF2-40B4-BE49-F238E27FC236}">
+                <a16:creationId xmlns:a16="http://schemas.microsoft.com/office/drawing/2014/main" id="{FEEE5F4B-8008-ED06-1CA9-C7896B9A86B6}"/>
+              </a:ext>
+            </a:extLst>
+          </p:cNvPr>
+          <p:cNvSpPr>
+            <a:spLocks noGrp="1"/>
+          </p:cNvSpPr>
+          <p:nvPr>
+            <p:ph type="title"/>
+          </p:nvPr>
+        </p:nvSpPr>
+        <p:spPr>
+          <a:xfrm>
+            <a:off x="355599" y="173140"/>
+            <a:ext cx="8421512" cy="830997"/>
+          </a:xfrm>
+        </p:spPr>
+        <p:txBody>
+          <a:bodyPr/>
+          <a:lstStyle/>
+          <a:p>
+            <a:r>
+              <a:rPr lang="en-US" dirty="0"/>
+              <a:t>Background</a:t>
+            </a:r>
+          </a:p>
+        </p:txBody>
+      </p:sp>
+      <p:sp>
+        <p:nvSpPr>
+          <p:cNvPr id="3" name="Content Placeholder 2">
+            <a:extLst>
+              <a:ext uri="{FF2B5EF4-FFF2-40B4-BE49-F238E27FC236}">
+                <a16:creationId xmlns:a16="http://schemas.microsoft.com/office/drawing/2014/main" id="{24DF2613-A9BA-A0C5-F1F5-0CF0B2480FFD}"/>
+              </a:ext>
+            </a:extLst>
+          </p:cNvPr>
+          <p:cNvSpPr>
+            <a:spLocks noGrp="1"/>
+          </p:cNvSpPr>
+          <p:nvPr>
+            <p:ph idx="1"/>
+          </p:nvPr>
+        </p:nvSpPr>
+        <p:spPr>
+          <a:xfrm>
+            <a:off x="372533" y="1149790"/>
+            <a:ext cx="8387645" cy="5397765"/>
+          </a:xfrm>
+        </p:spPr>
+        <p:txBody>
+          <a:bodyPr/>
+          <a:lstStyle/>
+          <a:p>
+            <a:pPr marL="0" indent="0">
+              <a:buNone/>
+            </a:pPr>
+            <a:endParaRPr lang="en-US" sz="1800" dirty="0"/>
+          </a:p>
+        </p:txBody>
+      </p:sp>
+      <p:graphicFrame>
+        <p:nvGraphicFramePr>
+          <p:cNvPr id="4" name="Table 3">
+            <a:extLst>
+              <a:ext uri="{FF2B5EF4-FFF2-40B4-BE49-F238E27FC236}">
+                <a16:creationId xmlns:a16="http://schemas.microsoft.com/office/drawing/2014/main" id="{939ADD38-3AC4-51F3-F862-87ACA5FC43E7}"/>
+              </a:ext>
+            </a:extLst>
+          </p:cNvPr>
+          <p:cNvGraphicFramePr>
+            <a:graphicFrameLocks noGrp="1"/>
+          </p:cNvGraphicFramePr>
+          <p:nvPr>
+            <p:extLst>
+              <p:ext uri="{D42A27DB-BD31-4B8C-83A1-F6EECF244321}">
+                <p14:modId xmlns:p14="http://schemas.microsoft.com/office/powerpoint/2010/main" val="185006234"/>
+              </p:ext>
+            </p:extLst>
+          </p:nvPr>
+        </p:nvGraphicFramePr>
+        <p:xfrm>
+          <a:off x="565851" y="1478591"/>
+          <a:ext cx="8000999" cy="1483360"/>
+        </p:xfrm>
+        <a:graphic>
+          <a:graphicData uri="http://schemas.openxmlformats.org/drawingml/2006/table">
+            <a:tbl>
+              <a:tblPr firstRow="1" bandRow="1">
+                <a:tableStyleId>{073A0DAA-6AF3-43AB-8588-CEC1D06C72B9}</a:tableStyleId>
+              </a:tblPr>
+              <a:tblGrid>
+                <a:gridCol w="3755572">
+                  <a:extLst>
+                    <a:ext uri="{9D8B030D-6E8A-4147-A177-3AD203B41FA5}">
+                      <a16:colId xmlns:a16="http://schemas.microsoft.com/office/drawing/2014/main" val="3005107910"/>
+                    </a:ext>
+                  </a:extLst>
+                </a:gridCol>
+                <a:gridCol w="424542">
+                  <a:extLst>
+                    <a:ext uri="{9D8B030D-6E8A-4147-A177-3AD203B41FA5}">
+                      <a16:colId xmlns:a16="http://schemas.microsoft.com/office/drawing/2014/main" val="3744328796"/>
+                    </a:ext>
+                  </a:extLst>
+                </a:gridCol>
+                <a:gridCol w="3820885">
+                  <a:extLst>
+                    <a:ext uri="{9D8B030D-6E8A-4147-A177-3AD203B41FA5}">
+                      <a16:colId xmlns:a16="http://schemas.microsoft.com/office/drawing/2014/main" val="3681666652"/>
+                    </a:ext>
+                  </a:extLst>
+                </a:gridCol>
+              </a:tblGrid>
+              <a:tr h="370840">
+                <a:tc gridSpan="3">
+                  <a:txBody>
+                    <a:bodyPr/>
+                    <a:lstStyle/>
+                    <a:p>
+                      <a:pPr marL="0" marR="0" lvl="0" indent="0" algn="l" defTabSz="914400" rtl="0" eaLnBrk="1" fontAlgn="auto" latinLnBrk="0" hangingPunct="1">
+                        <a:lnSpc>
+                          <a:spcPct val="100000"/>
+                        </a:lnSpc>
+                        <a:spcBef>
+                          <a:spcPts val="0"/>
+                        </a:spcBef>
+                        <a:spcAft>
+                          <a:spcPts val="0"/>
+                        </a:spcAft>
+                        <a:buClrTx/>
+                        <a:buSzTx/>
+                        <a:buFontTx/>
+                        <a:buNone/>
+                        <a:tabLst/>
+                        <a:defRPr/>
+                      </a:pPr>
+                      <a:r>
+                        <a:rPr lang="en-US" sz="1800" dirty="0"/>
+                        <a:t>Oxidation-Reduction (Redox)</a:t>
+                      </a:r>
+                    </a:p>
+                  </a:txBody>
+                  <a:tcPr/>
+                </a:tc>
+                <a:tc hMerge="1">
+                  <a:txBody>
+                    <a:bodyPr/>
+                    <a:lstStyle/>
+                    <a:p>
+                      <a:endParaRPr lang="en-US" dirty="0"/>
+                    </a:p>
+                  </a:txBody>
+                  <a:tcPr/>
+                </a:tc>
+                <a:tc hMerge="1">
+                  <a:txBody>
+                    <a:bodyPr/>
+                    <a:lstStyle/>
+                    <a:p>
+                      <a:endParaRPr lang="en-US" dirty="0"/>
+                    </a:p>
+                  </a:txBody>
+                  <a:tcPr/>
+                </a:tc>
+                <a:extLst>
+                  <a:ext uri="{0D108BD9-81ED-4DB2-BD59-A6C34878D82A}">
+                    <a16:rowId xmlns:a16="http://schemas.microsoft.com/office/drawing/2014/main" val="3606507504"/>
+                  </a:ext>
+                </a:extLst>
+              </a:tr>
+              <a:tr h="370840">
+                <a:tc>
+                  <a:txBody>
+                    <a:bodyPr/>
+                    <a:lstStyle/>
+                    <a:p>
+                      <a:pPr marL="0" marR="0" lvl="0" indent="0" algn="r" defTabSz="914400" rtl="0" eaLnBrk="1" fontAlgn="auto" latinLnBrk="0" hangingPunct="1">
+                        <a:lnSpc>
+                          <a:spcPct val="100000"/>
+                        </a:lnSpc>
+                        <a:spcBef>
+                          <a:spcPts val="0"/>
+                        </a:spcBef>
+                        <a:spcAft>
+                          <a:spcPts val="0"/>
+                        </a:spcAft>
+                        <a:buClrTx/>
+                        <a:buSzTx/>
+                        <a:buFontTx/>
+                        <a:buNone/>
+                        <a:tabLst/>
+                        <a:defRPr/>
+                      </a:pPr>
+                      <a:r>
+                        <a:rPr lang="en-US" sz="1800" dirty="0">
+                          <a:sym typeface="Wingdings" panose="05000000000000000000" pitchFamily="2" charset="2"/>
+                        </a:rPr>
+                        <a:t>2 Na (</a:t>
+                      </a:r>
+                      <a:r>
+                        <a:rPr lang="en-US" sz="1800" i="1" dirty="0">
+                          <a:sym typeface="Wingdings" panose="05000000000000000000" pitchFamily="2" charset="2"/>
+                        </a:rPr>
+                        <a:t>s</a:t>
+                      </a:r>
+                      <a:r>
+                        <a:rPr lang="en-US" sz="1800" dirty="0">
+                          <a:sym typeface="Wingdings" panose="05000000000000000000" pitchFamily="2" charset="2"/>
+                        </a:rPr>
+                        <a:t>) + 2 H</a:t>
+                      </a:r>
+                      <a:r>
+                        <a:rPr lang="en-US" sz="1800" baseline="-25000" dirty="0">
+                          <a:sym typeface="Wingdings" panose="05000000000000000000" pitchFamily="2" charset="2"/>
+                        </a:rPr>
+                        <a:t>2</a:t>
+                      </a:r>
+                      <a:r>
+                        <a:rPr lang="en-US" sz="1800" dirty="0">
+                          <a:sym typeface="Wingdings" panose="05000000000000000000" pitchFamily="2" charset="2"/>
+                        </a:rPr>
+                        <a:t>O (l)</a:t>
+                      </a:r>
+                      <a:endParaRPr lang="en-US" dirty="0"/>
+                    </a:p>
+                  </a:txBody>
+                  <a:tcPr/>
+                </a:tc>
+                <a:tc>
+                  <a:txBody>
+                    <a:bodyPr/>
+                    <a:lstStyle/>
+                    <a:p>
+                      <a:pPr marL="0" marR="0" lvl="0" indent="0" algn="l" defTabSz="914400" rtl="0" eaLnBrk="1" fontAlgn="auto" latinLnBrk="0" hangingPunct="1">
+                        <a:lnSpc>
+                          <a:spcPct val="100000"/>
+                        </a:lnSpc>
+                        <a:spcBef>
+                          <a:spcPts val="0"/>
+                        </a:spcBef>
+                        <a:spcAft>
+                          <a:spcPts val="0"/>
+                        </a:spcAft>
+                        <a:buClrTx/>
+                        <a:buSzTx/>
+                        <a:buFontTx/>
+                        <a:buNone/>
+                        <a:tabLst/>
+                        <a:defRPr/>
+                      </a:pPr>
+                      <a:r>
+                        <a:rPr lang="en-US" sz="1800" dirty="0">
+                          <a:sym typeface="Wingdings" panose="05000000000000000000" pitchFamily="2" charset="2"/>
+                        </a:rPr>
+                        <a:t></a:t>
+                      </a:r>
+                      <a:endParaRPr lang="en-US" dirty="0"/>
+                    </a:p>
+                  </a:txBody>
+                  <a:tcPr/>
+                </a:tc>
+                <a:tc>
+                  <a:txBody>
+                    <a:bodyPr/>
+                    <a:lstStyle/>
+                    <a:p>
+                      <a:pPr marL="0" marR="0" lvl="0" indent="0" algn="l" defTabSz="914400" rtl="0" eaLnBrk="1" fontAlgn="auto" latinLnBrk="0" hangingPunct="1">
+                        <a:lnSpc>
+                          <a:spcPct val="100000"/>
+                        </a:lnSpc>
+                        <a:spcBef>
+                          <a:spcPts val="0"/>
+                        </a:spcBef>
+                        <a:spcAft>
+                          <a:spcPts val="0"/>
+                        </a:spcAft>
+                        <a:buClrTx/>
+                        <a:buSzTx/>
+                        <a:buFontTx/>
+                        <a:buNone/>
+                        <a:tabLst/>
+                        <a:defRPr/>
+                      </a:pPr>
+                      <a:r>
+                        <a:rPr lang="en-US" sz="1800" dirty="0">
+                          <a:sym typeface="Wingdings" panose="05000000000000000000" pitchFamily="2" charset="2"/>
+                        </a:rPr>
+                        <a:t>H</a:t>
+                      </a:r>
+                      <a:r>
+                        <a:rPr lang="en-US" sz="1800" baseline="-25000" dirty="0">
+                          <a:sym typeface="Wingdings" panose="05000000000000000000" pitchFamily="2" charset="2"/>
+                        </a:rPr>
+                        <a:t>2</a:t>
+                      </a:r>
+                      <a:r>
+                        <a:rPr lang="en-US" sz="1800" dirty="0">
+                          <a:sym typeface="Wingdings" panose="05000000000000000000" pitchFamily="2" charset="2"/>
+                        </a:rPr>
+                        <a:t> (</a:t>
+                      </a:r>
+                      <a:r>
+                        <a:rPr lang="en-US" sz="1800" i="1" dirty="0">
+                          <a:sym typeface="Wingdings" panose="05000000000000000000" pitchFamily="2" charset="2"/>
+                        </a:rPr>
+                        <a:t>g</a:t>
+                      </a:r>
+                      <a:r>
+                        <a:rPr lang="en-US" sz="1800" dirty="0">
+                          <a:sym typeface="Wingdings" panose="05000000000000000000" pitchFamily="2" charset="2"/>
+                        </a:rPr>
+                        <a:t>) + 2 NaOH (</a:t>
+                      </a:r>
+                      <a:r>
+                        <a:rPr lang="en-US" sz="1800" i="1" dirty="0" err="1">
+                          <a:sym typeface="Wingdings" panose="05000000000000000000" pitchFamily="2" charset="2"/>
+                        </a:rPr>
+                        <a:t>aq</a:t>
+                      </a:r>
+                      <a:r>
+                        <a:rPr lang="en-US" sz="1800" dirty="0">
+                          <a:sym typeface="Wingdings" panose="05000000000000000000" pitchFamily="2" charset="2"/>
+                        </a:rPr>
+                        <a:t>)</a:t>
+                      </a:r>
+                      <a:endParaRPr lang="en-US" dirty="0"/>
+                    </a:p>
+                  </a:txBody>
+                  <a:tcPr/>
+                </a:tc>
+                <a:extLst>
+                  <a:ext uri="{0D108BD9-81ED-4DB2-BD59-A6C34878D82A}">
+                    <a16:rowId xmlns:a16="http://schemas.microsoft.com/office/drawing/2014/main" val="1610164329"/>
+                  </a:ext>
+                </a:extLst>
+              </a:tr>
+              <a:tr h="370840">
+                <a:tc>
+                  <a:txBody>
+                    <a:bodyPr/>
+                    <a:lstStyle/>
+                    <a:p>
+                      <a:pPr marL="0" marR="0" lvl="0" indent="0" algn="r" defTabSz="914400" rtl="0" eaLnBrk="1" fontAlgn="auto" latinLnBrk="0" hangingPunct="1">
+                        <a:lnSpc>
+                          <a:spcPct val="100000"/>
+                        </a:lnSpc>
+                        <a:spcBef>
+                          <a:spcPts val="0"/>
+                        </a:spcBef>
+                        <a:spcAft>
+                          <a:spcPts val="0"/>
+                        </a:spcAft>
+                        <a:buClrTx/>
+                        <a:buSzTx/>
+                        <a:buFontTx/>
+                        <a:buNone/>
+                        <a:tabLst/>
+                        <a:defRPr/>
+                      </a:pPr>
+                      <a:r>
+                        <a:rPr lang="en-US" sz="1800" dirty="0">
+                          <a:sym typeface="Wingdings" panose="05000000000000000000" pitchFamily="2" charset="2"/>
+                        </a:rPr>
+                        <a:t>2 Al (</a:t>
+                      </a:r>
+                      <a:r>
+                        <a:rPr lang="en-US" sz="1800" i="1" dirty="0">
+                          <a:sym typeface="Wingdings" panose="05000000000000000000" pitchFamily="2" charset="2"/>
+                        </a:rPr>
+                        <a:t>s</a:t>
+                      </a:r>
+                      <a:r>
+                        <a:rPr lang="en-US" sz="1800" dirty="0">
+                          <a:sym typeface="Wingdings" panose="05000000000000000000" pitchFamily="2" charset="2"/>
+                        </a:rPr>
+                        <a:t>) + 3 Cl</a:t>
+                      </a:r>
+                      <a:r>
+                        <a:rPr lang="en-US" sz="1800" baseline="-25000" dirty="0">
+                          <a:sym typeface="Wingdings" panose="05000000000000000000" pitchFamily="2" charset="2"/>
+                        </a:rPr>
+                        <a:t>2</a:t>
+                      </a:r>
+                      <a:r>
+                        <a:rPr lang="en-US" sz="1800" dirty="0">
+                          <a:sym typeface="Wingdings" panose="05000000000000000000" pitchFamily="2" charset="2"/>
+                        </a:rPr>
+                        <a:t> (</a:t>
+                      </a:r>
+                      <a:r>
+                        <a:rPr lang="en-US" sz="1800" i="1" dirty="0">
+                          <a:sym typeface="Wingdings" panose="05000000000000000000" pitchFamily="2" charset="2"/>
+                        </a:rPr>
+                        <a:t>g</a:t>
+                      </a:r>
+                      <a:r>
+                        <a:rPr lang="en-US" sz="1800" dirty="0">
+                          <a:sym typeface="Wingdings" panose="05000000000000000000" pitchFamily="2" charset="2"/>
+                        </a:rPr>
+                        <a:t>)</a:t>
+                      </a:r>
+                      <a:endParaRPr lang="en-US" dirty="0"/>
+                    </a:p>
+                  </a:txBody>
+                  <a:tcPr/>
+                </a:tc>
+                <a:tc>
+                  <a:txBody>
+                    <a:bodyPr/>
+                    <a:lstStyle/>
+                    <a:p>
+                      <a:pPr marL="0" marR="0" lvl="0" indent="0" algn="l" defTabSz="914400" rtl="0" eaLnBrk="1" fontAlgn="auto" latinLnBrk="0" hangingPunct="1">
+                        <a:lnSpc>
+                          <a:spcPct val="100000"/>
+                        </a:lnSpc>
+                        <a:spcBef>
+                          <a:spcPts val="0"/>
+                        </a:spcBef>
+                        <a:spcAft>
+                          <a:spcPts val="0"/>
+                        </a:spcAft>
+                        <a:buClrTx/>
+                        <a:buSzTx/>
+                        <a:buFontTx/>
+                        <a:buNone/>
+                        <a:tabLst/>
+                        <a:defRPr/>
+                      </a:pPr>
+                      <a:r>
+                        <a:rPr lang="en-US" sz="1800" dirty="0">
+                          <a:sym typeface="Wingdings" panose="05000000000000000000" pitchFamily="2" charset="2"/>
+                        </a:rPr>
+                        <a:t></a:t>
+                      </a:r>
+                      <a:endParaRPr lang="en-US" dirty="0"/>
+                    </a:p>
+                  </a:txBody>
+                  <a:tcPr/>
+                </a:tc>
+                <a:tc>
+                  <a:txBody>
+                    <a:bodyPr/>
+                    <a:lstStyle/>
+                    <a:p>
+                      <a:pPr marL="0" marR="0" lvl="0" indent="0" algn="l" defTabSz="914400" rtl="0" eaLnBrk="1" fontAlgn="auto" latinLnBrk="0" hangingPunct="1">
+                        <a:lnSpc>
+                          <a:spcPct val="100000"/>
+                        </a:lnSpc>
+                        <a:spcBef>
+                          <a:spcPts val="0"/>
+                        </a:spcBef>
+                        <a:spcAft>
+                          <a:spcPts val="0"/>
+                        </a:spcAft>
+                        <a:buClrTx/>
+                        <a:buSzTx/>
+                        <a:buFontTx/>
+                        <a:buNone/>
+                        <a:tabLst/>
+                        <a:defRPr/>
+                      </a:pPr>
+                      <a:r>
+                        <a:rPr lang="en-US" sz="1800" dirty="0">
+                          <a:sym typeface="Wingdings" panose="05000000000000000000" pitchFamily="2" charset="2"/>
+                        </a:rPr>
+                        <a:t>2 AlCl</a:t>
+                      </a:r>
+                      <a:r>
+                        <a:rPr lang="en-US" sz="1800" baseline="-25000" dirty="0">
+                          <a:sym typeface="Wingdings" panose="05000000000000000000" pitchFamily="2" charset="2"/>
+                        </a:rPr>
+                        <a:t>3</a:t>
+                      </a:r>
+                      <a:r>
+                        <a:rPr lang="en-US" sz="1800" dirty="0">
+                          <a:sym typeface="Wingdings" panose="05000000000000000000" pitchFamily="2" charset="2"/>
+                        </a:rPr>
+                        <a:t> (</a:t>
+                      </a:r>
+                      <a:r>
+                        <a:rPr lang="en-US" sz="1800" i="1" dirty="0">
+                          <a:sym typeface="Wingdings" panose="05000000000000000000" pitchFamily="2" charset="2"/>
+                        </a:rPr>
+                        <a:t>s</a:t>
+                      </a:r>
+                      <a:r>
+                        <a:rPr lang="en-US" sz="1800" dirty="0">
+                          <a:sym typeface="Wingdings" panose="05000000000000000000" pitchFamily="2" charset="2"/>
+                        </a:rPr>
+                        <a:t>)</a:t>
+                      </a:r>
+                      <a:endParaRPr lang="en-US" dirty="0"/>
+                    </a:p>
+                  </a:txBody>
+                  <a:tcPr/>
+                </a:tc>
+                <a:extLst>
+                  <a:ext uri="{0D108BD9-81ED-4DB2-BD59-A6C34878D82A}">
+                    <a16:rowId xmlns:a16="http://schemas.microsoft.com/office/drawing/2014/main" val="2404111575"/>
+                  </a:ext>
+                </a:extLst>
+              </a:tr>
+              <a:tr h="370840">
+                <a:tc>
+                  <a:txBody>
+                    <a:bodyPr/>
+                    <a:lstStyle/>
+                    <a:p>
+                      <a:pPr marL="0" marR="0" lvl="0" indent="0" algn="r" defTabSz="914400" rtl="0" eaLnBrk="1" fontAlgn="auto" latinLnBrk="0" hangingPunct="1">
+                        <a:lnSpc>
+                          <a:spcPct val="100000"/>
+                        </a:lnSpc>
+                        <a:spcBef>
+                          <a:spcPts val="0"/>
+                        </a:spcBef>
+                        <a:spcAft>
+                          <a:spcPts val="0"/>
+                        </a:spcAft>
+                        <a:buClrTx/>
+                        <a:buSzTx/>
+                        <a:buFontTx/>
+                        <a:buNone/>
+                        <a:tabLst/>
+                        <a:defRPr/>
+                      </a:pPr>
+                      <a:r>
+                        <a:rPr lang="en-US" sz="1800" dirty="0">
+                          <a:sym typeface="Wingdings" panose="05000000000000000000" pitchFamily="2" charset="2"/>
+                        </a:rPr>
+                        <a:t>Cu (</a:t>
+                      </a:r>
+                      <a:r>
+                        <a:rPr lang="en-US" sz="1800" i="1" dirty="0">
+                          <a:sym typeface="Wingdings" panose="05000000000000000000" pitchFamily="2" charset="2"/>
+                        </a:rPr>
+                        <a:t>s</a:t>
+                      </a:r>
+                      <a:r>
+                        <a:rPr lang="en-US" sz="1800" dirty="0">
+                          <a:sym typeface="Wingdings" panose="05000000000000000000" pitchFamily="2" charset="2"/>
+                        </a:rPr>
+                        <a:t>) + Pd(NO</a:t>
+                      </a:r>
+                      <a:r>
+                        <a:rPr lang="en-US" sz="1800" baseline="-25000" dirty="0">
+                          <a:sym typeface="Wingdings" panose="05000000000000000000" pitchFamily="2" charset="2"/>
+                        </a:rPr>
+                        <a:t>3</a:t>
+                      </a:r>
+                      <a:r>
+                        <a:rPr lang="en-US" sz="1800" dirty="0">
+                          <a:sym typeface="Wingdings" panose="05000000000000000000" pitchFamily="2" charset="2"/>
+                        </a:rPr>
+                        <a:t>)</a:t>
+                      </a:r>
+                      <a:r>
+                        <a:rPr lang="en-US" sz="1800" baseline="-25000" dirty="0">
+                          <a:sym typeface="Wingdings" panose="05000000000000000000" pitchFamily="2" charset="2"/>
+                        </a:rPr>
+                        <a:t>2</a:t>
+                      </a:r>
+                      <a:r>
+                        <a:rPr lang="en-US" sz="1800" dirty="0">
+                          <a:sym typeface="Wingdings" panose="05000000000000000000" pitchFamily="2" charset="2"/>
+                        </a:rPr>
+                        <a:t> (</a:t>
+                      </a:r>
+                      <a:r>
+                        <a:rPr lang="en-US" sz="1800" i="1" dirty="0" err="1">
+                          <a:sym typeface="Wingdings" panose="05000000000000000000" pitchFamily="2" charset="2"/>
+                        </a:rPr>
+                        <a:t>aq</a:t>
+                      </a:r>
+                      <a:r>
+                        <a:rPr lang="en-US" sz="1800" dirty="0">
+                          <a:sym typeface="Wingdings" panose="05000000000000000000" pitchFamily="2" charset="2"/>
+                        </a:rPr>
+                        <a:t>)</a:t>
+                      </a:r>
+                      <a:endParaRPr lang="en-US" dirty="0"/>
+                    </a:p>
+                  </a:txBody>
+                  <a:tcPr/>
+                </a:tc>
+                <a:tc>
+                  <a:txBody>
+                    <a:bodyPr/>
+                    <a:lstStyle/>
+                    <a:p>
+                      <a:pPr marL="0" marR="0" lvl="0" indent="0" algn="l" defTabSz="914400" rtl="0" eaLnBrk="1" fontAlgn="auto" latinLnBrk="0" hangingPunct="1">
+                        <a:lnSpc>
+                          <a:spcPct val="100000"/>
+                        </a:lnSpc>
+                        <a:spcBef>
+                          <a:spcPts val="0"/>
+                        </a:spcBef>
+                        <a:spcAft>
+                          <a:spcPts val="0"/>
+                        </a:spcAft>
+                        <a:buClrTx/>
+                        <a:buSzTx/>
+                        <a:buFontTx/>
+                        <a:buNone/>
+                        <a:tabLst/>
+                        <a:defRPr/>
+                      </a:pPr>
+                      <a:r>
+                        <a:rPr lang="en-US" sz="1800" dirty="0">
+                          <a:sym typeface="Wingdings" panose="05000000000000000000" pitchFamily="2" charset="2"/>
+                        </a:rPr>
+                        <a:t></a:t>
+                      </a:r>
+                      <a:endParaRPr lang="en-US" dirty="0"/>
+                    </a:p>
+                  </a:txBody>
+                  <a:tcPr/>
+                </a:tc>
+                <a:tc>
+                  <a:txBody>
+                    <a:bodyPr/>
+                    <a:lstStyle/>
+                    <a:p>
+                      <a:pPr marL="0" marR="0" lvl="0" indent="0" algn="l" defTabSz="914400" rtl="0" eaLnBrk="1" fontAlgn="auto" latinLnBrk="0" hangingPunct="1">
+                        <a:lnSpc>
+                          <a:spcPct val="100000"/>
+                        </a:lnSpc>
+                        <a:spcBef>
+                          <a:spcPts val="0"/>
+                        </a:spcBef>
+                        <a:spcAft>
+                          <a:spcPts val="0"/>
+                        </a:spcAft>
+                        <a:buClrTx/>
+                        <a:buSzTx/>
+                        <a:buFontTx/>
+                        <a:buNone/>
+                        <a:tabLst/>
+                        <a:defRPr/>
+                      </a:pPr>
+                      <a:r>
+                        <a:rPr lang="en-US" sz="1800" dirty="0">
+                          <a:sym typeface="Wingdings" panose="05000000000000000000" pitchFamily="2" charset="2"/>
+                        </a:rPr>
+                        <a:t>Pd (</a:t>
+                      </a:r>
+                      <a:r>
+                        <a:rPr lang="en-US" sz="1800" i="1" dirty="0">
+                          <a:sym typeface="Wingdings" panose="05000000000000000000" pitchFamily="2" charset="2"/>
+                        </a:rPr>
+                        <a:t>s</a:t>
+                      </a:r>
+                      <a:r>
+                        <a:rPr lang="en-US" sz="1800" dirty="0">
+                          <a:sym typeface="Wingdings" panose="05000000000000000000" pitchFamily="2" charset="2"/>
+                        </a:rPr>
+                        <a:t>) + Cu(NO</a:t>
+                      </a:r>
+                      <a:r>
+                        <a:rPr lang="en-US" sz="1800" baseline="-25000" dirty="0">
+                          <a:sym typeface="Wingdings" panose="05000000000000000000" pitchFamily="2" charset="2"/>
+                        </a:rPr>
+                        <a:t>3</a:t>
+                      </a:r>
+                      <a:r>
+                        <a:rPr lang="en-US" sz="1800" dirty="0">
+                          <a:sym typeface="Wingdings" panose="05000000000000000000" pitchFamily="2" charset="2"/>
+                        </a:rPr>
+                        <a:t>)</a:t>
+                      </a:r>
+                      <a:r>
+                        <a:rPr lang="en-US" sz="1800" baseline="-25000" dirty="0">
+                          <a:sym typeface="Wingdings" panose="05000000000000000000" pitchFamily="2" charset="2"/>
+                        </a:rPr>
+                        <a:t>2</a:t>
+                      </a:r>
+                      <a:r>
+                        <a:rPr lang="en-US" sz="1800" dirty="0">
+                          <a:sym typeface="Wingdings" panose="05000000000000000000" pitchFamily="2" charset="2"/>
+                        </a:rPr>
+                        <a:t> (</a:t>
+                      </a:r>
+                      <a:r>
+                        <a:rPr lang="en-US" sz="1800" i="1" dirty="0" err="1">
+                          <a:sym typeface="Wingdings" panose="05000000000000000000" pitchFamily="2" charset="2"/>
+                        </a:rPr>
+                        <a:t>aq</a:t>
+                      </a:r>
+                      <a:r>
+                        <a:rPr lang="en-US" sz="1800" dirty="0">
+                          <a:sym typeface="Wingdings" panose="05000000000000000000" pitchFamily="2" charset="2"/>
+                        </a:rPr>
+                        <a:t>)</a:t>
+                      </a:r>
+                      <a:endParaRPr lang="en-US" dirty="0"/>
+                    </a:p>
+                  </a:txBody>
+                  <a:tcPr/>
+                </a:tc>
+                <a:extLst>
+                  <a:ext uri="{0D108BD9-81ED-4DB2-BD59-A6C34878D82A}">
+                    <a16:rowId xmlns:a16="http://schemas.microsoft.com/office/drawing/2014/main" val="1509741772"/>
+                  </a:ext>
+                </a:extLst>
+              </a:tr>
+            </a:tbl>
+          </a:graphicData>
+        </a:graphic>
+      </p:graphicFrame>
+      <p:graphicFrame>
+        <p:nvGraphicFramePr>
+          <p:cNvPr id="6" name="Table 5">
+            <a:extLst>
+              <a:ext uri="{FF2B5EF4-FFF2-40B4-BE49-F238E27FC236}">
+                <a16:creationId xmlns:a16="http://schemas.microsoft.com/office/drawing/2014/main" id="{DC59B939-E3EA-7CD1-986A-A14D83F1AE90}"/>
+              </a:ext>
+            </a:extLst>
+          </p:cNvPr>
+          <p:cNvGraphicFramePr>
+            <a:graphicFrameLocks noGrp="1"/>
+          </p:cNvGraphicFramePr>
+          <p:nvPr>
+            <p:extLst>
+              <p:ext uri="{D42A27DB-BD31-4B8C-83A1-F6EECF244321}">
+                <p14:modId xmlns:p14="http://schemas.microsoft.com/office/powerpoint/2010/main" val="3037795569"/>
+              </p:ext>
+            </p:extLst>
+          </p:nvPr>
+        </p:nvGraphicFramePr>
+        <p:xfrm>
+          <a:off x="565851" y="3715606"/>
+          <a:ext cx="8000999" cy="1818640"/>
+        </p:xfrm>
+        <a:graphic>
+          <a:graphicData uri="http://schemas.openxmlformats.org/drawingml/2006/table">
+            <a:tbl>
+              <a:tblPr firstRow="1" bandRow="1">
+                <a:tableStyleId>{073A0DAA-6AF3-43AB-8588-CEC1D06C72B9}</a:tableStyleId>
+              </a:tblPr>
+              <a:tblGrid>
+                <a:gridCol w="3755572">
+                  <a:extLst>
+                    <a:ext uri="{9D8B030D-6E8A-4147-A177-3AD203B41FA5}">
+                      <a16:colId xmlns:a16="http://schemas.microsoft.com/office/drawing/2014/main" val="3005107910"/>
+                    </a:ext>
+                  </a:extLst>
+                </a:gridCol>
+                <a:gridCol w="424542">
+                  <a:extLst>
+                    <a:ext uri="{9D8B030D-6E8A-4147-A177-3AD203B41FA5}">
+                      <a16:colId xmlns:a16="http://schemas.microsoft.com/office/drawing/2014/main" val="3744328796"/>
+                    </a:ext>
+                  </a:extLst>
+                </a:gridCol>
+                <a:gridCol w="3820885">
+                  <a:extLst>
+                    <a:ext uri="{9D8B030D-6E8A-4147-A177-3AD203B41FA5}">
+                      <a16:colId xmlns:a16="http://schemas.microsoft.com/office/drawing/2014/main" val="3681666652"/>
+                    </a:ext>
+                  </a:extLst>
+                </a:gridCol>
+              </a:tblGrid>
+              <a:tr h="370840">
+                <a:tc gridSpan="3">
+                  <a:txBody>
+                    <a:bodyPr/>
+                    <a:lstStyle/>
+                    <a:p>
+                      <a:pPr marL="0" marR="0" lvl="0" indent="0" algn="l" defTabSz="914400" rtl="0" eaLnBrk="1" fontAlgn="auto" latinLnBrk="0" hangingPunct="1">
+                        <a:lnSpc>
+                          <a:spcPct val="100000"/>
+                        </a:lnSpc>
+                        <a:spcBef>
+                          <a:spcPts val="0"/>
+                        </a:spcBef>
+                        <a:spcAft>
+                          <a:spcPts val="0"/>
+                        </a:spcAft>
+                        <a:buClrTx/>
+                        <a:buSzTx/>
+                        <a:buFontTx/>
+                        <a:buNone/>
+                        <a:tabLst/>
+                        <a:defRPr/>
+                      </a:pPr>
+                      <a:r>
+                        <a:rPr lang="en-US" sz="1800" dirty="0"/>
+                        <a:t>Combustion</a:t>
+                      </a:r>
+                    </a:p>
+                  </a:txBody>
+                  <a:tcPr/>
+                </a:tc>
+                <a:tc hMerge="1">
+                  <a:txBody>
+                    <a:bodyPr/>
+                    <a:lstStyle/>
+                    <a:p>
+                      <a:endParaRPr lang="en-US" dirty="0"/>
+                    </a:p>
+                  </a:txBody>
+                  <a:tcPr/>
+                </a:tc>
+                <a:tc hMerge="1">
+                  <a:txBody>
+                    <a:bodyPr/>
+                    <a:lstStyle/>
+                    <a:p>
+                      <a:endParaRPr lang="en-US" dirty="0"/>
+                    </a:p>
+                  </a:txBody>
+                  <a:tcPr/>
+                </a:tc>
+                <a:extLst>
+                  <a:ext uri="{0D108BD9-81ED-4DB2-BD59-A6C34878D82A}">
+                    <a16:rowId xmlns:a16="http://schemas.microsoft.com/office/drawing/2014/main" val="3606507504"/>
+                  </a:ext>
+                </a:extLst>
+              </a:tr>
+              <a:tr h="0">
+                <a:tc>
+                  <a:txBody>
+                    <a:bodyPr/>
+                    <a:lstStyle/>
+                    <a:p>
+                      <a:pPr algn="r"/>
+                      <a:r>
+                        <a:rPr lang="en-US" sz="1600" dirty="0">
+                          <a:solidFill>
+                            <a:srgbClr val="0070C0"/>
+                          </a:solidFill>
+                        </a:rPr>
+                        <a:t>Hydrocarbon</a:t>
+                      </a:r>
+                      <a:r>
+                        <a:rPr lang="en-US" sz="1600" dirty="0"/>
+                        <a:t> (</a:t>
+                      </a:r>
+                      <a:r>
+                        <a:rPr lang="en-US" sz="1600" i="1" dirty="0" err="1"/>
+                        <a:t>g,l,s</a:t>
+                      </a:r>
+                      <a:r>
+                        <a:rPr lang="en-US" sz="1600" dirty="0"/>
+                        <a:t>) + </a:t>
+                      </a:r>
+                      <a:r>
+                        <a:rPr lang="en-US" sz="1600" dirty="0">
+                          <a:solidFill>
+                            <a:srgbClr val="0070C0"/>
+                          </a:solidFill>
+                        </a:rPr>
+                        <a:t>Oxygen</a:t>
+                      </a:r>
+                      <a:r>
+                        <a:rPr lang="en-US" sz="1600" dirty="0"/>
+                        <a:t> (</a:t>
+                      </a:r>
+                      <a:r>
+                        <a:rPr lang="en-US" sz="1600" i="1" dirty="0"/>
+                        <a:t>g</a:t>
+                      </a:r>
+                      <a:r>
+                        <a:rPr lang="en-US" sz="1600" dirty="0"/>
+                        <a:t>)</a:t>
+                      </a:r>
+                    </a:p>
+                  </a:txBody>
+                  <a:tcPr/>
+                </a:tc>
+                <a:tc>
+                  <a:txBody>
+                    <a:bodyPr/>
+                    <a:lstStyle/>
+                    <a:p>
+                      <a:r>
+                        <a:rPr lang="en-US" sz="1600" dirty="0">
+                          <a:sym typeface="Wingdings" panose="05000000000000000000" pitchFamily="2" charset="2"/>
+                        </a:rPr>
+                        <a:t></a:t>
+                      </a:r>
+                      <a:endParaRPr lang="en-US" sz="1600" dirty="0"/>
+                    </a:p>
+                  </a:txBody>
+                  <a:tcPr/>
+                </a:tc>
+                <a:tc>
+                  <a:txBody>
+                    <a:bodyPr/>
+                    <a:lstStyle/>
+                    <a:p>
+                      <a:pPr marL="0" marR="0" lvl="0" indent="0" algn="l" defTabSz="914400" rtl="0" eaLnBrk="1" fontAlgn="auto" latinLnBrk="0" hangingPunct="1">
+                        <a:lnSpc>
+                          <a:spcPct val="100000"/>
+                        </a:lnSpc>
+                        <a:spcBef>
+                          <a:spcPts val="0"/>
+                        </a:spcBef>
+                        <a:spcAft>
+                          <a:spcPts val="0"/>
+                        </a:spcAft>
+                        <a:buClrTx/>
+                        <a:buSzTx/>
+                        <a:buFontTx/>
+                        <a:buNone/>
+                        <a:tabLst/>
+                        <a:defRPr/>
+                      </a:pPr>
+                      <a:r>
+                        <a:rPr lang="en-US" sz="1600" dirty="0">
+                          <a:solidFill>
+                            <a:srgbClr val="0070C0"/>
+                          </a:solidFill>
+                          <a:sym typeface="Wingdings" panose="05000000000000000000" pitchFamily="2" charset="2"/>
+                        </a:rPr>
+                        <a:t>Carbon Dioxide </a:t>
+                      </a:r>
+                      <a:r>
+                        <a:rPr lang="en-US" sz="1600" dirty="0">
+                          <a:sym typeface="Wingdings" panose="05000000000000000000" pitchFamily="2" charset="2"/>
+                        </a:rPr>
+                        <a:t>(</a:t>
+                      </a:r>
+                      <a:r>
+                        <a:rPr lang="en-US" sz="1600" i="1" dirty="0">
+                          <a:sym typeface="Wingdings" panose="05000000000000000000" pitchFamily="2" charset="2"/>
+                        </a:rPr>
+                        <a:t>g</a:t>
+                      </a:r>
+                      <a:r>
+                        <a:rPr lang="en-US" sz="1600" dirty="0">
+                          <a:sym typeface="Wingdings" panose="05000000000000000000" pitchFamily="2" charset="2"/>
+                        </a:rPr>
+                        <a:t>) + </a:t>
+                      </a:r>
+                      <a:r>
+                        <a:rPr lang="en-US" sz="1600" dirty="0">
+                          <a:solidFill>
+                            <a:srgbClr val="0070C0"/>
+                          </a:solidFill>
+                          <a:sym typeface="Wingdings" panose="05000000000000000000" pitchFamily="2" charset="2"/>
+                        </a:rPr>
+                        <a:t>Water</a:t>
+                      </a:r>
+                      <a:r>
+                        <a:rPr lang="en-US" sz="1600" dirty="0">
+                          <a:sym typeface="Wingdings" panose="05000000000000000000" pitchFamily="2" charset="2"/>
+                        </a:rPr>
+                        <a:t> (</a:t>
+                      </a:r>
+                      <a:r>
+                        <a:rPr lang="en-US" sz="1600" i="1" dirty="0">
+                          <a:sym typeface="Wingdings" panose="05000000000000000000" pitchFamily="2" charset="2"/>
+                        </a:rPr>
+                        <a:t>g</a:t>
+                      </a:r>
+                      <a:r>
+                        <a:rPr lang="en-US" sz="1600" dirty="0">
+                          <a:sym typeface="Wingdings" panose="05000000000000000000" pitchFamily="2" charset="2"/>
+                        </a:rPr>
+                        <a:t>)</a:t>
+                      </a:r>
+                      <a:endParaRPr lang="en-US" sz="1600" dirty="0"/>
+                    </a:p>
+                  </a:txBody>
+                  <a:tcPr/>
+                </a:tc>
+                <a:extLst>
+                  <a:ext uri="{0D108BD9-81ED-4DB2-BD59-A6C34878D82A}">
+                    <a16:rowId xmlns:a16="http://schemas.microsoft.com/office/drawing/2014/main" val="3957596281"/>
+                  </a:ext>
+                </a:extLst>
+              </a:tr>
+              <a:tr h="370840">
+                <a:tc>
+                  <a:txBody>
+                    <a:bodyPr/>
+                    <a:lstStyle/>
+                    <a:p>
+                      <a:pPr marL="0" marR="0" lvl="0" indent="0" algn="r" defTabSz="914400" rtl="0" eaLnBrk="1" fontAlgn="auto" latinLnBrk="0" hangingPunct="1">
+                        <a:lnSpc>
+                          <a:spcPct val="100000"/>
+                        </a:lnSpc>
+                        <a:spcBef>
+                          <a:spcPts val="0"/>
+                        </a:spcBef>
+                        <a:spcAft>
+                          <a:spcPts val="0"/>
+                        </a:spcAft>
+                        <a:buClrTx/>
+                        <a:buSzTx/>
+                        <a:buFontTx/>
+                        <a:buNone/>
+                        <a:tabLst/>
+                        <a:defRPr/>
+                      </a:pPr>
+                      <a:r>
+                        <a:rPr lang="en-US" sz="1800" dirty="0">
+                          <a:sym typeface="Wingdings" panose="05000000000000000000" pitchFamily="2" charset="2"/>
+                        </a:rPr>
+                        <a:t>C</a:t>
+                      </a:r>
+                      <a:r>
+                        <a:rPr lang="en-US" sz="1800" baseline="-25000" dirty="0">
+                          <a:sym typeface="Wingdings" panose="05000000000000000000" pitchFamily="2" charset="2"/>
+                        </a:rPr>
+                        <a:t>2</a:t>
+                      </a:r>
+                      <a:r>
+                        <a:rPr lang="en-US" sz="1800" dirty="0">
+                          <a:sym typeface="Wingdings" panose="05000000000000000000" pitchFamily="2" charset="2"/>
+                        </a:rPr>
+                        <a:t>H</a:t>
+                      </a:r>
+                      <a:r>
+                        <a:rPr lang="en-US" sz="1800" baseline="-25000" dirty="0">
+                          <a:sym typeface="Wingdings" panose="05000000000000000000" pitchFamily="2" charset="2"/>
+                        </a:rPr>
+                        <a:t>4</a:t>
+                      </a:r>
+                      <a:r>
+                        <a:rPr lang="en-US" sz="1800" dirty="0">
+                          <a:sym typeface="Wingdings" panose="05000000000000000000" pitchFamily="2" charset="2"/>
+                        </a:rPr>
+                        <a:t> (</a:t>
+                      </a:r>
+                      <a:r>
+                        <a:rPr lang="en-US" sz="1800" i="1" dirty="0">
+                          <a:sym typeface="Wingdings" panose="05000000000000000000" pitchFamily="2" charset="2"/>
+                        </a:rPr>
+                        <a:t>g</a:t>
+                      </a:r>
+                      <a:r>
+                        <a:rPr lang="en-US" sz="1800" dirty="0">
+                          <a:sym typeface="Wingdings" panose="05000000000000000000" pitchFamily="2" charset="2"/>
+                        </a:rPr>
+                        <a:t>) + 3 O</a:t>
+                      </a:r>
+                      <a:r>
+                        <a:rPr lang="en-US" sz="1800" baseline="-25000" dirty="0">
+                          <a:sym typeface="Wingdings" panose="05000000000000000000" pitchFamily="2" charset="2"/>
+                        </a:rPr>
+                        <a:t>2</a:t>
+                      </a:r>
+                      <a:r>
+                        <a:rPr lang="en-US" sz="1800" dirty="0">
+                          <a:sym typeface="Wingdings" panose="05000000000000000000" pitchFamily="2" charset="2"/>
+                        </a:rPr>
+                        <a:t> (</a:t>
+                      </a:r>
+                      <a:r>
+                        <a:rPr lang="en-US" sz="1800" i="1" dirty="0">
+                          <a:sym typeface="Wingdings" panose="05000000000000000000" pitchFamily="2" charset="2"/>
+                        </a:rPr>
+                        <a:t>g</a:t>
+                      </a:r>
+                      <a:r>
+                        <a:rPr lang="en-US" sz="1800" dirty="0">
+                          <a:sym typeface="Wingdings" panose="05000000000000000000" pitchFamily="2" charset="2"/>
+                        </a:rPr>
+                        <a:t>)</a:t>
+                      </a:r>
+                      <a:endParaRPr lang="en-US" dirty="0"/>
+                    </a:p>
+                  </a:txBody>
+                  <a:tcPr/>
+                </a:tc>
+                <a:tc>
+                  <a:txBody>
+                    <a:bodyPr/>
+                    <a:lstStyle/>
+                    <a:p>
+                      <a:pPr marL="0" marR="0" lvl="0" indent="0" algn="l" defTabSz="914400" rtl="0" eaLnBrk="1" fontAlgn="auto" latinLnBrk="0" hangingPunct="1">
+                        <a:lnSpc>
+                          <a:spcPct val="100000"/>
+                        </a:lnSpc>
+                        <a:spcBef>
+                          <a:spcPts val="0"/>
+                        </a:spcBef>
+                        <a:spcAft>
+                          <a:spcPts val="0"/>
+                        </a:spcAft>
+                        <a:buClrTx/>
+                        <a:buSzTx/>
+                        <a:buFontTx/>
+                        <a:buNone/>
+                        <a:tabLst/>
+                        <a:defRPr/>
+                      </a:pPr>
+                      <a:r>
+                        <a:rPr lang="en-US" sz="1800" dirty="0">
+                          <a:sym typeface="Wingdings" panose="05000000000000000000" pitchFamily="2" charset="2"/>
+                        </a:rPr>
+                        <a:t></a:t>
+                      </a:r>
+                      <a:endParaRPr lang="en-US" dirty="0"/>
+                    </a:p>
+                  </a:txBody>
+                  <a:tcPr/>
+                </a:tc>
+                <a:tc>
+                  <a:txBody>
+                    <a:bodyPr/>
+                    <a:lstStyle/>
+                    <a:p>
+                      <a:pPr marL="0" marR="0" lvl="0" indent="0" algn="l" defTabSz="914400" rtl="0" eaLnBrk="1" fontAlgn="auto" latinLnBrk="0" hangingPunct="1">
+                        <a:lnSpc>
+                          <a:spcPct val="100000"/>
+                        </a:lnSpc>
+                        <a:spcBef>
+                          <a:spcPts val="0"/>
+                        </a:spcBef>
+                        <a:spcAft>
+                          <a:spcPts val="0"/>
+                        </a:spcAft>
+                        <a:buClrTx/>
+                        <a:buSzTx/>
+                        <a:buFontTx/>
+                        <a:buNone/>
+                        <a:tabLst/>
+                        <a:defRPr/>
+                      </a:pPr>
+                      <a:r>
+                        <a:rPr lang="en-US" sz="1800" dirty="0">
+                          <a:sym typeface="Wingdings" panose="05000000000000000000" pitchFamily="2" charset="2"/>
+                        </a:rPr>
+                        <a:t>2 CO</a:t>
+                      </a:r>
+                      <a:r>
+                        <a:rPr lang="en-US" sz="1800" baseline="-25000" dirty="0">
+                          <a:sym typeface="Wingdings" panose="05000000000000000000" pitchFamily="2" charset="2"/>
+                        </a:rPr>
+                        <a:t>2</a:t>
+                      </a:r>
+                      <a:r>
+                        <a:rPr lang="en-US" sz="1800" dirty="0">
+                          <a:sym typeface="Wingdings" panose="05000000000000000000" pitchFamily="2" charset="2"/>
+                        </a:rPr>
+                        <a:t> (</a:t>
+                      </a:r>
+                      <a:r>
+                        <a:rPr lang="en-US" sz="1800" i="1" dirty="0">
+                          <a:sym typeface="Wingdings" panose="05000000000000000000" pitchFamily="2" charset="2"/>
+                        </a:rPr>
+                        <a:t>g</a:t>
+                      </a:r>
+                      <a:r>
+                        <a:rPr lang="en-US" sz="1800" dirty="0">
+                          <a:sym typeface="Wingdings" panose="05000000000000000000" pitchFamily="2" charset="2"/>
+                        </a:rPr>
+                        <a:t>) + 2 H</a:t>
+                      </a:r>
+                      <a:r>
+                        <a:rPr lang="en-US" sz="1800" baseline="-25000" dirty="0">
+                          <a:sym typeface="Wingdings" panose="05000000000000000000" pitchFamily="2" charset="2"/>
+                        </a:rPr>
+                        <a:t>2</a:t>
+                      </a:r>
+                      <a:r>
+                        <a:rPr lang="en-US" sz="1800" dirty="0">
+                          <a:sym typeface="Wingdings" panose="05000000000000000000" pitchFamily="2" charset="2"/>
+                        </a:rPr>
+                        <a:t>O (</a:t>
+                      </a:r>
+                      <a:r>
+                        <a:rPr lang="en-US" sz="1800" i="1" dirty="0">
+                          <a:sym typeface="Wingdings" panose="05000000000000000000" pitchFamily="2" charset="2"/>
+                        </a:rPr>
+                        <a:t>g</a:t>
+                      </a:r>
+                      <a:r>
+                        <a:rPr lang="en-US" sz="1800" dirty="0">
+                          <a:sym typeface="Wingdings" panose="05000000000000000000" pitchFamily="2" charset="2"/>
+                        </a:rPr>
+                        <a:t>)</a:t>
+                      </a:r>
+                      <a:endParaRPr lang="en-US" dirty="0"/>
+                    </a:p>
+                  </a:txBody>
+                  <a:tcPr/>
+                </a:tc>
+                <a:extLst>
+                  <a:ext uri="{0D108BD9-81ED-4DB2-BD59-A6C34878D82A}">
+                    <a16:rowId xmlns:a16="http://schemas.microsoft.com/office/drawing/2014/main" val="1610164329"/>
+                  </a:ext>
+                </a:extLst>
+              </a:tr>
+              <a:tr h="370840">
+                <a:tc>
+                  <a:txBody>
+                    <a:bodyPr/>
+                    <a:lstStyle/>
+                    <a:p>
+                      <a:pPr algn="r"/>
+                      <a:r>
+                        <a:rPr lang="en-US" sz="1600" dirty="0">
+                          <a:solidFill>
+                            <a:srgbClr val="0070C0"/>
+                          </a:solidFill>
+                        </a:rPr>
+                        <a:t>Metal</a:t>
+                      </a:r>
+                      <a:r>
+                        <a:rPr lang="en-US" sz="1600" dirty="0"/>
+                        <a:t> (</a:t>
+                      </a:r>
+                      <a:r>
+                        <a:rPr lang="en-US" sz="1600" i="1" dirty="0"/>
+                        <a:t>s</a:t>
+                      </a:r>
+                      <a:r>
+                        <a:rPr lang="en-US" sz="1600" dirty="0"/>
+                        <a:t>) + </a:t>
+                      </a:r>
+                      <a:r>
+                        <a:rPr lang="en-US" sz="1600" dirty="0">
+                          <a:solidFill>
+                            <a:srgbClr val="0070C0"/>
+                          </a:solidFill>
+                        </a:rPr>
+                        <a:t>Oxygen</a:t>
+                      </a:r>
+                      <a:r>
+                        <a:rPr lang="en-US" sz="1600" dirty="0"/>
+                        <a:t> (</a:t>
+                      </a:r>
+                      <a:r>
+                        <a:rPr lang="en-US" sz="1600" i="1" dirty="0"/>
+                        <a:t>g</a:t>
+                      </a:r>
+                      <a:r>
+                        <a:rPr lang="en-US" sz="1600" dirty="0"/>
+                        <a:t>)</a:t>
+                      </a:r>
+                    </a:p>
+                  </a:txBody>
+                  <a:tcPr/>
+                </a:tc>
+                <a:tc>
+                  <a:txBody>
+                    <a:bodyPr/>
+                    <a:lstStyle/>
+                    <a:p>
+                      <a:r>
+                        <a:rPr lang="en-US" sz="1600" dirty="0">
+                          <a:sym typeface="Wingdings" panose="05000000000000000000" pitchFamily="2" charset="2"/>
+                        </a:rPr>
+                        <a:t></a:t>
+                      </a:r>
+                      <a:endParaRPr lang="en-US" sz="1600" dirty="0"/>
+                    </a:p>
+                  </a:txBody>
+                  <a:tcPr/>
+                </a:tc>
+                <a:tc>
+                  <a:txBody>
+                    <a:bodyPr/>
+                    <a:lstStyle/>
+                    <a:p>
+                      <a:pPr marL="0" marR="0" lvl="0" indent="0" algn="l" defTabSz="914400" rtl="0" eaLnBrk="1" fontAlgn="auto" latinLnBrk="0" hangingPunct="1">
+                        <a:lnSpc>
+                          <a:spcPct val="100000"/>
+                        </a:lnSpc>
+                        <a:spcBef>
+                          <a:spcPts val="0"/>
+                        </a:spcBef>
+                        <a:spcAft>
+                          <a:spcPts val="0"/>
+                        </a:spcAft>
+                        <a:buClrTx/>
+                        <a:buSzTx/>
+                        <a:buFontTx/>
+                        <a:buNone/>
+                        <a:tabLst/>
+                        <a:defRPr/>
+                      </a:pPr>
+                      <a:r>
+                        <a:rPr lang="en-US" sz="1600" dirty="0">
+                          <a:solidFill>
+                            <a:srgbClr val="0070C0"/>
+                          </a:solidFill>
+                          <a:sym typeface="Wingdings" panose="05000000000000000000" pitchFamily="2" charset="2"/>
+                        </a:rPr>
+                        <a:t>Metal Oxide </a:t>
+                      </a:r>
+                      <a:r>
+                        <a:rPr lang="en-US" sz="1600" dirty="0">
+                          <a:sym typeface="Wingdings" panose="05000000000000000000" pitchFamily="2" charset="2"/>
+                        </a:rPr>
+                        <a:t>(</a:t>
+                      </a:r>
+                      <a:r>
+                        <a:rPr lang="en-US" sz="1600" i="1" dirty="0">
+                          <a:sym typeface="Wingdings" panose="05000000000000000000" pitchFamily="2" charset="2"/>
+                        </a:rPr>
+                        <a:t>s</a:t>
+                      </a:r>
+                      <a:r>
+                        <a:rPr lang="en-US" sz="1600" dirty="0">
+                          <a:sym typeface="Wingdings" panose="05000000000000000000" pitchFamily="2" charset="2"/>
+                        </a:rPr>
+                        <a:t>)</a:t>
+                      </a:r>
+                      <a:endParaRPr lang="en-US" sz="1600" dirty="0"/>
+                    </a:p>
+                  </a:txBody>
+                  <a:tcPr/>
+                </a:tc>
+                <a:extLst>
+                  <a:ext uri="{0D108BD9-81ED-4DB2-BD59-A6C34878D82A}">
+                    <a16:rowId xmlns:a16="http://schemas.microsoft.com/office/drawing/2014/main" val="2404111575"/>
+                  </a:ext>
+                </a:extLst>
+              </a:tr>
+              <a:tr h="370840">
+                <a:tc>
+                  <a:txBody>
+                    <a:bodyPr/>
+                    <a:lstStyle/>
+                    <a:p>
+                      <a:pPr marL="0" marR="0" lvl="0" indent="0" algn="r" defTabSz="914400" rtl="0" eaLnBrk="1" fontAlgn="auto" latinLnBrk="0" hangingPunct="1">
+                        <a:lnSpc>
+                          <a:spcPct val="100000"/>
+                        </a:lnSpc>
+                        <a:spcBef>
+                          <a:spcPts val="0"/>
+                        </a:spcBef>
+                        <a:spcAft>
+                          <a:spcPts val="0"/>
+                        </a:spcAft>
+                        <a:buClrTx/>
+                        <a:buSzTx/>
+                        <a:buFontTx/>
+                        <a:buNone/>
+                        <a:tabLst/>
+                        <a:defRPr/>
+                      </a:pPr>
+                      <a:r>
+                        <a:rPr lang="en-US" sz="1800" dirty="0">
+                          <a:sym typeface="Wingdings" panose="05000000000000000000" pitchFamily="2" charset="2"/>
+                        </a:rPr>
+                        <a:t>2 K (</a:t>
+                      </a:r>
+                      <a:r>
+                        <a:rPr lang="en-US" sz="1800" i="1" dirty="0">
+                          <a:sym typeface="Wingdings" panose="05000000000000000000" pitchFamily="2" charset="2"/>
+                        </a:rPr>
+                        <a:t>s</a:t>
+                      </a:r>
+                      <a:r>
+                        <a:rPr lang="en-US" sz="1800" dirty="0">
+                          <a:sym typeface="Wingdings" panose="05000000000000000000" pitchFamily="2" charset="2"/>
+                        </a:rPr>
+                        <a:t>) + O</a:t>
+                      </a:r>
+                      <a:r>
+                        <a:rPr lang="en-US" sz="1800" baseline="-25000" dirty="0">
+                          <a:sym typeface="Wingdings" panose="05000000000000000000" pitchFamily="2" charset="2"/>
+                        </a:rPr>
+                        <a:t>2</a:t>
+                      </a:r>
+                      <a:r>
+                        <a:rPr lang="en-US" sz="1800" dirty="0">
+                          <a:sym typeface="Wingdings" panose="05000000000000000000" pitchFamily="2" charset="2"/>
+                        </a:rPr>
+                        <a:t> (</a:t>
+                      </a:r>
+                      <a:r>
+                        <a:rPr lang="en-US" sz="1800" i="1" dirty="0">
+                          <a:sym typeface="Wingdings" panose="05000000000000000000" pitchFamily="2" charset="2"/>
+                        </a:rPr>
+                        <a:t>g</a:t>
+                      </a:r>
+                      <a:r>
+                        <a:rPr lang="en-US" sz="1800" dirty="0">
+                          <a:sym typeface="Wingdings" panose="05000000000000000000" pitchFamily="2" charset="2"/>
+                        </a:rPr>
+                        <a:t>)</a:t>
+                      </a:r>
+                      <a:endParaRPr lang="en-US" dirty="0"/>
+                    </a:p>
+                  </a:txBody>
+                  <a:tcPr/>
+                </a:tc>
+                <a:tc>
+                  <a:txBody>
+                    <a:bodyPr/>
+                    <a:lstStyle/>
+                    <a:p>
+                      <a:pPr marL="0" marR="0" lvl="0" indent="0" algn="l" defTabSz="914400" rtl="0" eaLnBrk="1" fontAlgn="auto" latinLnBrk="0" hangingPunct="1">
+                        <a:lnSpc>
+                          <a:spcPct val="100000"/>
+                        </a:lnSpc>
+                        <a:spcBef>
+                          <a:spcPts val="0"/>
+                        </a:spcBef>
+                        <a:spcAft>
+                          <a:spcPts val="0"/>
+                        </a:spcAft>
+                        <a:buClrTx/>
+                        <a:buSzTx/>
+                        <a:buFontTx/>
+                        <a:buNone/>
+                        <a:tabLst/>
+                        <a:defRPr/>
+                      </a:pPr>
+                      <a:r>
+                        <a:rPr lang="en-US" sz="1800" dirty="0">
+                          <a:sym typeface="Wingdings" panose="05000000000000000000" pitchFamily="2" charset="2"/>
+                        </a:rPr>
+                        <a:t></a:t>
+                      </a:r>
+                      <a:endParaRPr lang="en-US" dirty="0"/>
+                    </a:p>
+                  </a:txBody>
+                  <a:tcPr/>
+                </a:tc>
+                <a:tc>
+                  <a:txBody>
+                    <a:bodyPr/>
+                    <a:lstStyle/>
+                    <a:p>
+                      <a:pPr marL="0" marR="0" lvl="0" indent="0" algn="l" defTabSz="914400" rtl="0" eaLnBrk="1" fontAlgn="auto" latinLnBrk="0" hangingPunct="1">
+                        <a:lnSpc>
+                          <a:spcPct val="100000"/>
+                        </a:lnSpc>
+                        <a:spcBef>
+                          <a:spcPts val="0"/>
+                        </a:spcBef>
+                        <a:spcAft>
+                          <a:spcPts val="0"/>
+                        </a:spcAft>
+                        <a:buClrTx/>
+                        <a:buSzTx/>
+                        <a:buFontTx/>
+                        <a:buNone/>
+                        <a:tabLst/>
+                        <a:defRPr/>
+                      </a:pPr>
+                      <a:r>
+                        <a:rPr lang="en-US" dirty="0"/>
+                        <a:t>K</a:t>
+                      </a:r>
+                      <a:r>
+                        <a:rPr lang="en-US" baseline="-25000" dirty="0"/>
+                        <a:t>2</a:t>
+                      </a:r>
+                      <a:r>
+                        <a:rPr lang="en-US" dirty="0"/>
+                        <a:t>O (</a:t>
+                      </a:r>
+                      <a:r>
+                        <a:rPr lang="en-US" i="1" dirty="0"/>
+                        <a:t>s</a:t>
+                      </a:r>
+                      <a:r>
+                        <a:rPr lang="en-US" dirty="0"/>
+                        <a:t>)</a:t>
+                      </a:r>
+                    </a:p>
+                  </a:txBody>
+                  <a:tcPr/>
+                </a:tc>
+                <a:extLst>
+                  <a:ext uri="{0D108BD9-81ED-4DB2-BD59-A6C34878D82A}">
+                    <a16:rowId xmlns:a16="http://schemas.microsoft.com/office/drawing/2014/main" val="2337257205"/>
+                  </a:ext>
+                </a:extLst>
+              </a:tr>
+            </a:tbl>
+          </a:graphicData>
+        </a:graphic>
+      </p:graphicFrame>
+    </p:spTree>
+    <p:extLst>
+      <p:ext uri="{BB962C8B-B14F-4D97-AF65-F5344CB8AC3E}">
+        <p14:creationId xmlns:p14="http://schemas.microsoft.com/office/powerpoint/2010/main" val="2771325715"/>
+      </p:ext>
+    </p:extLst>
+  </p:cSld>
+  <p:clrMapOvr>
+    <a:masterClrMapping/>
+  </p:clrMapOvr>
+</p:sld>
+</file>
+
+<file path=ppt/slides/slide7.xml><?xml version="1.0" encoding="utf-8"?>
 <p:sld xmlns:a="http://schemas.openxmlformats.org/drawingml/2006/main" xmlns:r="http://schemas.openxmlformats.org/officeDocument/2006/relationships" xmlns:p="http://schemas.openxmlformats.org/presentationml/2006/main">
   <p:cSld>
     <p:spTree>
@@ -11472,32 +16071,96 @@
       </p:sp>
       <p:pic>
         <p:nvPicPr>
-          <p:cNvPr id="28" name="Picture 27">
+          <p:cNvPr id="1026" name="Picture 2" descr="Wood Test Tube Rack, 12 Tube Capacity - Premium Chemistry Lab Storage —  hBARSCI">
             <a:extLst>
               <a:ext uri="{FF2B5EF4-FFF2-40B4-BE49-F238E27FC236}">
-                <a16:creationId xmlns:a16="http://schemas.microsoft.com/office/drawing/2014/main" id="{E3D37E1F-6623-386E-390F-27A95E1D5E63}"/>
+                <a16:creationId xmlns:a16="http://schemas.microsoft.com/office/drawing/2014/main" id="{1CAC51D2-F082-2EA6-D8D7-D73AB6925387}"/>
               </a:ext>
             </a:extLst>
           </p:cNvPr>
           <p:cNvPicPr>
-            <a:picLocks noChangeAspect="1"/>
+            <a:picLocks noChangeAspect="1" noChangeArrowheads="1"/>
           </p:cNvPicPr>
           <p:nvPr/>
         </p:nvPicPr>
         <p:blipFill>
-          <a:blip r:embed="rId2"/>
+          <a:blip r:embed="rId2">
+            <a:extLst>
+              <a:ext uri="{28A0092B-C50C-407E-A947-70E740481C1C}">
+                <a14:useLocalDpi xmlns:a14="http://schemas.microsoft.com/office/drawing/2010/main" val="0"/>
+              </a:ext>
+            </a:extLst>
+          </a:blip>
+          <a:srcRect/>
           <a:stretch>
             <a:fillRect/>
           </a:stretch>
         </p:blipFill>
-        <p:spPr>
+        <p:spPr bwMode="auto">
           <a:xfrm>
-            <a:off x="163688" y="1073405"/>
-            <a:ext cx="8805334" cy="5661611"/>
+            <a:off x="426804" y="2082847"/>
+            <a:ext cx="4769199" cy="3918356"/>
           </a:xfrm>
           <a:prstGeom prst="rect">
             <a:avLst/>
           </a:prstGeom>
+          <a:noFill/>
+          <a:extLst>
+            <a:ext uri="{909E8E84-426E-40DD-AFC4-6F175D3DCCD1}">
+              <a14:hiddenFill xmlns:a14="http://schemas.microsoft.com/office/drawing/2010/main">
+                <a:solidFill>
+                  <a:srgbClr val="FFFFFF"/>
+                </a:solidFill>
+              </a14:hiddenFill>
+            </a:ext>
+          </a:extLst>
+        </p:spPr>
+      </p:pic>
+      <p:pic>
+        <p:nvPicPr>
+          <p:cNvPr id="1028" name="Picture 4" descr="1.7 mL Disposable Transfer Pipettes for Refractometer (100 Pack)">
+            <a:extLst>
+              <a:ext uri="{FF2B5EF4-FFF2-40B4-BE49-F238E27FC236}">
+                <a16:creationId xmlns:a16="http://schemas.microsoft.com/office/drawing/2014/main" id="{4CDC827E-D407-12EA-2C08-CDFAC9A84C0A}"/>
+              </a:ext>
+            </a:extLst>
+          </p:cNvPr>
+          <p:cNvPicPr>
+            <a:picLocks noChangeAspect="1" noChangeArrowheads="1"/>
+          </p:cNvPicPr>
+          <p:nvPr/>
+        </p:nvPicPr>
+        <p:blipFill>
+          <a:blip r:embed="rId3">
+            <a:extLst>
+              <a:ext uri="{28A0092B-C50C-407E-A947-70E740481C1C}">
+                <a14:useLocalDpi xmlns:a14="http://schemas.microsoft.com/office/drawing/2010/main" val="0"/>
+              </a:ext>
+            </a:extLst>
+          </a:blip>
+          <a:srcRect/>
+          <a:stretch>
+            <a:fillRect/>
+          </a:stretch>
+        </p:blipFill>
+        <p:spPr bwMode="auto">
+          <a:xfrm>
+            <a:off x="5482311" y="1592990"/>
+            <a:ext cx="3510649" cy="4130175"/>
+          </a:xfrm>
+          <a:prstGeom prst="rect">
+            <a:avLst/>
+          </a:prstGeom>
+          <a:noFill/>
+          <a:extLst>
+            <a:ext uri="{909E8E84-426E-40DD-AFC4-6F175D3DCCD1}">
+              <a14:hiddenFill xmlns:a14="http://schemas.microsoft.com/office/drawing/2010/main">
+                <a:solidFill>
+                  <a:srgbClr val="FFFFFF"/>
+                </a:solidFill>
+              </a14:hiddenFill>
+            </a:ext>
+          </a:extLst>
         </p:spPr>
       </p:pic>
     </p:spTree>
@@ -11513,7 +16176,418 @@
 </p:sld>
 </file>
 
-<file path=ppt/slides/slide6.xml><?xml version="1.0" encoding="utf-8"?>
+<file path=ppt/slides/slide8.xml><?xml version="1.0" encoding="utf-8"?>
+<p:sld xmlns:a="http://schemas.openxmlformats.org/drawingml/2006/main" xmlns:r="http://schemas.openxmlformats.org/officeDocument/2006/relationships" xmlns:p="http://schemas.openxmlformats.org/presentationml/2006/main">
+  <p:cSld>
+    <p:spTree>
+      <p:nvGrpSpPr>
+        <p:cNvPr id="1" name="">
+          <a:extLst>
+            <a:ext uri="{FF2B5EF4-FFF2-40B4-BE49-F238E27FC236}">
+              <a16:creationId xmlns:a16="http://schemas.microsoft.com/office/drawing/2014/main" id="{6D73DE4B-D29C-CBC6-9121-4E1A48194AC7}"/>
+            </a:ext>
+          </a:extLst>
+        </p:cNvPr>
+        <p:cNvGrpSpPr/>
+        <p:nvPr/>
+      </p:nvGrpSpPr>
+      <p:grpSpPr>
+        <a:xfrm>
+          <a:off x="0" y="0"/>
+          <a:ext cx="0" cy="0"/>
+          <a:chOff x="0" y="0"/>
+          <a:chExt cx="0" cy="0"/>
+        </a:xfrm>
+      </p:grpSpPr>
+      <p:sp>
+        <p:nvSpPr>
+          <p:cNvPr id="6" name="Content Placeholder 5">
+            <a:extLst>
+              <a:ext uri="{FF2B5EF4-FFF2-40B4-BE49-F238E27FC236}">
+                <a16:creationId xmlns:a16="http://schemas.microsoft.com/office/drawing/2014/main" id="{FE289168-F7D6-0844-CDF8-3FA6136F20C1}"/>
+              </a:ext>
+            </a:extLst>
+          </p:cNvPr>
+          <p:cNvSpPr>
+            <a:spLocks noGrp="1"/>
+          </p:cNvSpPr>
+          <p:nvPr>
+            <p:ph idx="1"/>
+          </p:nvPr>
+        </p:nvSpPr>
+        <p:spPr/>
+        <p:txBody>
+          <a:bodyPr/>
+          <a:lstStyle/>
+          <a:p>
+            <a:endParaRPr lang="en-US" dirty="0"/>
+          </a:p>
+        </p:txBody>
+      </p:sp>
+      <p:sp>
+        <p:nvSpPr>
+          <p:cNvPr id="2" name="Title 1">
+            <a:extLst>
+              <a:ext uri="{FF2B5EF4-FFF2-40B4-BE49-F238E27FC236}">
+                <a16:creationId xmlns:a16="http://schemas.microsoft.com/office/drawing/2014/main" id="{85BF4A8A-3D17-5DB2-C006-CC632EB90E0B}"/>
+              </a:ext>
+            </a:extLst>
+          </p:cNvPr>
+          <p:cNvSpPr>
+            <a:spLocks noGrp="1"/>
+          </p:cNvSpPr>
+          <p:nvPr>
+            <p:ph type="title"/>
+          </p:nvPr>
+        </p:nvSpPr>
+        <p:spPr>
+          <a:xfrm>
+            <a:off x="338666" y="122984"/>
+            <a:ext cx="8421512" cy="830997"/>
+          </a:xfrm>
+        </p:spPr>
+        <p:txBody>
+          <a:bodyPr/>
+          <a:lstStyle/>
+          <a:p>
+            <a:r>
+              <a:rPr lang="en-US" dirty="0"/>
+              <a:t>Consumables</a:t>
+            </a:r>
+          </a:p>
+        </p:txBody>
+      </p:sp>
+      <p:pic>
+        <p:nvPicPr>
+          <p:cNvPr id="2050" name="Picture 2">
+            <a:extLst>
+              <a:ext uri="{FF2B5EF4-FFF2-40B4-BE49-F238E27FC236}">
+                <a16:creationId xmlns:a16="http://schemas.microsoft.com/office/drawing/2014/main" id="{2A41929C-5117-5F35-C5E7-A30D4AE086E1}"/>
+              </a:ext>
+            </a:extLst>
+          </p:cNvPr>
+          <p:cNvPicPr>
+            <a:picLocks noChangeAspect="1" noChangeArrowheads="1"/>
+          </p:cNvPicPr>
+          <p:nvPr/>
+        </p:nvPicPr>
+        <p:blipFill>
+          <a:blip r:embed="rId2">
+            <a:extLst>
+              <a:ext uri="{28A0092B-C50C-407E-A947-70E740481C1C}">
+                <a14:useLocalDpi xmlns:a14="http://schemas.microsoft.com/office/drawing/2010/main" val="0"/>
+              </a:ext>
+            </a:extLst>
+          </a:blip>
+          <a:srcRect/>
+          <a:stretch>
+            <a:fillRect/>
+          </a:stretch>
+        </p:blipFill>
+        <p:spPr bwMode="auto">
+          <a:xfrm>
+            <a:off x="230498" y="1151163"/>
+            <a:ext cx="1930997" cy="2892879"/>
+          </a:xfrm>
+          <a:prstGeom prst="rect">
+            <a:avLst/>
+          </a:prstGeom>
+          <a:noFill/>
+          <a:extLst>
+            <a:ext uri="{909E8E84-426E-40DD-AFC4-6F175D3DCCD1}">
+              <a14:hiddenFill xmlns:a14="http://schemas.microsoft.com/office/drawing/2010/main">
+                <a:solidFill>
+                  <a:srgbClr val="FFFFFF"/>
+                </a:solidFill>
+              </a14:hiddenFill>
+            </a:ext>
+          </a:extLst>
+        </p:spPr>
+      </p:pic>
+      <p:pic>
+        <p:nvPicPr>
+          <p:cNvPr id="5" name="Picture 4">
+            <a:extLst>
+              <a:ext uri="{FF2B5EF4-FFF2-40B4-BE49-F238E27FC236}">
+                <a16:creationId xmlns:a16="http://schemas.microsoft.com/office/drawing/2014/main" id="{35A28177-8891-11DA-A901-C2E467355B10}"/>
+              </a:ext>
+            </a:extLst>
+          </p:cNvPr>
+          <p:cNvPicPr>
+            <a:picLocks noChangeAspect="1"/>
+          </p:cNvPicPr>
+          <p:nvPr/>
+        </p:nvPicPr>
+        <p:blipFill>
+          <a:blip r:embed="rId3"/>
+          <a:stretch>
+            <a:fillRect/>
+          </a:stretch>
+        </p:blipFill>
+        <p:spPr>
+          <a:xfrm>
+            <a:off x="2161495" y="1041327"/>
+            <a:ext cx="1219508" cy="3002715"/>
+          </a:xfrm>
+          <a:prstGeom prst="rect">
+            <a:avLst/>
+          </a:prstGeom>
+        </p:spPr>
+      </p:pic>
+      <p:pic>
+        <p:nvPicPr>
+          <p:cNvPr id="8" name="Picture 7">
+            <a:extLst>
+              <a:ext uri="{FF2B5EF4-FFF2-40B4-BE49-F238E27FC236}">
+                <a16:creationId xmlns:a16="http://schemas.microsoft.com/office/drawing/2014/main" id="{3858FFE2-53AB-EDB3-F97F-54F3151AAB7C}"/>
+              </a:ext>
+            </a:extLst>
+          </p:cNvPr>
+          <p:cNvPicPr>
+            <a:picLocks noChangeAspect="1"/>
+          </p:cNvPicPr>
+          <p:nvPr/>
+        </p:nvPicPr>
+        <p:blipFill>
+          <a:blip r:embed="rId4"/>
+          <a:stretch>
+            <a:fillRect/>
+          </a:stretch>
+        </p:blipFill>
+        <p:spPr>
+          <a:xfrm>
+            <a:off x="3391754" y="953981"/>
+            <a:ext cx="1083539" cy="3086100"/>
+          </a:xfrm>
+          <a:prstGeom prst="rect">
+            <a:avLst/>
+          </a:prstGeom>
+        </p:spPr>
+      </p:pic>
+      <p:pic>
+        <p:nvPicPr>
+          <p:cNvPr id="10" name="Picture 9">
+            <a:extLst>
+              <a:ext uri="{FF2B5EF4-FFF2-40B4-BE49-F238E27FC236}">
+                <a16:creationId xmlns:a16="http://schemas.microsoft.com/office/drawing/2014/main" id="{73DD306F-2093-525B-8FFF-F08184F3049E}"/>
+              </a:ext>
+            </a:extLst>
+          </p:cNvPr>
+          <p:cNvPicPr>
+            <a:picLocks noChangeAspect="1"/>
+          </p:cNvPicPr>
+          <p:nvPr/>
+        </p:nvPicPr>
+        <p:blipFill>
+          <a:blip r:embed="rId5"/>
+          <a:stretch>
+            <a:fillRect/>
+          </a:stretch>
+        </p:blipFill>
+        <p:spPr>
+          <a:xfrm>
+            <a:off x="338666" y="4044042"/>
+            <a:ext cx="1051469" cy="2716953"/>
+          </a:xfrm>
+          <a:prstGeom prst="rect">
+            <a:avLst/>
+          </a:prstGeom>
+        </p:spPr>
+      </p:pic>
+      <p:pic>
+        <p:nvPicPr>
+          <p:cNvPr id="12" name="Picture 11">
+            <a:extLst>
+              <a:ext uri="{FF2B5EF4-FFF2-40B4-BE49-F238E27FC236}">
+                <a16:creationId xmlns:a16="http://schemas.microsoft.com/office/drawing/2014/main" id="{B983D58F-C5ED-6819-42B0-7C6596950AEF}"/>
+              </a:ext>
+            </a:extLst>
+          </p:cNvPr>
+          <p:cNvPicPr>
+            <a:picLocks noChangeAspect="1"/>
+          </p:cNvPicPr>
+          <p:nvPr/>
+        </p:nvPicPr>
+        <p:blipFill>
+          <a:blip r:embed="rId6"/>
+          <a:stretch>
+            <a:fillRect/>
+          </a:stretch>
+        </p:blipFill>
+        <p:spPr>
+          <a:xfrm>
+            <a:off x="4475293" y="953981"/>
+            <a:ext cx="1086772" cy="3086100"/>
+          </a:xfrm>
+          <a:prstGeom prst="rect">
+            <a:avLst/>
+          </a:prstGeom>
+        </p:spPr>
+      </p:pic>
+      <p:pic>
+        <p:nvPicPr>
+          <p:cNvPr id="14" name="Picture 13">
+            <a:extLst>
+              <a:ext uri="{FF2B5EF4-FFF2-40B4-BE49-F238E27FC236}">
+                <a16:creationId xmlns:a16="http://schemas.microsoft.com/office/drawing/2014/main" id="{70EC6A6A-1B12-705B-9A88-33B5F10C4243}"/>
+              </a:ext>
+            </a:extLst>
+          </p:cNvPr>
+          <p:cNvPicPr>
+            <a:picLocks noChangeAspect="1"/>
+          </p:cNvPicPr>
+          <p:nvPr/>
+        </p:nvPicPr>
+        <p:blipFill>
+          <a:blip r:embed="rId7"/>
+          <a:stretch>
+            <a:fillRect/>
+          </a:stretch>
+        </p:blipFill>
+        <p:spPr>
+          <a:xfrm>
+            <a:off x="5548264" y="937724"/>
+            <a:ext cx="1097340" cy="3102357"/>
+          </a:xfrm>
+          <a:prstGeom prst="rect">
+            <a:avLst/>
+          </a:prstGeom>
+        </p:spPr>
+      </p:pic>
+      <p:pic>
+        <p:nvPicPr>
+          <p:cNvPr id="16" name="Picture 15">
+            <a:extLst>
+              <a:ext uri="{FF2B5EF4-FFF2-40B4-BE49-F238E27FC236}">
+                <a16:creationId xmlns:a16="http://schemas.microsoft.com/office/drawing/2014/main" id="{2F9C0E3B-E71C-84C0-1ECA-47609DBFC1F1}"/>
+              </a:ext>
+            </a:extLst>
+          </p:cNvPr>
+          <p:cNvPicPr>
+            <a:picLocks noChangeAspect="1"/>
+          </p:cNvPicPr>
+          <p:nvPr/>
+        </p:nvPicPr>
+        <p:blipFill>
+          <a:blip r:embed="rId8"/>
+          <a:stretch>
+            <a:fillRect/>
+          </a:stretch>
+        </p:blipFill>
+        <p:spPr>
+          <a:xfrm>
+            <a:off x="6645604" y="937724"/>
+            <a:ext cx="2406584" cy="2169457"/>
+          </a:xfrm>
+          <a:prstGeom prst="rect">
+            <a:avLst/>
+          </a:prstGeom>
+        </p:spPr>
+      </p:pic>
+      <p:pic>
+        <p:nvPicPr>
+          <p:cNvPr id="18" name="Picture 17">
+            <a:extLst>
+              <a:ext uri="{FF2B5EF4-FFF2-40B4-BE49-F238E27FC236}">
+                <a16:creationId xmlns:a16="http://schemas.microsoft.com/office/drawing/2014/main" id="{AC4FB351-6B0D-227A-9E5E-23D63C036DA4}"/>
+              </a:ext>
+            </a:extLst>
+          </p:cNvPr>
+          <p:cNvPicPr>
+            <a:picLocks noChangeAspect="1"/>
+          </p:cNvPicPr>
+          <p:nvPr/>
+        </p:nvPicPr>
+        <p:blipFill>
+          <a:blip r:embed="rId9"/>
+          <a:stretch>
+            <a:fillRect/>
+          </a:stretch>
+        </p:blipFill>
+        <p:spPr>
+          <a:xfrm>
+            <a:off x="7742945" y="3107181"/>
+            <a:ext cx="1309244" cy="3580838"/>
+          </a:xfrm>
+          <a:prstGeom prst="rect">
+            <a:avLst/>
+          </a:prstGeom>
+        </p:spPr>
+      </p:pic>
+      <p:pic>
+        <p:nvPicPr>
+          <p:cNvPr id="20" name="Picture 19">
+            <a:extLst>
+              <a:ext uri="{FF2B5EF4-FFF2-40B4-BE49-F238E27FC236}">
+                <a16:creationId xmlns:a16="http://schemas.microsoft.com/office/drawing/2014/main" id="{54EF7203-814B-FFF3-4D7D-88AE499C1F82}"/>
+              </a:ext>
+            </a:extLst>
+          </p:cNvPr>
+          <p:cNvPicPr>
+            <a:picLocks noChangeAspect="1"/>
+          </p:cNvPicPr>
+          <p:nvPr/>
+        </p:nvPicPr>
+        <p:blipFill>
+          <a:blip r:embed="rId10"/>
+          <a:stretch>
+            <a:fillRect/>
+          </a:stretch>
+        </p:blipFill>
+        <p:spPr>
+          <a:xfrm>
+            <a:off x="1498303" y="4040081"/>
+            <a:ext cx="1309244" cy="2700636"/>
+          </a:xfrm>
+          <a:prstGeom prst="rect">
+            <a:avLst/>
+          </a:prstGeom>
+        </p:spPr>
+      </p:pic>
+      <p:pic>
+        <p:nvPicPr>
+          <p:cNvPr id="26" name="Picture 25">
+            <a:extLst>
+              <a:ext uri="{FF2B5EF4-FFF2-40B4-BE49-F238E27FC236}">
+                <a16:creationId xmlns:a16="http://schemas.microsoft.com/office/drawing/2014/main" id="{715B8EE7-C1BB-DBCB-4342-D38085B7FC3C}"/>
+              </a:ext>
+            </a:extLst>
+          </p:cNvPr>
+          <p:cNvPicPr>
+            <a:picLocks noChangeAspect="1"/>
+          </p:cNvPicPr>
+          <p:nvPr/>
+        </p:nvPicPr>
+        <p:blipFill>
+          <a:blip r:embed="rId11"/>
+          <a:stretch>
+            <a:fillRect/>
+          </a:stretch>
+        </p:blipFill>
+        <p:spPr>
+          <a:xfrm>
+            <a:off x="3311413" y="4272799"/>
+            <a:ext cx="3979294" cy="2415220"/>
+          </a:xfrm>
+          <a:prstGeom prst="rect">
+            <a:avLst/>
+          </a:prstGeom>
+        </p:spPr>
+      </p:pic>
+    </p:spTree>
+    <p:extLst>
+      <p:ext uri="{BB962C8B-B14F-4D97-AF65-F5344CB8AC3E}">
+        <p14:creationId xmlns:p14="http://schemas.microsoft.com/office/powerpoint/2010/main" val="2033619329"/>
+      </p:ext>
+    </p:extLst>
+  </p:cSld>
+  <p:clrMapOvr>
+    <a:masterClrMapping/>
+  </p:clrMapOvr>
+</p:sld>
+</file>
+
+<file path=ppt/slides/slide9.xml><?xml version="1.0" encoding="utf-8"?>
 <p:sld xmlns:a="http://schemas.openxmlformats.org/drawingml/2006/main" xmlns:r="http://schemas.openxmlformats.org/officeDocument/2006/relationships" xmlns:p="http://schemas.openxmlformats.org/presentationml/2006/main">
   <p:cSld>
     <p:spTree>
@@ -11595,67 +16669,41 @@
           <a:bodyPr/>
           <a:lstStyle/>
           <a:p>
-            <a:pPr marL="0" indent="0">
-              <a:buNone/>
-            </a:pPr>
-            <a:r>
-              <a:rPr lang="en-US" sz="2800" i="1" dirty="0">
-                <a:solidFill>
-                  <a:srgbClr val="00FF00"/>
-                </a:solidFill>
-              </a:rPr>
-              <a:t>Cleaning the Crucible</a:t>
-            </a:r>
-          </a:p>
-          <a:p>
-            <a:pPr marL="457200" indent="-457200">
-              <a:buFont typeface="+mj-lt"/>
-              <a:buAutoNum type="arabicPeriod"/>
-            </a:pPr>
-            <a:r>
-              <a:rPr lang="en-US" sz="2800" dirty="0"/>
-              <a:t>If crucible dirty, use small steel wool piece to scrape out solids. Wipe with dry paper towel</a:t>
-            </a:r>
-          </a:p>
-          <a:p>
-            <a:pPr marL="457200" indent="-457200">
-              <a:buFont typeface="+mj-lt"/>
-              <a:buAutoNum type="arabicPeriod"/>
-            </a:pPr>
-            <a:r>
-              <a:rPr lang="en-US" sz="2800" dirty="0"/>
-              <a:t>Put crucible on stand and heat with blue-coned flame until slightly red hot</a:t>
-            </a:r>
-          </a:p>
-          <a:p>
-            <a:pPr marL="457200" indent="-457200">
-              <a:buFont typeface="+mj-lt"/>
-              <a:buAutoNum type="arabicPeriod"/>
-            </a:pPr>
-            <a:r>
-              <a:rPr lang="en-US" sz="2800" dirty="0"/>
-              <a:t>Use tongs to set crucible on wire mesh and let cool to room temperature (~5 minutes)</a:t>
-            </a:r>
-          </a:p>
-          <a:p>
-            <a:pPr marL="0" indent="0">
-              <a:buNone/>
-            </a:pPr>
-            <a:r>
-              <a:rPr lang="en-US" sz="2800" dirty="0"/>
-              <a:t>DO NOT SET ANY </a:t>
-            </a:r>
-            <a:r>
-              <a:rPr lang="en-US" sz="3200" b="1" dirty="0">
-                <a:solidFill>
-                  <a:srgbClr val="FF0066"/>
-                </a:solidFill>
-              </a:rPr>
-              <a:t>HOT</a:t>
-            </a:r>
-            <a:r>
-              <a:rPr lang="en-US" sz="2800" dirty="0"/>
-              <a:t> CRUCIBLE ON COUNTERTOP OR ON PAPER OR THEY CAN BURN!</a:t>
+            <a:r>
+              <a:rPr lang="en-US" dirty="0"/>
+              <a:t>All reactions will be done in test tubes. Do not concern yourself with measuring out exact quantities</a:t>
+            </a:r>
+          </a:p>
+          <a:p>
+            <a:r>
+              <a:rPr lang="en-US" dirty="0"/>
+              <a:t>Consider “1 mL reagent” to ~20 </a:t>
+            </a:r>
+            <a:r>
+              <a:rPr lang="en-US" dirty="0" err="1"/>
+              <a:t>gtt</a:t>
+            </a:r>
+            <a:r>
+              <a:rPr lang="en-US" dirty="0"/>
+              <a:t> (drops) from a transfer pipet or a finger width in height in the test tube</a:t>
+            </a:r>
+          </a:p>
+          <a:p>
+            <a:r>
+              <a:rPr lang="en-US" dirty="0"/>
+              <a:t>1 g reactant is about a pea size: don’t weigh in balance</a:t>
+            </a:r>
+          </a:p>
+          <a:p>
+            <a:r>
+              <a:rPr lang="en-US" dirty="0"/>
+              <a:t>Complete the stations in any order</a:t>
+            </a:r>
+          </a:p>
+          <a:p>
+            <a:r>
+              <a:rPr lang="en-US" dirty="0"/>
+              <a:t>Waste containers are provided: do not dump in sink unless given instructions</a:t>
             </a:r>
           </a:p>
         </p:txBody>
@@ -11664,746 +16712,6 @@
     <p:extLst>
       <p:ext uri="{BB962C8B-B14F-4D97-AF65-F5344CB8AC3E}">
         <p14:creationId xmlns:p14="http://schemas.microsoft.com/office/powerpoint/2010/main" val="3952654810"/>
-      </p:ext>
-    </p:extLst>
-  </p:cSld>
-  <p:clrMapOvr>
-    <a:masterClrMapping/>
-  </p:clrMapOvr>
-</p:sld>
-</file>
-
-<file path=ppt/slides/slide7.xml><?xml version="1.0" encoding="utf-8"?>
-<p:sld xmlns:a="http://schemas.openxmlformats.org/drawingml/2006/main" xmlns:r="http://schemas.openxmlformats.org/officeDocument/2006/relationships" xmlns:p="http://schemas.openxmlformats.org/presentationml/2006/main">
-  <p:cSld>
-    <p:spTree>
-      <p:nvGrpSpPr>
-        <p:cNvPr id="1" name="">
-          <a:extLst>
-            <a:ext uri="{FF2B5EF4-FFF2-40B4-BE49-F238E27FC236}">
-              <a16:creationId xmlns:a16="http://schemas.microsoft.com/office/drawing/2014/main" id="{4EB46B47-6540-F52F-1F64-854396E70E55}"/>
-            </a:ext>
-          </a:extLst>
-        </p:cNvPr>
-        <p:cNvGrpSpPr/>
-        <p:nvPr/>
-      </p:nvGrpSpPr>
-      <p:grpSpPr>
-        <a:xfrm>
-          <a:off x="0" y="0"/>
-          <a:ext cx="0" cy="0"/>
-          <a:chOff x="0" y="0"/>
-          <a:chExt cx="0" cy="0"/>
-        </a:xfrm>
-      </p:grpSpPr>
-      <p:sp>
-        <p:nvSpPr>
-          <p:cNvPr id="2" name="Title 1">
-            <a:extLst>
-              <a:ext uri="{FF2B5EF4-FFF2-40B4-BE49-F238E27FC236}">
-                <a16:creationId xmlns:a16="http://schemas.microsoft.com/office/drawing/2014/main" id="{F6F2263F-7C9A-1678-6FE0-453CEF2400AF}"/>
-              </a:ext>
-            </a:extLst>
-          </p:cNvPr>
-          <p:cNvSpPr>
-            <a:spLocks noGrp="1"/>
-          </p:cNvSpPr>
-          <p:nvPr>
-            <p:ph type="title"/>
-          </p:nvPr>
-        </p:nvSpPr>
-        <p:spPr>
-          <a:xfrm>
-            <a:off x="338666" y="183025"/>
-            <a:ext cx="8421512" cy="769441"/>
-          </a:xfrm>
-        </p:spPr>
-        <p:txBody>
-          <a:bodyPr/>
-          <a:lstStyle/>
-          <a:p>
-            <a:r>
-              <a:rPr lang="en-US" sz="4400" dirty="0"/>
-              <a:t>Procedure</a:t>
-            </a:r>
-          </a:p>
-        </p:txBody>
-      </p:sp>
-      <p:sp>
-        <p:nvSpPr>
-          <p:cNvPr id="6" name="Content Placeholder 5">
-            <a:extLst>
-              <a:ext uri="{FF2B5EF4-FFF2-40B4-BE49-F238E27FC236}">
-                <a16:creationId xmlns:a16="http://schemas.microsoft.com/office/drawing/2014/main" id="{003BDB66-1E78-B72D-677D-D6B5050E2008}"/>
-              </a:ext>
-            </a:extLst>
-          </p:cNvPr>
-          <p:cNvSpPr>
-            <a:spLocks noGrp="1"/>
-          </p:cNvSpPr>
-          <p:nvPr>
-            <p:ph idx="1"/>
-          </p:nvPr>
-        </p:nvSpPr>
-        <p:spPr>
-          <a:xfrm>
-            <a:off x="372533" y="952466"/>
-            <a:ext cx="8387645" cy="5595089"/>
-          </a:xfrm>
-        </p:spPr>
-        <p:txBody>
-          <a:bodyPr/>
-          <a:lstStyle/>
-          <a:p>
-            <a:pPr marL="0" indent="0">
-              <a:buNone/>
-            </a:pPr>
-            <a:r>
-              <a:rPr lang="en-US" sz="2800" i="1" dirty="0">
-                <a:solidFill>
-                  <a:srgbClr val="00FF00"/>
-                </a:solidFill>
-              </a:rPr>
-              <a:t>Before Reaction</a:t>
-            </a:r>
-          </a:p>
-          <a:p>
-            <a:pPr marL="457200" indent="-457200">
-              <a:buFont typeface="+mj-lt"/>
-              <a:buAutoNum type="arabicPeriod"/>
-            </a:pPr>
-            <a:r>
-              <a:rPr lang="en-US" dirty="0"/>
-              <a:t>Determine mass of empty </a:t>
-            </a:r>
-            <a:r>
-              <a:rPr lang="en-US" dirty="0">
-                <a:solidFill>
-                  <a:schemeClr val="accent1">
-                    <a:lumMod val="60000"/>
-                    <a:lumOff val="40000"/>
-                  </a:schemeClr>
-                </a:solidFill>
-              </a:rPr>
-              <a:t>crucible</a:t>
-            </a:r>
-            <a:r>
-              <a:rPr lang="en-US" dirty="0"/>
-              <a:t> (A)</a:t>
-            </a:r>
-          </a:p>
-          <a:p>
-            <a:pPr marL="457200" indent="-457200">
-              <a:buFont typeface="+mj-lt"/>
-              <a:buAutoNum type="arabicPeriod"/>
-            </a:pPr>
-            <a:r>
-              <a:rPr lang="en-US" dirty="0"/>
-              <a:t>Get </a:t>
-            </a:r>
-            <a:r>
-              <a:rPr lang="en-US" dirty="0">
-                <a:solidFill>
-                  <a:srgbClr val="FF9933"/>
-                </a:solidFill>
-              </a:rPr>
-              <a:t>copper wire</a:t>
-            </a:r>
-            <a:r>
-              <a:rPr lang="en-US" dirty="0"/>
-              <a:t>, </a:t>
-            </a:r>
-            <a:r>
-              <a:rPr lang="en-US" dirty="0">
-                <a:solidFill>
-                  <a:srgbClr val="FFFF00"/>
-                </a:solidFill>
-              </a:rPr>
-              <a:t>coil</a:t>
-            </a:r>
-            <a:r>
-              <a:rPr lang="en-US" dirty="0"/>
-              <a:t> it to fit in </a:t>
-            </a:r>
-            <a:r>
-              <a:rPr lang="en-US" dirty="0">
-                <a:solidFill>
-                  <a:schemeClr val="accent1">
-                    <a:lumMod val="60000"/>
-                    <a:lumOff val="40000"/>
-                  </a:schemeClr>
-                </a:solidFill>
-              </a:rPr>
-              <a:t>crucible</a:t>
-            </a:r>
-            <a:r>
-              <a:rPr lang="en-US" dirty="0"/>
-              <a:t>. Record the physical properties, and then the mass of the wire in crucible (B)</a:t>
-            </a:r>
-          </a:p>
-          <a:p>
-            <a:pPr marL="457200" indent="-457200">
-              <a:buFont typeface="+mj-lt"/>
-              <a:buAutoNum type="arabicPeriod"/>
-            </a:pPr>
-            <a:r>
-              <a:rPr lang="en-US" dirty="0"/>
-              <a:t>On </a:t>
-            </a:r>
-            <a:r>
-              <a:rPr lang="en-US" dirty="0">
-                <a:solidFill>
-                  <a:schemeClr val="accent1">
-                    <a:lumMod val="60000"/>
-                    <a:lumOff val="40000"/>
-                  </a:schemeClr>
-                </a:solidFill>
-              </a:rPr>
-              <a:t>glassine paper</a:t>
-            </a:r>
-            <a:r>
-              <a:rPr lang="en-US" dirty="0"/>
-              <a:t>, use </a:t>
-            </a:r>
-            <a:r>
-              <a:rPr lang="en-US" dirty="0">
-                <a:solidFill>
-                  <a:schemeClr val="accent1">
-                    <a:lumMod val="60000"/>
-                    <a:lumOff val="40000"/>
-                  </a:schemeClr>
-                </a:solidFill>
-              </a:rPr>
-              <a:t>scoopula</a:t>
-            </a:r>
-            <a:r>
-              <a:rPr lang="en-US" dirty="0"/>
-              <a:t> to get 2-4 g </a:t>
-            </a:r>
-            <a:r>
-              <a:rPr lang="en-US" dirty="0">
-                <a:solidFill>
-                  <a:srgbClr val="FF9933"/>
-                </a:solidFill>
-              </a:rPr>
-              <a:t>sulfur</a:t>
-            </a:r>
-            <a:r>
-              <a:rPr lang="en-US" dirty="0"/>
-              <a:t>. Add to the crucible to cover the coiled wire. Record total mass in crucible (C)</a:t>
-            </a:r>
-          </a:p>
-          <a:p>
-            <a:pPr marL="0" indent="0">
-              <a:buNone/>
-            </a:pPr>
-            <a:endParaRPr lang="en-US" dirty="0"/>
-          </a:p>
-          <a:p>
-            <a:pPr marL="457200" indent="-457200">
-              <a:buFont typeface="+mj-lt"/>
-              <a:buAutoNum type="arabicPeriod"/>
-            </a:pPr>
-            <a:endParaRPr lang="en-US" dirty="0"/>
-          </a:p>
-          <a:p>
-            <a:pPr marL="457200" indent="-457200">
-              <a:buFont typeface="+mj-lt"/>
-              <a:buAutoNum type="arabicPeriod"/>
-            </a:pPr>
-            <a:endParaRPr lang="en-US" sz="2800" dirty="0"/>
-          </a:p>
-        </p:txBody>
-      </p:sp>
-    </p:spTree>
-    <p:extLst>
-      <p:ext uri="{BB962C8B-B14F-4D97-AF65-F5344CB8AC3E}">
-        <p14:creationId xmlns:p14="http://schemas.microsoft.com/office/powerpoint/2010/main" val="3789276793"/>
-      </p:ext>
-    </p:extLst>
-  </p:cSld>
-  <p:clrMapOvr>
-    <a:masterClrMapping/>
-  </p:clrMapOvr>
-</p:sld>
-</file>
-
-<file path=ppt/slides/slide8.xml><?xml version="1.0" encoding="utf-8"?>
-<p:sld xmlns:a="http://schemas.openxmlformats.org/drawingml/2006/main" xmlns:r="http://schemas.openxmlformats.org/officeDocument/2006/relationships" xmlns:p="http://schemas.openxmlformats.org/presentationml/2006/main">
-  <p:cSld>
-    <p:spTree>
-      <p:nvGrpSpPr>
-        <p:cNvPr id="1" name="">
-          <a:extLst>
-            <a:ext uri="{FF2B5EF4-FFF2-40B4-BE49-F238E27FC236}">
-              <a16:creationId xmlns:a16="http://schemas.microsoft.com/office/drawing/2014/main" id="{80032430-C568-9444-018A-4A293518DCCA}"/>
-            </a:ext>
-          </a:extLst>
-        </p:cNvPr>
-        <p:cNvGrpSpPr/>
-        <p:nvPr/>
-      </p:nvGrpSpPr>
-      <p:grpSpPr>
-        <a:xfrm>
-          <a:off x="0" y="0"/>
-          <a:ext cx="0" cy="0"/>
-          <a:chOff x="0" y="0"/>
-          <a:chExt cx="0" cy="0"/>
-        </a:xfrm>
-      </p:grpSpPr>
-      <p:sp>
-        <p:nvSpPr>
-          <p:cNvPr id="2" name="Title 1">
-            <a:extLst>
-              <a:ext uri="{FF2B5EF4-FFF2-40B4-BE49-F238E27FC236}">
-                <a16:creationId xmlns:a16="http://schemas.microsoft.com/office/drawing/2014/main" id="{8B652173-3E63-7A53-DF9E-053FCE100E99}"/>
-              </a:ext>
-            </a:extLst>
-          </p:cNvPr>
-          <p:cNvSpPr>
-            <a:spLocks noGrp="1"/>
-          </p:cNvSpPr>
-          <p:nvPr>
-            <p:ph type="title"/>
-          </p:nvPr>
-        </p:nvSpPr>
-        <p:spPr>
-          <a:xfrm>
-            <a:off x="338666" y="183025"/>
-            <a:ext cx="8421512" cy="769441"/>
-          </a:xfrm>
-        </p:spPr>
-        <p:txBody>
-          <a:bodyPr/>
-          <a:lstStyle/>
-          <a:p>
-            <a:r>
-              <a:rPr lang="en-US" sz="4400" dirty="0"/>
-              <a:t>Procedure</a:t>
-            </a:r>
-          </a:p>
-        </p:txBody>
-      </p:sp>
-      <p:sp>
-        <p:nvSpPr>
-          <p:cNvPr id="6" name="Content Placeholder 5">
-            <a:extLst>
-              <a:ext uri="{FF2B5EF4-FFF2-40B4-BE49-F238E27FC236}">
-                <a16:creationId xmlns:a16="http://schemas.microsoft.com/office/drawing/2014/main" id="{2D45A565-8AD4-F37F-9436-FAD0B19DA96C}"/>
-              </a:ext>
-            </a:extLst>
-          </p:cNvPr>
-          <p:cNvSpPr>
-            <a:spLocks noGrp="1"/>
-          </p:cNvSpPr>
-          <p:nvPr>
-            <p:ph idx="1"/>
-          </p:nvPr>
-        </p:nvSpPr>
-        <p:spPr>
-          <a:xfrm>
-            <a:off x="372533" y="952466"/>
-            <a:ext cx="8387645" cy="5595089"/>
-          </a:xfrm>
-        </p:spPr>
-        <p:txBody>
-          <a:bodyPr/>
-          <a:lstStyle/>
-          <a:p>
-            <a:pPr marL="0" indent="0">
-              <a:buNone/>
-            </a:pPr>
-            <a:r>
-              <a:rPr lang="en-US" sz="2800" i="1" dirty="0">
-                <a:solidFill>
-                  <a:srgbClr val="00FF00"/>
-                </a:solidFill>
-              </a:rPr>
-              <a:t>Reaction</a:t>
-            </a:r>
-          </a:p>
-          <a:p>
-            <a:pPr marL="457200" indent="-457200">
-              <a:buFont typeface="+mj-lt"/>
-              <a:buAutoNum type="arabicPeriod"/>
-            </a:pPr>
-            <a:r>
-              <a:rPr lang="en-US" sz="2200" dirty="0"/>
-              <a:t>Heat the contents with a </a:t>
-            </a:r>
-            <a:r>
-              <a:rPr lang="en-US" sz="2200" dirty="0">
-                <a:solidFill>
-                  <a:schemeClr val="accent1">
-                    <a:lumMod val="60000"/>
-                    <a:lumOff val="40000"/>
-                  </a:schemeClr>
-                </a:solidFill>
-              </a:rPr>
-              <a:t>blue flame </a:t>
-            </a:r>
-            <a:r>
-              <a:rPr lang="en-US" sz="2200" dirty="0"/>
-              <a:t>of the </a:t>
-            </a:r>
-            <a:r>
-              <a:rPr lang="en-US" sz="2200" dirty="0">
-                <a:solidFill>
-                  <a:schemeClr val="accent1">
-                    <a:lumMod val="60000"/>
-                    <a:lumOff val="40000"/>
-                  </a:schemeClr>
-                </a:solidFill>
-              </a:rPr>
-              <a:t>Bunsen burner</a:t>
-            </a:r>
-            <a:r>
-              <a:rPr lang="en-US" sz="2200" dirty="0"/>
-              <a:t>. The </a:t>
-            </a:r>
-            <a:r>
-              <a:rPr lang="en-US" sz="2200" dirty="0">
-                <a:solidFill>
-                  <a:srgbClr val="FFFF00"/>
-                </a:solidFill>
-              </a:rPr>
-              <a:t>sulfur</a:t>
-            </a:r>
-            <a:r>
-              <a:rPr lang="en-US" sz="2200" dirty="0"/>
-              <a:t> will melt within about a minute.</a:t>
-            </a:r>
-          </a:p>
-          <a:p>
-            <a:pPr marL="457200" indent="-457200">
-              <a:buFont typeface="+mj-lt"/>
-              <a:buAutoNum type="arabicPeriod"/>
-            </a:pPr>
-            <a:r>
-              <a:rPr lang="en-US" sz="2200" dirty="0"/>
-              <a:t>Use the </a:t>
-            </a:r>
-            <a:r>
-              <a:rPr lang="en-US" sz="2200" dirty="0">
-                <a:solidFill>
-                  <a:schemeClr val="accent1">
-                    <a:lumMod val="60000"/>
-                    <a:lumOff val="40000"/>
-                  </a:schemeClr>
-                </a:solidFill>
-              </a:rPr>
-              <a:t>crucible tongs </a:t>
-            </a:r>
-            <a:r>
-              <a:rPr lang="en-US" sz="2200" dirty="0"/>
-              <a:t>to transfer the crucible to the </a:t>
-            </a:r>
-            <a:r>
-              <a:rPr lang="en-US" sz="2200" dirty="0">
-                <a:solidFill>
-                  <a:schemeClr val="accent1">
-                    <a:lumMod val="60000"/>
-                    <a:lumOff val="40000"/>
-                  </a:schemeClr>
-                </a:solidFill>
-              </a:rPr>
-              <a:t>wire mesh. </a:t>
-            </a:r>
-            <a:r>
-              <a:rPr lang="en-US" sz="2200" dirty="0"/>
-              <a:t>The</a:t>
-            </a:r>
-            <a:r>
-              <a:rPr lang="en-US" sz="2200" dirty="0">
-                <a:solidFill>
-                  <a:schemeClr val="accent1">
-                    <a:lumMod val="60000"/>
-                    <a:lumOff val="40000"/>
-                  </a:schemeClr>
-                </a:solidFill>
-              </a:rPr>
-              <a:t> </a:t>
-            </a:r>
-            <a:r>
-              <a:rPr lang="en-US" sz="2200" dirty="0"/>
-              <a:t>melted sulfur reacts with the copper during this time.</a:t>
-            </a:r>
-          </a:p>
-          <a:p>
-            <a:pPr marL="457200" indent="-457200">
-              <a:buFont typeface="+mj-lt"/>
-              <a:buAutoNum type="arabicPeriod"/>
-            </a:pPr>
-            <a:r>
-              <a:rPr lang="en-US" sz="2200" dirty="0"/>
-              <a:t>Put the crucible back on the flame: the unreacted sulfur will burn off, forming sulfur dioxide (SO</a:t>
-            </a:r>
-            <a:r>
-              <a:rPr lang="en-US" sz="2200" baseline="-25000" dirty="0"/>
-              <a:t>2</a:t>
-            </a:r>
-            <a:r>
-              <a:rPr lang="en-US" sz="2200" dirty="0"/>
-              <a:t>) gas, vented in the hood. The crucible looks clean and dry except for the coil of copper sulfide.</a:t>
-            </a:r>
-          </a:p>
-          <a:p>
-            <a:pPr marL="457200" indent="-457200">
-              <a:buFont typeface="+mj-lt"/>
-              <a:buAutoNum type="arabicPeriod"/>
-            </a:pPr>
-            <a:r>
-              <a:rPr lang="en-US" sz="2200" dirty="0"/>
-              <a:t>Set the crucible again on the wire mesh to cool</a:t>
-            </a:r>
-          </a:p>
-          <a:p>
-            <a:pPr marL="457200" indent="-457200">
-              <a:buFont typeface="+mj-lt"/>
-              <a:buAutoNum type="arabicPeriod"/>
-            </a:pPr>
-            <a:r>
-              <a:rPr lang="en-US" sz="2200" dirty="0"/>
-              <a:t>Record mass of crucible with the new compound (</a:t>
-            </a:r>
-            <a:r>
-              <a:rPr lang="en-US" sz="2200" b="1" dirty="0"/>
-              <a:t>D</a:t>
-            </a:r>
-            <a:r>
-              <a:rPr lang="en-US" sz="2200" dirty="0"/>
-              <a:t>)</a:t>
-            </a:r>
-          </a:p>
-          <a:p>
-            <a:pPr marL="457200" indent="-457200">
-              <a:buFont typeface="+mj-lt"/>
-              <a:buAutoNum type="arabicPeriod"/>
-            </a:pPr>
-            <a:r>
-              <a:rPr lang="en-US" sz="2200" dirty="0"/>
-              <a:t>Carefully tip crucible contents on to watch glass and make observations of physical properties</a:t>
-            </a:r>
-          </a:p>
-          <a:p>
-            <a:pPr marL="457200" indent="-457200">
-              <a:buFont typeface="+mj-lt"/>
-              <a:buAutoNum type="arabicPeriod"/>
-            </a:pPr>
-            <a:endParaRPr lang="en-US" dirty="0"/>
-          </a:p>
-          <a:p>
-            <a:pPr marL="457200" indent="-457200">
-              <a:buFont typeface="+mj-lt"/>
-              <a:buAutoNum type="arabicPeriod"/>
-            </a:pPr>
-            <a:endParaRPr lang="en-US" sz="2800" dirty="0"/>
-          </a:p>
-        </p:txBody>
-      </p:sp>
-    </p:spTree>
-    <p:extLst>
-      <p:ext uri="{BB962C8B-B14F-4D97-AF65-F5344CB8AC3E}">
-        <p14:creationId xmlns:p14="http://schemas.microsoft.com/office/powerpoint/2010/main" val="943315025"/>
-      </p:ext>
-    </p:extLst>
-  </p:cSld>
-  <p:clrMapOvr>
-    <a:masterClrMapping/>
-  </p:clrMapOvr>
-</p:sld>
-</file>
-
-<file path=ppt/slides/slide9.xml><?xml version="1.0" encoding="utf-8"?>
-<p:sld xmlns:a="http://schemas.openxmlformats.org/drawingml/2006/main" xmlns:r="http://schemas.openxmlformats.org/officeDocument/2006/relationships" xmlns:p="http://schemas.openxmlformats.org/presentationml/2006/main">
-  <p:cSld>
-    <p:spTree>
-      <p:nvGrpSpPr>
-        <p:cNvPr id="1" name="">
-          <a:extLst>
-            <a:ext uri="{FF2B5EF4-FFF2-40B4-BE49-F238E27FC236}">
-              <a16:creationId xmlns:a16="http://schemas.microsoft.com/office/drawing/2014/main" id="{BA86FC53-DF32-CE64-DFB5-7C8645A52D75}"/>
-            </a:ext>
-          </a:extLst>
-        </p:cNvPr>
-        <p:cNvGrpSpPr/>
-        <p:nvPr/>
-      </p:nvGrpSpPr>
-      <p:grpSpPr>
-        <a:xfrm>
-          <a:off x="0" y="0"/>
-          <a:ext cx="0" cy="0"/>
-          <a:chOff x="0" y="0"/>
-          <a:chExt cx="0" cy="0"/>
-        </a:xfrm>
-      </p:grpSpPr>
-      <p:sp>
-        <p:nvSpPr>
-          <p:cNvPr id="2" name="Title 1">
-            <a:extLst>
-              <a:ext uri="{FF2B5EF4-FFF2-40B4-BE49-F238E27FC236}">
-                <a16:creationId xmlns:a16="http://schemas.microsoft.com/office/drawing/2014/main" id="{C16FF693-5E30-D813-D298-9AB46F923D33}"/>
-              </a:ext>
-            </a:extLst>
-          </p:cNvPr>
-          <p:cNvSpPr>
-            <a:spLocks noGrp="1"/>
-          </p:cNvSpPr>
-          <p:nvPr>
-            <p:ph type="title"/>
-          </p:nvPr>
-        </p:nvSpPr>
-        <p:spPr>
-          <a:xfrm>
-            <a:off x="338666" y="183025"/>
-            <a:ext cx="8421512" cy="769441"/>
-          </a:xfrm>
-        </p:spPr>
-        <p:txBody>
-          <a:bodyPr/>
-          <a:lstStyle/>
-          <a:p>
-            <a:r>
-              <a:rPr lang="en-US" sz="4400" dirty="0"/>
-              <a:t>Example Data Analysis</a:t>
-            </a:r>
-          </a:p>
-        </p:txBody>
-      </p:sp>
-      <p:sp>
-        <p:nvSpPr>
-          <p:cNvPr id="6" name="Content Placeholder 5">
-            <a:extLst>
-              <a:ext uri="{FF2B5EF4-FFF2-40B4-BE49-F238E27FC236}">
-                <a16:creationId xmlns:a16="http://schemas.microsoft.com/office/drawing/2014/main" id="{584FB2EA-A75D-4ADA-B03B-899868167CF9}"/>
-              </a:ext>
-            </a:extLst>
-          </p:cNvPr>
-          <p:cNvSpPr>
-            <a:spLocks noGrp="1"/>
-          </p:cNvSpPr>
-          <p:nvPr>
-            <p:ph idx="1"/>
-          </p:nvPr>
-        </p:nvSpPr>
-        <p:spPr>
-          <a:xfrm>
-            <a:off x="372533" y="952466"/>
-            <a:ext cx="8387645" cy="5595089"/>
-          </a:xfrm>
-        </p:spPr>
-        <p:txBody>
-          <a:bodyPr/>
-          <a:lstStyle/>
-          <a:p>
-            <a:pPr marL="457200" indent="-457200">
-              <a:buFont typeface="+mj-lt"/>
-              <a:buAutoNum type="arabicPeriod"/>
-            </a:pPr>
-            <a:r>
-              <a:rPr lang="en-US" dirty="0"/>
-              <a:t>Suppose A=23.7584 g, B=34.3532 g,</a:t>
-            </a:r>
-            <a:br>
-              <a:rPr lang="en-US" dirty="0"/>
-            </a:br>
-            <a:r>
-              <a:rPr lang="en-US" dirty="0"/>
-              <a:t>C=37.5732 g. After the reaction, D=36.7841 g</a:t>
-            </a:r>
-          </a:p>
-          <a:p>
-            <a:pPr marL="457200" indent="-457200">
-              <a:buFont typeface="+mj-lt"/>
-              <a:buAutoNum type="arabicPeriod"/>
-            </a:pPr>
-            <a:r>
-              <a:rPr lang="en-US" dirty="0"/>
-              <a:t>[B-A]=10.5948 g, [C-B]=3.2200 g,</a:t>
-            </a:r>
-            <a:br>
-              <a:rPr lang="en-US" dirty="0"/>
-            </a:br>
-            <a:r>
-              <a:rPr lang="en-US" dirty="0"/>
-              <a:t>[D-A]=13.0257 g</a:t>
-            </a:r>
-          </a:p>
-          <a:p>
-            <a:pPr marL="457200" indent="-457200">
-              <a:buFont typeface="+mj-lt"/>
-              <a:buAutoNum type="arabicPeriod"/>
-            </a:pPr>
-            <a:r>
-              <a:rPr lang="en-US" dirty="0"/>
-              <a:t>Copper reacted should be same as initial copper, because copper doesn’t go anywhere</a:t>
-            </a:r>
-          </a:p>
-          <a:p>
-            <a:pPr marL="457200" indent="-457200">
-              <a:buFont typeface="+mj-lt"/>
-              <a:buAutoNum type="arabicPeriod"/>
-            </a:pPr>
-            <a:r>
-              <a:rPr lang="en-US" dirty="0"/>
-              <a:t>Sulfur reacted should be [D-A]-[B-A]=13.0257 g - 10.5948 g= 2.4309 g</a:t>
-            </a:r>
-          </a:p>
-          <a:p>
-            <a:pPr marL="457200" indent="-457200">
-              <a:buFont typeface="+mj-lt"/>
-              <a:buAutoNum type="arabicPeriod"/>
-            </a:pPr>
-            <a:r>
-              <a:rPr lang="en-US" dirty="0"/>
-              <a:t>Excess sulfur = [C-B]-2.4309 g = 3.2200 g – 2.4309 g =0.7891 g </a:t>
-            </a:r>
-          </a:p>
-          <a:p>
-            <a:pPr marL="457200" indent="-457200">
-              <a:buFont typeface="+mj-lt"/>
-              <a:buAutoNum type="arabicPeriod"/>
-            </a:pPr>
-            <a:endParaRPr lang="en-US" dirty="0"/>
-          </a:p>
-          <a:p>
-            <a:pPr marL="0" indent="0">
-              <a:buNone/>
-            </a:pPr>
-            <a:r>
-              <a:rPr lang="en-US" dirty="0"/>
-              <a:t>Mass ratio </a:t>
-            </a:r>
-            <a:r>
-              <a:rPr lang="en-US" sz="2000" dirty="0"/>
-              <a:t>= </a:t>
-            </a:r>
-            <a:r>
-              <a:rPr lang="en-US" sz="1800" dirty="0"/>
-              <a:t>c</a:t>
-            </a:r>
-            <a:r>
-              <a:rPr lang="en-US" sz="2000" dirty="0"/>
-              <a:t>opper/sulfur reacted =</a:t>
-            </a:r>
-            <a:r>
-              <a:rPr lang="en-US" dirty="0"/>
-              <a:t> 10.5948 g/2.4309 g</a:t>
-            </a:r>
-            <a:br>
-              <a:rPr lang="en-US" dirty="0"/>
-            </a:br>
-            <a:r>
-              <a:rPr lang="en-US" dirty="0"/>
-              <a:t>= 4.3583</a:t>
-            </a:r>
-          </a:p>
-        </p:txBody>
-      </p:sp>
-    </p:spTree>
-    <p:extLst>
-      <p:ext uri="{BB962C8B-B14F-4D97-AF65-F5344CB8AC3E}">
-        <p14:creationId xmlns:p14="http://schemas.microsoft.com/office/powerpoint/2010/main" val="2049909912"/>
       </p:ext>
     </p:extLst>
   </p:cSld>
